--- a/lectures/030_datatypes_and_variables/Datatypes-Variables-Details.pptx
+++ b/lectures/030_datatypes_and_variables/Datatypes-Variables-Details.pptx
@@ -5,33 +5,28 @@
     <p:sldMasterId id="2147483732" r:id="rId1"/>
   </p:sldMasterIdLst>
   <p:notesMasterIdLst>
-    <p:notesMasterId r:id="rId23"/>
+    <p:notesMasterId r:id="rId18"/>
   </p:notesMasterIdLst>
   <p:handoutMasterIdLst>
-    <p:handoutMasterId r:id="rId24"/>
+    <p:handoutMasterId r:id="rId19"/>
   </p:handoutMasterIdLst>
   <p:sldIdLst>
     <p:sldId id="256" r:id="rId2"/>
-    <p:sldId id="299" r:id="rId3"/>
-    <p:sldId id="279" r:id="rId4"/>
-    <p:sldId id="280" r:id="rId5"/>
-    <p:sldId id="281" r:id="rId6"/>
-    <p:sldId id="285" r:id="rId7"/>
-    <p:sldId id="297" r:id="rId8"/>
-    <p:sldId id="282" r:id="rId9"/>
-    <p:sldId id="293" r:id="rId10"/>
-    <p:sldId id="294" r:id="rId11"/>
-    <p:sldId id="295" r:id="rId12"/>
-    <p:sldId id="296" r:id="rId13"/>
-    <p:sldId id="291" r:id="rId14"/>
-    <p:sldId id="283" r:id="rId15"/>
-    <p:sldId id="284" r:id="rId16"/>
-    <p:sldId id="298" r:id="rId17"/>
-    <p:sldId id="290" r:id="rId18"/>
-    <p:sldId id="287" r:id="rId19"/>
-    <p:sldId id="288" r:id="rId20"/>
-    <p:sldId id="289" r:id="rId21"/>
-    <p:sldId id="292" r:id="rId22"/>
+    <p:sldId id="279" r:id="rId3"/>
+    <p:sldId id="280" r:id="rId4"/>
+    <p:sldId id="281" r:id="rId5"/>
+    <p:sldId id="285" r:id="rId6"/>
+    <p:sldId id="297" r:id="rId7"/>
+    <p:sldId id="282" r:id="rId8"/>
+    <p:sldId id="293" r:id="rId9"/>
+    <p:sldId id="294" r:id="rId10"/>
+    <p:sldId id="295" r:id="rId11"/>
+    <p:sldId id="296" r:id="rId12"/>
+    <p:sldId id="291" r:id="rId13"/>
+    <p:sldId id="283" r:id="rId14"/>
+    <p:sldId id="284" r:id="rId15"/>
+    <p:sldId id="298" r:id="rId16"/>
+    <p:sldId id="292" r:id="rId17"/>
   </p:sldIdLst>
   <p:sldSz cx="12188825" cy="6858000"/>
   <p:notesSz cx="6858000" cy="9144000"/>
@@ -2616,7 +2611,7 @@
           <a:p>
             <a:fld id="{2507D560-C4D4-4804-8CBF-2C56AB6C6DB9}" type="datetimeFigureOut">
               <a:rPr lang="en-US" smtClean="0"/>
-              <a:t>2/15/2021</a:t>
+              <a:t>5/25/2021</a:t>
             </a:fld>
             <a:endParaRPr lang="en-US"/>
           </a:p>
@@ -2781,7 +2776,7 @@
           <a:p>
             <a:fld id="{688E7586-9A7B-41FF-B169-85DADA744493}" type="datetimeFigureOut">
               <a:rPr lang="en-US" smtClean="0"/>
-              <a:t>2/15/2021</a:t>
+              <a:t>5/25/2021</a:t>
             </a:fld>
             <a:endParaRPr lang="en-US"/>
           </a:p>
@@ -6405,8 +6400,12 @@
           </a:p>
           <a:p>
             <a:r>
-              <a:rPr lang="en-US"/>
-              <a:t>Spring 2021</a:t>
+              <a:rPr lang="en-US" dirty="0"/>
+              <a:t>Spring </a:t>
+            </a:r>
+            <a:r>
+              <a:rPr lang="en-US" dirty="0" smtClean="0"/>
+              <a:t>20XX</a:t>
             </a:r>
             <a:endParaRPr lang="en-US" dirty="0"/>
           </a:p>
@@ -6456,1912 +6455,6 @@
 </file>
 
 <file path=ppt/slides/slide10.xml><?xml version="1.0" encoding="utf-8"?>
-<p:sld xmlns:a="http://schemas.openxmlformats.org/drawingml/2006/main" xmlns:r="http://schemas.openxmlformats.org/officeDocument/2006/relationships" xmlns:p="http://schemas.openxmlformats.org/presentationml/2006/main">
-  <p:cSld>
-    <p:spTree>
-      <p:nvGrpSpPr>
-        <p:cNvPr id="1" name=""/>
-        <p:cNvGrpSpPr/>
-        <p:nvPr/>
-      </p:nvGrpSpPr>
-      <p:grpSpPr>
-        <a:xfrm>
-          <a:off x="0" y="0"/>
-          <a:ext cx="0" cy="0"/>
-          <a:chOff x="0" y="0"/>
-          <a:chExt cx="0" cy="0"/>
-        </a:xfrm>
-      </p:grpSpPr>
-      <p:sp>
-        <p:nvSpPr>
-          <p:cNvPr id="2" name="Title 1">
-            <a:extLst>
-              <a:ext uri="{FF2B5EF4-FFF2-40B4-BE49-F238E27FC236}">
-                <a16:creationId xmlns:a16="http://schemas.microsoft.com/office/drawing/2014/main" id="{819D53F5-544C-43EC-8042-4C4E265AB400}"/>
-              </a:ext>
-            </a:extLst>
-          </p:cNvPr>
-          <p:cNvSpPr>
-            <a:spLocks noGrp="1"/>
-          </p:cNvSpPr>
-          <p:nvPr>
-            <p:ph type="title"/>
-          </p:nvPr>
-        </p:nvSpPr>
-        <p:spPr/>
-        <p:txBody>
-          <a:bodyPr/>
-          <a:lstStyle/>
-          <a:p>
-            <a:r>
-              <a:rPr lang="en-US" dirty="0"/>
-              <a:t>Approximate Decimals</a:t>
-            </a:r>
-          </a:p>
-        </p:txBody>
-      </p:sp>
-      <mc:AlternateContent xmlns:mc="http://schemas.openxmlformats.org/markup-compatibility/2006" xmlns:a14="http://schemas.microsoft.com/office/drawing/2010/main">
-        <mc:Choice Requires="a14">
-          <p:sp>
-            <p:nvSpPr>
-              <p:cNvPr id="3" name="Content Placeholder 2">
-                <a:extLst>
-                  <a:ext uri="{FF2B5EF4-FFF2-40B4-BE49-F238E27FC236}">
-                    <a16:creationId xmlns:a16="http://schemas.microsoft.com/office/drawing/2014/main" id="{08AD3D8D-6EFB-4B23-8F03-FA9E1375145B}"/>
-                  </a:ext>
-                </a:extLst>
-              </p:cNvPr>
-              <p:cNvSpPr>
-                <a:spLocks noGrp="1"/>
-              </p:cNvSpPr>
-              <p:nvPr>
-                <p:ph idx="1"/>
-              </p:nvPr>
-            </p:nvSpPr>
-            <p:spPr/>
-            <p:txBody>
-              <a:bodyPr/>
-              <a:lstStyle/>
-              <a:p>
-                <a:r>
-                  <a:rPr lang="en-US" dirty="0"/>
-                  <a:t>Some decimal (base 10) fractions can’t be expressed in binary</a:t>
-                </a:r>
-              </a:p>
-              <a:p>
-                <a:r>
-                  <a:rPr lang="en-US" sz="3200" dirty="0"/>
-                  <a:t>Decimal 0.1 = </a:t>
-                </a:r>
-                <a14:m>
-                  <m:oMath xmlns:m="http://schemas.openxmlformats.org/officeDocument/2006/math">
-                    <m:f>
-                      <m:fPr>
-                        <m:ctrlPr>
-                          <a:rPr lang="en-US" sz="3200" b="0" i="1" smtClean="0">
-                            <a:latin typeface="Cambria Math" panose="02040503050406030204" pitchFamily="18" charset="0"/>
-                          </a:rPr>
-                        </m:ctrlPr>
-                      </m:fPr>
-                      <m:num>
-                        <m:r>
-                          <a:rPr lang="en-US" sz="3200" b="0" i="1" smtClean="0">
-                            <a:latin typeface="Cambria Math" panose="02040503050406030204" pitchFamily="18" charset="0"/>
-                          </a:rPr>
-                          <m:t>1</m:t>
-                        </m:r>
-                      </m:num>
-                      <m:den>
-                        <m:r>
-                          <a:rPr lang="en-US" sz="3200" b="0" i="1" smtClean="0">
-                            <a:latin typeface="Cambria Math" panose="02040503050406030204" pitchFamily="18" charset="0"/>
-                          </a:rPr>
-                          <m:t>10</m:t>
-                        </m:r>
-                      </m:den>
-                    </m:f>
-                  </m:oMath>
-                </a14:m>
-                <a:r>
-                  <a:rPr lang="en-US" sz="3200" dirty="0"/>
-                  <a:t>. </a:t>
-                </a:r>
-                <a:r>
-                  <a:rPr lang="en-US" dirty="0"/>
-                  <a:t>Can you express </a:t>
-                </a:r>
-                <a14:m>
-                  <m:oMath xmlns:m="http://schemas.openxmlformats.org/officeDocument/2006/math">
-                    <m:f>
-                      <m:fPr>
-                        <m:ctrlPr>
-                          <a:rPr lang="en-US" i="1">
-                            <a:latin typeface="Cambria Math" panose="02040503050406030204" pitchFamily="18" charset="0"/>
-                          </a:rPr>
-                        </m:ctrlPr>
-                      </m:fPr>
-                      <m:num>
-                        <m:r>
-                          <a:rPr lang="en-US" i="1">
-                            <a:latin typeface="Cambria Math" panose="02040503050406030204" pitchFamily="18" charset="0"/>
-                          </a:rPr>
-                          <m:t>1</m:t>
-                        </m:r>
-                      </m:num>
-                      <m:den>
-                        <m:r>
-                          <a:rPr lang="en-US" i="1">
-                            <a:latin typeface="Cambria Math" panose="02040503050406030204" pitchFamily="18" charset="0"/>
-                          </a:rPr>
-                          <m:t>10</m:t>
-                        </m:r>
-                      </m:den>
-                    </m:f>
-                  </m:oMath>
-                </a14:m>
-                <a:r>
-                  <a:rPr lang="en-US" dirty="0"/>
-                  <a:t> as a sum of </a:t>
-                </a:r>
-                <a14:m>
-                  <m:oMath xmlns:m="http://schemas.openxmlformats.org/officeDocument/2006/math">
-                    <m:f>
-                      <m:fPr>
-                        <m:ctrlPr>
-                          <a:rPr lang="en-US" i="1">
-                            <a:latin typeface="Cambria Math" panose="02040503050406030204" pitchFamily="18" charset="0"/>
-                          </a:rPr>
-                        </m:ctrlPr>
-                      </m:fPr>
-                      <m:num>
-                        <m:r>
-                          <a:rPr lang="en-US" i="1">
-                            <a:latin typeface="Cambria Math" panose="02040503050406030204" pitchFamily="18" charset="0"/>
-                          </a:rPr>
-                          <m:t>1</m:t>
-                        </m:r>
-                      </m:num>
-                      <m:den>
-                        <m:r>
-                          <a:rPr lang="en-US" i="1">
-                            <a:latin typeface="Cambria Math" panose="02040503050406030204" pitchFamily="18" charset="0"/>
-                          </a:rPr>
-                          <m:t>4</m:t>
-                        </m:r>
-                      </m:den>
-                    </m:f>
-                    <m:r>
-                      <a:rPr lang="en-US" i="1">
-                        <a:latin typeface="Cambria Math" panose="02040503050406030204" pitchFamily="18" charset="0"/>
-                      </a:rPr>
-                      <m:t>,</m:t>
-                    </m:r>
-                    <m:f>
-                      <m:fPr>
-                        <m:ctrlPr>
-                          <a:rPr lang="en-US" i="1">
-                            <a:latin typeface="Cambria Math" panose="02040503050406030204" pitchFamily="18" charset="0"/>
-                          </a:rPr>
-                        </m:ctrlPr>
-                      </m:fPr>
-                      <m:num>
-                        <m:r>
-                          <a:rPr lang="en-US" i="1">
-                            <a:latin typeface="Cambria Math" panose="02040503050406030204" pitchFamily="18" charset="0"/>
-                          </a:rPr>
-                          <m:t>1</m:t>
-                        </m:r>
-                      </m:num>
-                      <m:den>
-                        <m:r>
-                          <a:rPr lang="en-US" i="1">
-                            <a:latin typeface="Cambria Math" panose="02040503050406030204" pitchFamily="18" charset="0"/>
-                          </a:rPr>
-                          <m:t>8</m:t>
-                        </m:r>
-                      </m:den>
-                    </m:f>
-                    <m:r>
-                      <a:rPr lang="en-US" i="1">
-                        <a:latin typeface="Cambria Math" panose="02040503050406030204" pitchFamily="18" charset="0"/>
-                      </a:rPr>
-                      <m:t>,</m:t>
-                    </m:r>
-                    <m:f>
-                      <m:fPr>
-                        <m:ctrlPr>
-                          <a:rPr lang="en-US" i="1">
-                            <a:latin typeface="Cambria Math" panose="02040503050406030204" pitchFamily="18" charset="0"/>
-                          </a:rPr>
-                        </m:ctrlPr>
-                      </m:fPr>
-                      <m:num>
-                        <m:r>
-                          <a:rPr lang="en-US" i="1">
-                            <a:latin typeface="Cambria Math" panose="02040503050406030204" pitchFamily="18" charset="0"/>
-                          </a:rPr>
-                          <m:t>1</m:t>
-                        </m:r>
-                      </m:num>
-                      <m:den>
-                        <m:r>
-                          <a:rPr lang="en-US" i="1">
-                            <a:latin typeface="Cambria Math" panose="02040503050406030204" pitchFamily="18" charset="0"/>
-                          </a:rPr>
-                          <m:t>16</m:t>
-                        </m:r>
-                      </m:den>
-                    </m:f>
-                    <m:r>
-                      <a:rPr lang="en-US" i="1">
-                        <a:latin typeface="Cambria Math" panose="02040503050406030204" pitchFamily="18" charset="0"/>
-                      </a:rPr>
-                      <m:t>,</m:t>
-                    </m:r>
-                    <m:f>
-                      <m:fPr>
-                        <m:ctrlPr>
-                          <a:rPr lang="en-US" i="1">
-                            <a:latin typeface="Cambria Math" panose="02040503050406030204" pitchFamily="18" charset="0"/>
-                          </a:rPr>
-                        </m:ctrlPr>
-                      </m:fPr>
-                      <m:num>
-                        <m:r>
-                          <a:rPr lang="en-US" i="1">
-                            <a:latin typeface="Cambria Math" panose="02040503050406030204" pitchFamily="18" charset="0"/>
-                          </a:rPr>
-                          <m:t>1</m:t>
-                        </m:r>
-                      </m:num>
-                      <m:den>
-                        <m:r>
-                          <a:rPr lang="en-US" i="1">
-                            <a:latin typeface="Cambria Math" panose="02040503050406030204" pitchFamily="18" charset="0"/>
-                          </a:rPr>
-                          <m:t>32</m:t>
-                        </m:r>
-                      </m:den>
-                    </m:f>
-                    <m:r>
-                      <a:rPr lang="en-US" i="1">
-                        <a:latin typeface="Cambria Math" panose="02040503050406030204" pitchFamily="18" charset="0"/>
-                      </a:rPr>
-                      <m:t>,…</m:t>
-                    </m:r>
-                  </m:oMath>
-                </a14:m>
-                <a:r>
-                  <a:rPr lang="en-US" dirty="0"/>
-                  <a:t> ?</a:t>
-                </a:r>
-              </a:p>
-              <a:p>
-                <a:endParaRPr lang="en-US" dirty="0"/>
-              </a:p>
-              <a:p>
-                <a:endParaRPr lang="en-US" dirty="0"/>
-              </a:p>
-              <a:p>
-                <a:endParaRPr lang="en-US" dirty="0"/>
-              </a:p>
-              <a:p>
-                <a:r>
-                  <a:rPr lang="en-US" dirty="0"/>
-                  <a:t>Truncating the infinite sequence leads to errors, just like with </a:t>
-                </a:r>
-                <a14:m>
-                  <m:oMath xmlns:m="http://schemas.openxmlformats.org/officeDocument/2006/math">
-                    <m:f>
-                      <m:fPr>
-                        <m:ctrlPr>
-                          <a:rPr lang="en-US" b="0" i="1" smtClean="0">
-                            <a:latin typeface="Cambria Math" panose="02040503050406030204" pitchFamily="18" charset="0"/>
-                          </a:rPr>
-                        </m:ctrlPr>
-                      </m:fPr>
-                      <m:num>
-                        <m:r>
-                          <a:rPr lang="en-US" b="0" i="1" smtClean="0">
-                            <a:latin typeface="Cambria Math" panose="02040503050406030204" pitchFamily="18" charset="0"/>
-                          </a:rPr>
-                          <m:t>1</m:t>
-                        </m:r>
-                      </m:num>
-                      <m:den>
-                        <m:r>
-                          <a:rPr lang="en-US" b="0" i="1" smtClean="0">
-                            <a:latin typeface="Cambria Math" panose="02040503050406030204" pitchFamily="18" charset="0"/>
-                          </a:rPr>
-                          <m:t>3</m:t>
-                        </m:r>
-                      </m:den>
-                    </m:f>
-                  </m:oMath>
-                </a14:m>
-                <a:r>
-                  <a:rPr lang="en-US" dirty="0"/>
-                  <a:t>:</a:t>
-                </a:r>
-              </a:p>
-            </p:txBody>
-          </p:sp>
-        </mc:Choice>
-        <mc:Fallback xmlns="">
-          <p:sp>
-            <p:nvSpPr>
-              <p:cNvPr id="3" name="Content Placeholder 2">
-                <a:extLst>
-                  <a:ext uri="{FF2B5EF4-FFF2-40B4-BE49-F238E27FC236}">
-                    <a16:creationId xmlns:a16="http://schemas.microsoft.com/office/drawing/2014/main" id="{08AD3D8D-6EFB-4B23-8F03-FA9E1375145B}"/>
-                  </a:ext>
-                </a:extLst>
-              </p:cNvPr>
-              <p:cNvSpPr>
-                <a:spLocks noGrp="1" noRot="1" noChangeAspect="1" noMove="1" noResize="1" noEditPoints="1" noAdjustHandles="1" noChangeArrowheads="1" noChangeShapeType="1" noTextEdit="1"/>
-              </p:cNvSpPr>
-              <p:nvPr>
-                <p:ph idx="1"/>
-              </p:nvPr>
-            </p:nvSpPr>
-            <p:spPr>
-              <a:blipFill>
-                <a:blip r:embed="rId2"/>
-                <a:stretch>
-                  <a:fillRect l="-935" t="-1410"/>
-                </a:stretch>
-              </a:blipFill>
-            </p:spPr>
-            <p:txBody>
-              <a:bodyPr/>
-              <a:lstStyle/>
-              <a:p>
-                <a:r>
-                  <a:rPr lang="en-US">
-                    <a:noFill/>
-                  </a:rPr>
-                  <a:t> </a:t>
-                </a:r>
-              </a:p>
-            </p:txBody>
-          </p:sp>
-        </mc:Fallback>
-      </mc:AlternateContent>
-      <p:sp>
-        <p:nvSpPr>
-          <p:cNvPr id="4" name="Footer Placeholder 3">
-            <a:extLst>
-              <a:ext uri="{FF2B5EF4-FFF2-40B4-BE49-F238E27FC236}">
-                <a16:creationId xmlns:a16="http://schemas.microsoft.com/office/drawing/2014/main" id="{F2758087-15D4-428B-ABE7-FB30496F3F3F}"/>
-              </a:ext>
-            </a:extLst>
-          </p:cNvPr>
-          <p:cNvSpPr>
-            <a:spLocks noGrp="1"/>
-          </p:cNvSpPr>
-          <p:nvPr>
-            <p:ph type="ftr" sz="quarter" idx="11"/>
-          </p:nvPr>
-        </p:nvSpPr>
-        <p:spPr/>
-        <p:txBody>
-          <a:bodyPr/>
-          <a:lstStyle/>
-          <a:p>
-            <a:r>
-              <a:rPr lang="en-US" dirty="0"/>
-              <a:t>CSCI 1301</a:t>
-            </a:r>
-          </a:p>
-        </p:txBody>
-      </p:sp>
-      <p:sp>
-        <p:nvSpPr>
-          <p:cNvPr id="6" name="TextBox 5">
-            <a:extLst>
-              <a:ext uri="{FF2B5EF4-FFF2-40B4-BE49-F238E27FC236}">
-                <a16:creationId xmlns:a16="http://schemas.microsoft.com/office/drawing/2014/main" id="{97F3055E-8EEF-440E-9274-8EF994802782}"/>
-              </a:ext>
-            </a:extLst>
-          </p:cNvPr>
-          <p:cNvSpPr txBox="1"/>
-          <p:nvPr/>
-        </p:nvSpPr>
-        <p:spPr>
-          <a:xfrm>
-            <a:off x="3503612" y="3692469"/>
-            <a:ext cx="3352800" cy="707886"/>
-          </a:xfrm>
-          <a:prstGeom prst="rect">
-            <a:avLst/>
-          </a:prstGeom>
-          <a:noFill/>
-        </p:spPr>
-        <p:txBody>
-          <a:bodyPr wrap="square" rtlCol="0">
-            <a:spAutoFit/>
-          </a:bodyPr>
-          <a:lstStyle/>
-          <a:p>
-            <a:r>
-              <a:rPr lang="en-US" sz="4000" dirty="0">
-                <a:latin typeface="Consolas" panose="020B0609020204030204" pitchFamily="49" charset="0"/>
-              </a:rPr>
-              <a:t>.000110011…</a:t>
-            </a:r>
-          </a:p>
-        </p:txBody>
-      </p:sp>
-      <p:cxnSp>
-        <p:nvCxnSpPr>
-          <p:cNvPr id="7" name="Straight Arrow Connector 6">
-            <a:extLst>
-              <a:ext uri="{FF2B5EF4-FFF2-40B4-BE49-F238E27FC236}">
-                <a16:creationId xmlns:a16="http://schemas.microsoft.com/office/drawing/2014/main" id="{4AA39ECD-45C8-4825-8A16-3B508C7211CD}"/>
-              </a:ext>
-            </a:extLst>
-          </p:cNvPr>
-          <p:cNvCxnSpPr>
-            <a:cxnSpLocks/>
-            <a:stCxn id="8" idx="2"/>
-          </p:cNvCxnSpPr>
-          <p:nvPr/>
-        </p:nvCxnSpPr>
-        <p:spPr>
-          <a:xfrm>
-            <a:off x="4699352" y="3526760"/>
-            <a:ext cx="175860" cy="280756"/>
-          </a:xfrm>
-          <a:prstGeom prst="straightConnector1">
-            <a:avLst/>
-          </a:prstGeom>
-          <a:ln>
-            <a:tailEnd type="triangle"/>
-          </a:ln>
-        </p:spPr>
-        <p:style>
-          <a:lnRef idx="2">
-            <a:schemeClr val="accent3"/>
-          </a:lnRef>
-          <a:fillRef idx="0">
-            <a:schemeClr val="accent3"/>
-          </a:fillRef>
-          <a:effectRef idx="1">
-            <a:schemeClr val="accent3"/>
-          </a:effectRef>
-          <a:fontRef idx="minor">
-            <a:schemeClr val="tx1"/>
-          </a:fontRef>
-        </p:style>
-      </p:cxnSp>
-      <mc:AlternateContent xmlns:mc="http://schemas.openxmlformats.org/markup-compatibility/2006" xmlns:a14="http://schemas.microsoft.com/office/drawing/2010/main">
-        <mc:Choice Requires="a14">
-          <p:sp>
-            <p:nvSpPr>
-              <p:cNvPr id="8" name="TextBox 7">
-                <a:extLst>
-                  <a:ext uri="{FF2B5EF4-FFF2-40B4-BE49-F238E27FC236}">
-                    <a16:creationId xmlns:a16="http://schemas.microsoft.com/office/drawing/2014/main" id="{8E5F56BF-ECA8-4A5C-89E0-F133484C2617}"/>
-                  </a:ext>
-                </a:extLst>
-              </p:cNvPr>
-              <p:cNvSpPr txBox="1"/>
-              <p:nvPr/>
-            </p:nvSpPr>
-            <p:spPr>
-              <a:xfrm>
-                <a:off x="4470764" y="2971800"/>
-                <a:ext cx="457176" cy="554960"/>
-              </a:xfrm>
-              <a:prstGeom prst="rect">
-                <a:avLst/>
-              </a:prstGeom>
-              <a:noFill/>
-            </p:spPr>
-            <p:txBody>
-              <a:bodyPr wrap="none" rtlCol="0">
-                <a:spAutoFit/>
-              </a:bodyPr>
-              <a:lstStyle/>
-              <a:p>
-                <a:pPr/>
-                <a14:m>
-                  <m:oMathPara xmlns:m="http://schemas.openxmlformats.org/officeDocument/2006/math">
-                    <m:oMathParaPr>
-                      <m:jc m:val="centerGroup"/>
-                    </m:oMathParaPr>
-                    <m:oMath xmlns:m="http://schemas.openxmlformats.org/officeDocument/2006/math">
-                      <m:f>
-                        <m:fPr>
-                          <m:ctrlPr>
-                            <a:rPr lang="en-US" sz="1600" b="0" i="1" smtClean="0">
-                              <a:latin typeface="Cambria Math" panose="02040503050406030204" pitchFamily="18" charset="0"/>
-                            </a:rPr>
-                          </m:ctrlPr>
-                        </m:fPr>
-                        <m:num>
-                          <m:r>
-                            <a:rPr lang="en-US" sz="1600" b="0" i="1" smtClean="0">
-                              <a:latin typeface="Cambria Math" panose="02040503050406030204" pitchFamily="18" charset="0"/>
-                            </a:rPr>
-                            <m:t>1</m:t>
-                          </m:r>
-                        </m:num>
-                        <m:den>
-                          <m:r>
-                            <a:rPr lang="en-US" sz="1600" b="0" i="1" smtClean="0">
-                              <a:latin typeface="Cambria Math" panose="02040503050406030204" pitchFamily="18" charset="0"/>
-                            </a:rPr>
-                            <m:t>16</m:t>
-                          </m:r>
-                        </m:den>
-                      </m:f>
-                    </m:oMath>
-                  </m:oMathPara>
-                </a14:m>
-                <a:endParaRPr lang="en-US" sz="1600" dirty="0"/>
-              </a:p>
-            </p:txBody>
-          </p:sp>
-        </mc:Choice>
-        <mc:Fallback xmlns="">
-          <p:sp>
-            <p:nvSpPr>
-              <p:cNvPr id="8" name="TextBox 7">
-                <a:extLst>
-                  <a:ext uri="{FF2B5EF4-FFF2-40B4-BE49-F238E27FC236}">
-                    <a16:creationId xmlns:a16="http://schemas.microsoft.com/office/drawing/2014/main" id="{8E5F56BF-ECA8-4A5C-89E0-F133484C2617}"/>
-                  </a:ext>
-                </a:extLst>
-              </p:cNvPr>
-              <p:cNvSpPr txBox="1">
-                <a:spLocks noRot="1" noChangeAspect="1" noMove="1" noResize="1" noEditPoints="1" noAdjustHandles="1" noChangeArrowheads="1" noChangeShapeType="1" noTextEdit="1"/>
-              </p:cNvSpPr>
-              <p:nvPr/>
-            </p:nvSpPr>
-            <p:spPr>
-              <a:xfrm>
-                <a:off x="4470764" y="2971800"/>
-                <a:ext cx="457176" cy="554960"/>
-              </a:xfrm>
-              <a:prstGeom prst="rect">
-                <a:avLst/>
-              </a:prstGeom>
-              <a:blipFill>
-                <a:blip r:embed="rId3"/>
-                <a:stretch>
-                  <a:fillRect/>
-                </a:stretch>
-              </a:blipFill>
-            </p:spPr>
-            <p:txBody>
-              <a:bodyPr/>
-              <a:lstStyle/>
-              <a:p>
-                <a:r>
-                  <a:rPr lang="en-US">
-                    <a:noFill/>
-                  </a:rPr>
-                  <a:t> </a:t>
-                </a:r>
-              </a:p>
-            </p:txBody>
-          </p:sp>
-        </mc:Fallback>
-      </mc:AlternateContent>
-      <mc:AlternateContent xmlns:mc="http://schemas.openxmlformats.org/markup-compatibility/2006" xmlns:a14="http://schemas.microsoft.com/office/drawing/2010/main">
-        <mc:Choice Requires="a14">
-          <p:sp>
-            <p:nvSpPr>
-              <p:cNvPr id="9" name="TextBox 8">
-                <a:extLst>
-                  <a:ext uri="{FF2B5EF4-FFF2-40B4-BE49-F238E27FC236}">
-                    <a16:creationId xmlns:a16="http://schemas.microsoft.com/office/drawing/2014/main" id="{6936541F-A435-479F-BE3C-6883EBDF15E6}"/>
-                  </a:ext>
-                </a:extLst>
-              </p:cNvPr>
-              <p:cNvSpPr txBox="1"/>
-              <p:nvPr/>
-            </p:nvSpPr>
-            <p:spPr>
-              <a:xfrm>
-                <a:off x="4930786" y="2971800"/>
-                <a:ext cx="457176" cy="554960"/>
-              </a:xfrm>
-              <a:prstGeom prst="rect">
-                <a:avLst/>
-              </a:prstGeom>
-              <a:noFill/>
-            </p:spPr>
-            <p:txBody>
-              <a:bodyPr wrap="none" rtlCol="0">
-                <a:spAutoFit/>
-              </a:bodyPr>
-              <a:lstStyle/>
-              <a:p>
-                <a:pPr/>
-                <a14:m>
-                  <m:oMathPara xmlns:m="http://schemas.openxmlformats.org/officeDocument/2006/math">
-                    <m:oMathParaPr>
-                      <m:jc m:val="centerGroup"/>
-                    </m:oMathParaPr>
-                    <m:oMath xmlns:m="http://schemas.openxmlformats.org/officeDocument/2006/math">
-                      <m:f>
-                        <m:fPr>
-                          <m:ctrlPr>
-                            <a:rPr lang="en-US" sz="1600" b="0" i="1" smtClean="0">
-                              <a:latin typeface="Cambria Math" panose="02040503050406030204" pitchFamily="18" charset="0"/>
-                            </a:rPr>
-                          </m:ctrlPr>
-                        </m:fPr>
-                        <m:num>
-                          <m:r>
-                            <a:rPr lang="en-US" sz="1600" b="0" i="1" smtClean="0">
-                              <a:latin typeface="Cambria Math" panose="02040503050406030204" pitchFamily="18" charset="0"/>
-                            </a:rPr>
-                            <m:t>1</m:t>
-                          </m:r>
-                        </m:num>
-                        <m:den>
-                          <m:r>
-                            <a:rPr lang="en-US" sz="1600" b="0" i="1" smtClean="0">
-                              <a:latin typeface="Cambria Math" panose="02040503050406030204" pitchFamily="18" charset="0"/>
-                            </a:rPr>
-                            <m:t>32</m:t>
-                          </m:r>
-                        </m:den>
-                      </m:f>
-                    </m:oMath>
-                  </m:oMathPara>
-                </a14:m>
-                <a:endParaRPr lang="en-US" sz="1600" dirty="0"/>
-              </a:p>
-            </p:txBody>
-          </p:sp>
-        </mc:Choice>
-        <mc:Fallback xmlns="">
-          <p:sp>
-            <p:nvSpPr>
-              <p:cNvPr id="9" name="TextBox 8">
-                <a:extLst>
-                  <a:ext uri="{FF2B5EF4-FFF2-40B4-BE49-F238E27FC236}">
-                    <a16:creationId xmlns:a16="http://schemas.microsoft.com/office/drawing/2014/main" id="{6936541F-A435-479F-BE3C-6883EBDF15E6}"/>
-                  </a:ext>
-                </a:extLst>
-              </p:cNvPr>
-              <p:cNvSpPr txBox="1">
-                <a:spLocks noRot="1" noChangeAspect="1" noMove="1" noResize="1" noEditPoints="1" noAdjustHandles="1" noChangeArrowheads="1" noChangeShapeType="1" noTextEdit="1"/>
-              </p:cNvSpPr>
-              <p:nvPr/>
-            </p:nvSpPr>
-            <p:spPr>
-              <a:xfrm>
-                <a:off x="4930786" y="2971800"/>
-                <a:ext cx="457176" cy="554960"/>
-              </a:xfrm>
-              <a:prstGeom prst="rect">
-                <a:avLst/>
-              </a:prstGeom>
-              <a:blipFill>
-                <a:blip r:embed="rId4"/>
-                <a:stretch>
-                  <a:fillRect/>
-                </a:stretch>
-              </a:blipFill>
-            </p:spPr>
-            <p:txBody>
-              <a:bodyPr/>
-              <a:lstStyle/>
-              <a:p>
-                <a:r>
-                  <a:rPr lang="en-US">
-                    <a:noFill/>
-                  </a:rPr>
-                  <a:t> </a:t>
-                </a:r>
-              </a:p>
-            </p:txBody>
-          </p:sp>
-        </mc:Fallback>
-      </mc:AlternateContent>
-      <p:cxnSp>
-        <p:nvCxnSpPr>
-          <p:cNvPr id="10" name="Straight Arrow Connector 9">
-            <a:extLst>
-              <a:ext uri="{FF2B5EF4-FFF2-40B4-BE49-F238E27FC236}">
-                <a16:creationId xmlns:a16="http://schemas.microsoft.com/office/drawing/2014/main" id="{EFA15A7A-ED4E-4289-97AE-B53E1D747B2C}"/>
-              </a:ext>
-            </a:extLst>
-          </p:cNvPr>
-          <p:cNvCxnSpPr>
-            <a:cxnSpLocks/>
-          </p:cNvCxnSpPr>
-          <p:nvPr/>
-        </p:nvCxnSpPr>
-        <p:spPr>
-          <a:xfrm>
-            <a:off x="5159374" y="3533196"/>
-            <a:ext cx="0" cy="274320"/>
-          </a:xfrm>
-          <a:prstGeom prst="straightConnector1">
-            <a:avLst/>
-          </a:prstGeom>
-          <a:ln>
-            <a:tailEnd type="triangle"/>
-          </a:ln>
-        </p:spPr>
-        <p:style>
-          <a:lnRef idx="2">
-            <a:schemeClr val="accent3"/>
-          </a:lnRef>
-          <a:fillRef idx="0">
-            <a:schemeClr val="accent3"/>
-          </a:fillRef>
-          <a:effectRef idx="1">
-            <a:schemeClr val="accent3"/>
-          </a:effectRef>
-          <a:fontRef idx="minor">
-            <a:schemeClr val="tx1"/>
-          </a:fontRef>
-        </p:style>
-      </p:cxnSp>
-      <mc:AlternateContent xmlns:mc="http://schemas.openxmlformats.org/markup-compatibility/2006" xmlns:a14="http://schemas.microsoft.com/office/drawing/2010/main">
-        <mc:Choice Requires="a14">
-          <p:sp>
-            <p:nvSpPr>
-              <p:cNvPr id="12" name="TextBox 11">
-                <a:extLst>
-                  <a:ext uri="{FF2B5EF4-FFF2-40B4-BE49-F238E27FC236}">
-                    <a16:creationId xmlns:a16="http://schemas.microsoft.com/office/drawing/2014/main" id="{594B323A-3E1D-4820-BF73-DC0EBF11D292}"/>
-                  </a:ext>
-                </a:extLst>
-              </p:cNvPr>
-              <p:cNvSpPr txBox="1"/>
-              <p:nvPr/>
-            </p:nvSpPr>
-            <p:spPr>
-              <a:xfrm>
-                <a:off x="5545104" y="2971800"/>
-                <a:ext cx="570990" cy="554960"/>
-              </a:xfrm>
-              <a:prstGeom prst="rect">
-                <a:avLst/>
-              </a:prstGeom>
-              <a:noFill/>
-            </p:spPr>
-            <p:txBody>
-              <a:bodyPr wrap="none" rtlCol="0">
-                <a:spAutoFit/>
-              </a:bodyPr>
-              <a:lstStyle/>
-              <a:p>
-                <a:pPr/>
-                <a14:m>
-                  <m:oMathPara xmlns:m="http://schemas.openxmlformats.org/officeDocument/2006/math">
-                    <m:oMathParaPr>
-                      <m:jc m:val="centerGroup"/>
-                    </m:oMathParaPr>
-                    <m:oMath xmlns:m="http://schemas.openxmlformats.org/officeDocument/2006/math">
-                      <m:f>
-                        <m:fPr>
-                          <m:ctrlPr>
-                            <a:rPr lang="en-US" sz="1600" b="0" i="1" smtClean="0">
-                              <a:latin typeface="Cambria Math" panose="02040503050406030204" pitchFamily="18" charset="0"/>
-                            </a:rPr>
-                          </m:ctrlPr>
-                        </m:fPr>
-                        <m:num>
-                          <m:r>
-                            <a:rPr lang="en-US" sz="1600" b="0" i="1" smtClean="0">
-                              <a:latin typeface="Cambria Math" panose="02040503050406030204" pitchFamily="18" charset="0"/>
-                            </a:rPr>
-                            <m:t>1</m:t>
-                          </m:r>
-                        </m:num>
-                        <m:den>
-                          <m:r>
-                            <a:rPr lang="en-US" sz="1600" b="0" i="1" smtClean="0">
-                              <a:latin typeface="Cambria Math" panose="02040503050406030204" pitchFamily="18" charset="0"/>
-                            </a:rPr>
-                            <m:t>256</m:t>
-                          </m:r>
-                        </m:den>
-                      </m:f>
-                    </m:oMath>
-                  </m:oMathPara>
-                </a14:m>
-                <a:endParaRPr lang="en-US" sz="1600" dirty="0"/>
-              </a:p>
-            </p:txBody>
-          </p:sp>
-        </mc:Choice>
-        <mc:Fallback xmlns="">
-          <p:sp>
-            <p:nvSpPr>
-              <p:cNvPr id="12" name="TextBox 11">
-                <a:extLst>
-                  <a:ext uri="{FF2B5EF4-FFF2-40B4-BE49-F238E27FC236}">
-                    <a16:creationId xmlns:a16="http://schemas.microsoft.com/office/drawing/2014/main" id="{594B323A-3E1D-4820-BF73-DC0EBF11D292}"/>
-                  </a:ext>
-                </a:extLst>
-              </p:cNvPr>
-              <p:cNvSpPr txBox="1">
-                <a:spLocks noRot="1" noChangeAspect="1" noMove="1" noResize="1" noEditPoints="1" noAdjustHandles="1" noChangeArrowheads="1" noChangeShapeType="1" noTextEdit="1"/>
-              </p:cNvSpPr>
-              <p:nvPr/>
-            </p:nvSpPr>
-            <p:spPr>
-              <a:xfrm>
-                <a:off x="5545104" y="2971800"/>
-                <a:ext cx="570990" cy="554960"/>
-              </a:xfrm>
-              <a:prstGeom prst="rect">
-                <a:avLst/>
-              </a:prstGeom>
-              <a:blipFill>
-                <a:blip r:embed="rId5"/>
-                <a:stretch>
-                  <a:fillRect/>
-                </a:stretch>
-              </a:blipFill>
-            </p:spPr>
-            <p:txBody>
-              <a:bodyPr/>
-              <a:lstStyle/>
-              <a:p>
-                <a:r>
-                  <a:rPr lang="en-US">
-                    <a:noFill/>
-                  </a:rPr>
-                  <a:t> </a:t>
-                </a:r>
-              </a:p>
-            </p:txBody>
-          </p:sp>
-        </mc:Fallback>
-      </mc:AlternateContent>
-      <mc:AlternateContent xmlns:mc="http://schemas.openxmlformats.org/markup-compatibility/2006" xmlns:a14="http://schemas.microsoft.com/office/drawing/2010/main">
-        <mc:Choice Requires="a14">
-          <p:sp>
-            <p:nvSpPr>
-              <p:cNvPr id="13" name="TextBox 12">
-                <a:extLst>
-                  <a:ext uri="{FF2B5EF4-FFF2-40B4-BE49-F238E27FC236}">
-                    <a16:creationId xmlns:a16="http://schemas.microsoft.com/office/drawing/2014/main" id="{EB4F8E08-155A-4145-8EA7-AF259647038D}"/>
-                  </a:ext>
-                </a:extLst>
-              </p:cNvPr>
-              <p:cNvSpPr txBox="1"/>
-              <p:nvPr/>
-            </p:nvSpPr>
-            <p:spPr>
-              <a:xfrm>
-                <a:off x="6123680" y="2971800"/>
-                <a:ext cx="570990" cy="554960"/>
-              </a:xfrm>
-              <a:prstGeom prst="rect">
-                <a:avLst/>
-              </a:prstGeom>
-              <a:noFill/>
-            </p:spPr>
-            <p:txBody>
-              <a:bodyPr wrap="none" rtlCol="0">
-                <a:spAutoFit/>
-              </a:bodyPr>
-              <a:lstStyle/>
-              <a:p>
-                <a:pPr/>
-                <a14:m>
-                  <m:oMathPara xmlns:m="http://schemas.openxmlformats.org/officeDocument/2006/math">
-                    <m:oMathParaPr>
-                      <m:jc m:val="centerGroup"/>
-                    </m:oMathParaPr>
-                    <m:oMath xmlns:m="http://schemas.openxmlformats.org/officeDocument/2006/math">
-                      <m:f>
-                        <m:fPr>
-                          <m:ctrlPr>
-                            <a:rPr lang="en-US" sz="1600" b="0" i="1" smtClean="0">
-                              <a:latin typeface="Cambria Math" panose="02040503050406030204" pitchFamily="18" charset="0"/>
-                            </a:rPr>
-                          </m:ctrlPr>
-                        </m:fPr>
-                        <m:num>
-                          <m:r>
-                            <a:rPr lang="en-US" sz="1600" b="0" i="1" smtClean="0">
-                              <a:latin typeface="Cambria Math" panose="02040503050406030204" pitchFamily="18" charset="0"/>
-                            </a:rPr>
-                            <m:t>1</m:t>
-                          </m:r>
-                        </m:num>
-                        <m:den>
-                          <m:r>
-                            <a:rPr lang="en-US" sz="1600" b="0" i="1" smtClean="0">
-                              <a:latin typeface="Cambria Math" panose="02040503050406030204" pitchFamily="18" charset="0"/>
-                            </a:rPr>
-                            <m:t>512</m:t>
-                          </m:r>
-                        </m:den>
-                      </m:f>
-                    </m:oMath>
-                  </m:oMathPara>
-                </a14:m>
-                <a:endParaRPr lang="en-US" sz="1600" dirty="0"/>
-              </a:p>
-            </p:txBody>
-          </p:sp>
-        </mc:Choice>
-        <mc:Fallback xmlns="">
-          <p:sp>
-            <p:nvSpPr>
-              <p:cNvPr id="13" name="TextBox 12">
-                <a:extLst>
-                  <a:ext uri="{FF2B5EF4-FFF2-40B4-BE49-F238E27FC236}">
-                    <a16:creationId xmlns:a16="http://schemas.microsoft.com/office/drawing/2014/main" id="{EB4F8E08-155A-4145-8EA7-AF259647038D}"/>
-                  </a:ext>
-                </a:extLst>
-              </p:cNvPr>
-              <p:cNvSpPr txBox="1">
-                <a:spLocks noRot="1" noChangeAspect="1" noMove="1" noResize="1" noEditPoints="1" noAdjustHandles="1" noChangeArrowheads="1" noChangeShapeType="1" noTextEdit="1"/>
-              </p:cNvSpPr>
-              <p:nvPr/>
-            </p:nvSpPr>
-            <p:spPr>
-              <a:xfrm>
-                <a:off x="6123680" y="2971800"/>
-                <a:ext cx="570990" cy="554960"/>
-              </a:xfrm>
-              <a:prstGeom prst="rect">
-                <a:avLst/>
-              </a:prstGeom>
-              <a:blipFill>
-                <a:blip r:embed="rId6"/>
-                <a:stretch>
-                  <a:fillRect/>
-                </a:stretch>
-              </a:blipFill>
-            </p:spPr>
-            <p:txBody>
-              <a:bodyPr/>
-              <a:lstStyle/>
-              <a:p>
-                <a:r>
-                  <a:rPr lang="en-US">
-                    <a:noFill/>
-                  </a:rPr>
-                  <a:t> </a:t>
-                </a:r>
-              </a:p>
-            </p:txBody>
-          </p:sp>
-        </mc:Fallback>
-      </mc:AlternateContent>
-      <p:cxnSp>
-        <p:nvCxnSpPr>
-          <p:cNvPr id="14" name="Straight Arrow Connector 13">
-            <a:extLst>
-              <a:ext uri="{FF2B5EF4-FFF2-40B4-BE49-F238E27FC236}">
-                <a16:creationId xmlns:a16="http://schemas.microsoft.com/office/drawing/2014/main" id="{1890B6AB-A321-446C-9AA4-E7E91D46541B}"/>
-              </a:ext>
-            </a:extLst>
-          </p:cNvPr>
-          <p:cNvCxnSpPr>
-            <a:cxnSpLocks/>
-            <a:stCxn id="12" idx="2"/>
-          </p:cNvCxnSpPr>
-          <p:nvPr/>
-        </p:nvCxnSpPr>
-        <p:spPr>
-          <a:xfrm>
-            <a:off x="5830599" y="3526760"/>
-            <a:ext cx="122140" cy="280756"/>
-          </a:xfrm>
-          <a:prstGeom prst="straightConnector1">
-            <a:avLst/>
-          </a:prstGeom>
-          <a:ln>
-            <a:tailEnd type="triangle"/>
-          </a:ln>
-        </p:spPr>
-        <p:style>
-          <a:lnRef idx="2">
-            <a:schemeClr val="accent3"/>
-          </a:lnRef>
-          <a:fillRef idx="0">
-            <a:schemeClr val="accent3"/>
-          </a:fillRef>
-          <a:effectRef idx="1">
-            <a:schemeClr val="accent3"/>
-          </a:effectRef>
-          <a:fontRef idx="minor">
-            <a:schemeClr val="tx1"/>
-          </a:fontRef>
-        </p:style>
-      </p:cxnSp>
-      <p:cxnSp>
-        <p:nvCxnSpPr>
-          <p:cNvPr id="17" name="Straight Arrow Connector 16">
-            <a:extLst>
-              <a:ext uri="{FF2B5EF4-FFF2-40B4-BE49-F238E27FC236}">
-                <a16:creationId xmlns:a16="http://schemas.microsoft.com/office/drawing/2014/main" id="{44CA2C5F-AD7B-40D0-B279-33AFA18889A3}"/>
-              </a:ext>
-            </a:extLst>
-          </p:cNvPr>
-          <p:cNvCxnSpPr>
-            <a:cxnSpLocks/>
-            <a:stCxn id="13" idx="2"/>
-          </p:cNvCxnSpPr>
-          <p:nvPr/>
-        </p:nvCxnSpPr>
-        <p:spPr>
-          <a:xfrm flipH="1">
-            <a:off x="6273237" y="3526760"/>
-            <a:ext cx="135938" cy="280756"/>
-          </a:xfrm>
-          <a:prstGeom prst="straightConnector1">
-            <a:avLst/>
-          </a:prstGeom>
-          <a:ln>
-            <a:tailEnd type="triangle"/>
-          </a:ln>
-        </p:spPr>
-        <p:style>
-          <a:lnRef idx="2">
-            <a:schemeClr val="accent3"/>
-          </a:lnRef>
-          <a:fillRef idx="0">
-            <a:schemeClr val="accent3"/>
-          </a:fillRef>
-          <a:effectRef idx="1">
-            <a:schemeClr val="accent3"/>
-          </a:effectRef>
-          <a:fontRef idx="minor">
-            <a:schemeClr val="tx1"/>
-          </a:fontRef>
-        </p:style>
-      </p:cxnSp>
-      <p:sp>
-        <p:nvSpPr>
-          <p:cNvPr id="21" name="TextBox 20">
-            <a:extLst>
-              <a:ext uri="{FF2B5EF4-FFF2-40B4-BE49-F238E27FC236}">
-                <a16:creationId xmlns:a16="http://schemas.microsoft.com/office/drawing/2014/main" id="{4ED23618-1EAD-4ECC-9F77-65EA14568957}"/>
-              </a:ext>
-            </a:extLst>
-          </p:cNvPr>
-          <p:cNvSpPr txBox="1"/>
-          <p:nvPr/>
-        </p:nvSpPr>
-        <p:spPr>
-          <a:xfrm>
-            <a:off x="6932612" y="3018447"/>
-            <a:ext cx="1874231" cy="461665"/>
-          </a:xfrm>
-          <a:prstGeom prst="rect">
-            <a:avLst/>
-          </a:prstGeom>
-          <a:noFill/>
-        </p:spPr>
-        <p:txBody>
-          <a:bodyPr wrap="none" rtlCol="0">
-            <a:spAutoFit/>
-          </a:bodyPr>
-          <a:lstStyle/>
-          <a:p>
-            <a:r>
-              <a:rPr lang="en-US" dirty="0"/>
-              <a:t>=.099609375</a:t>
-            </a:r>
-          </a:p>
-        </p:txBody>
-      </p:sp>
-      <p:sp>
-        <p:nvSpPr>
-          <p:cNvPr id="23" name="TextBox 22">
-            <a:extLst>
-              <a:ext uri="{FF2B5EF4-FFF2-40B4-BE49-F238E27FC236}">
-                <a16:creationId xmlns:a16="http://schemas.microsoft.com/office/drawing/2014/main" id="{CD910278-5DE1-46A1-A802-00CED905B309}"/>
-              </a:ext>
-            </a:extLst>
-          </p:cNvPr>
-          <p:cNvSpPr txBox="1"/>
-          <p:nvPr/>
-        </p:nvSpPr>
-        <p:spPr>
-          <a:xfrm>
-            <a:off x="6694670" y="3692469"/>
-            <a:ext cx="3590731" cy="707886"/>
-          </a:xfrm>
-          <a:prstGeom prst="rect">
-            <a:avLst/>
-          </a:prstGeom>
-          <a:noFill/>
-        </p:spPr>
-        <p:txBody>
-          <a:bodyPr wrap="square" rtlCol="0">
-            <a:spAutoFit/>
-          </a:bodyPr>
-          <a:lstStyle/>
-          <a:p>
-            <a:r>
-              <a:rPr lang="en-US" sz="4000" dirty="0">
-                <a:latin typeface="Consolas" panose="020B0609020204030204" pitchFamily="49" charset="0"/>
-              </a:rPr>
-              <a:t>(…00110011…)</a:t>
-            </a:r>
-          </a:p>
-        </p:txBody>
-      </p:sp>
-      <mc:AlternateContent xmlns:mc="http://schemas.openxmlformats.org/markup-compatibility/2006" xmlns:a14="http://schemas.microsoft.com/office/drawing/2010/main">
-        <mc:Choice Requires="a14">
-          <p:sp>
-            <p:nvSpPr>
-              <p:cNvPr id="24" name="TextBox 23">
-                <a:extLst>
-                  <a:ext uri="{FF2B5EF4-FFF2-40B4-BE49-F238E27FC236}">
-                    <a16:creationId xmlns:a16="http://schemas.microsoft.com/office/drawing/2014/main" id="{276C1C07-252A-437A-9C46-BC86A627A6F4}"/>
-                  </a:ext>
-                </a:extLst>
-              </p:cNvPr>
-              <p:cNvSpPr txBox="1"/>
-              <p:nvPr/>
-            </p:nvSpPr>
-            <p:spPr>
-              <a:xfrm>
-                <a:off x="3732212" y="5486400"/>
-                <a:ext cx="7550465" cy="523220"/>
-              </a:xfrm>
-              <a:prstGeom prst="rect">
-                <a:avLst/>
-              </a:prstGeom>
-              <a:noFill/>
-            </p:spPr>
-            <p:txBody>
-              <a:bodyPr wrap="none" rtlCol="0">
-                <a:spAutoFit/>
-              </a:bodyPr>
-              <a:lstStyle/>
-              <a:p>
-                <a:r>
-                  <a:rPr lang="en-US" sz="2800" dirty="0">
-                    <a:latin typeface="Consolas" panose="020B0609020204030204" pitchFamily="49" charset="0"/>
-                  </a:rPr>
-                  <a:t>.33333333 + .66666666 = .99999999 </a:t>
-                </a:r>
-                <a14:m>
-                  <m:oMath xmlns:m="http://schemas.openxmlformats.org/officeDocument/2006/math">
-                    <m:r>
-                      <a:rPr lang="en-US" sz="2800" b="0" i="1" smtClean="0">
-                        <a:latin typeface="Cambria Math" panose="02040503050406030204" pitchFamily="18" charset="0"/>
-                      </a:rPr>
-                      <m:t>≠</m:t>
-                    </m:r>
-                  </m:oMath>
-                </a14:m>
-                <a:r>
-                  <a:rPr lang="en-US" sz="2800" dirty="0">
-                    <a:latin typeface="Consolas" panose="020B0609020204030204" pitchFamily="49" charset="0"/>
-                  </a:rPr>
-                  <a:t> 1</a:t>
-                </a:r>
-              </a:p>
-            </p:txBody>
-          </p:sp>
-        </mc:Choice>
-        <mc:Fallback xmlns="">
-          <p:sp>
-            <p:nvSpPr>
-              <p:cNvPr id="24" name="TextBox 23">
-                <a:extLst>
-                  <a:ext uri="{FF2B5EF4-FFF2-40B4-BE49-F238E27FC236}">
-                    <a16:creationId xmlns:a16="http://schemas.microsoft.com/office/drawing/2014/main" id="{276C1C07-252A-437A-9C46-BC86A627A6F4}"/>
-                  </a:ext>
-                </a:extLst>
-              </p:cNvPr>
-              <p:cNvSpPr txBox="1">
-                <a:spLocks noRot="1" noChangeAspect="1" noMove="1" noResize="1" noEditPoints="1" noAdjustHandles="1" noChangeArrowheads="1" noChangeShapeType="1" noTextEdit="1"/>
-              </p:cNvSpPr>
-              <p:nvPr/>
-            </p:nvSpPr>
-            <p:spPr>
-              <a:xfrm>
-                <a:off x="3732212" y="5486400"/>
-                <a:ext cx="7550465" cy="523220"/>
-              </a:xfrm>
-              <a:prstGeom prst="rect">
-                <a:avLst/>
-              </a:prstGeom>
-              <a:blipFill>
-                <a:blip r:embed="rId7"/>
-                <a:stretch>
-                  <a:fillRect l="-1614" t="-11628" r="-646" b="-31395"/>
-                </a:stretch>
-              </a:blipFill>
-            </p:spPr>
-            <p:txBody>
-              <a:bodyPr/>
-              <a:lstStyle/>
-              <a:p>
-                <a:r>
-                  <a:rPr lang="en-US">
-                    <a:noFill/>
-                  </a:rPr>
-                  <a:t> </a:t>
-                </a:r>
-              </a:p>
-            </p:txBody>
-          </p:sp>
-        </mc:Fallback>
-      </mc:AlternateContent>
-      <mc:AlternateContent xmlns:mc="http://schemas.openxmlformats.org/markup-compatibility/2006" xmlns:a14="http://schemas.microsoft.com/office/drawing/2010/main">
-        <mc:Choice Requires="a14">
-          <p:sp>
-            <p:nvSpPr>
-              <p:cNvPr id="25" name="TextBox 24">
-                <a:extLst>
-                  <a:ext uri="{FF2B5EF4-FFF2-40B4-BE49-F238E27FC236}">
-                    <a16:creationId xmlns:a16="http://schemas.microsoft.com/office/drawing/2014/main" id="{40CCBE7C-FD20-4C13-9348-38F6BC4B1FEE}"/>
-                  </a:ext>
-                </a:extLst>
-              </p:cNvPr>
-              <p:cNvSpPr txBox="1"/>
-              <p:nvPr/>
-            </p:nvSpPr>
-            <p:spPr>
-              <a:xfrm>
-                <a:off x="989012" y="5396119"/>
-                <a:ext cx="2857705" cy="703782"/>
-              </a:xfrm>
-              <a:prstGeom prst="rect">
-                <a:avLst/>
-              </a:prstGeom>
-              <a:noFill/>
-            </p:spPr>
-            <p:txBody>
-              <a:bodyPr wrap="none" rtlCol="0">
-                <a:spAutoFit/>
-              </a:bodyPr>
-              <a:lstStyle/>
-              <a:p>
-                <a14:m>
-                  <m:oMath xmlns:m="http://schemas.openxmlformats.org/officeDocument/2006/math">
-                    <m:f>
-                      <m:fPr>
-                        <m:ctrlPr>
-                          <a:rPr lang="en-US" sz="2800" b="0" i="1" smtClean="0">
-                            <a:latin typeface="Cambria Math" panose="02040503050406030204" pitchFamily="18" charset="0"/>
-                          </a:rPr>
-                        </m:ctrlPr>
-                      </m:fPr>
-                      <m:num>
-                        <m:r>
-                          <a:rPr lang="en-US" sz="2800" b="0" i="1" smtClean="0">
-                            <a:latin typeface="Cambria Math" panose="02040503050406030204" pitchFamily="18" charset="0"/>
-                          </a:rPr>
-                          <m:t>1</m:t>
-                        </m:r>
-                      </m:num>
-                      <m:den>
-                        <m:r>
-                          <a:rPr lang="en-US" sz="2800" b="0" i="1" smtClean="0">
-                            <a:latin typeface="Cambria Math" panose="02040503050406030204" pitchFamily="18" charset="0"/>
-                          </a:rPr>
-                          <m:t>3</m:t>
-                        </m:r>
-                      </m:den>
-                    </m:f>
-                    <m:r>
-                      <a:rPr lang="en-US" sz="2800" b="0" i="1" smtClean="0">
-                        <a:latin typeface="Cambria Math" panose="02040503050406030204" pitchFamily="18" charset="0"/>
-                      </a:rPr>
-                      <m:t>+</m:t>
-                    </m:r>
-                    <m:f>
-                      <m:fPr>
-                        <m:ctrlPr>
-                          <a:rPr lang="en-US" sz="2800" b="0" i="1" smtClean="0">
-                            <a:latin typeface="Cambria Math" panose="02040503050406030204" pitchFamily="18" charset="0"/>
-                          </a:rPr>
-                        </m:ctrlPr>
-                      </m:fPr>
-                      <m:num>
-                        <m:r>
-                          <a:rPr lang="en-US" sz="2800" b="0" i="1" smtClean="0">
-                            <a:latin typeface="Cambria Math" panose="02040503050406030204" pitchFamily="18" charset="0"/>
-                          </a:rPr>
-                          <m:t>2</m:t>
-                        </m:r>
-                      </m:num>
-                      <m:den>
-                        <m:r>
-                          <a:rPr lang="en-US" sz="2800" b="0" i="1" smtClean="0">
-                            <a:latin typeface="Cambria Math" panose="02040503050406030204" pitchFamily="18" charset="0"/>
-                          </a:rPr>
-                          <m:t>3</m:t>
-                        </m:r>
-                      </m:den>
-                    </m:f>
-                  </m:oMath>
-                </a14:m>
-                <a:r>
-                  <a:rPr lang="en-US" sz="2800" dirty="0"/>
-                  <a:t> in decimal = </a:t>
-                </a:r>
-              </a:p>
-            </p:txBody>
-          </p:sp>
-        </mc:Choice>
-        <mc:Fallback xmlns="">
-          <p:sp>
-            <p:nvSpPr>
-              <p:cNvPr id="25" name="TextBox 24">
-                <a:extLst>
-                  <a:ext uri="{FF2B5EF4-FFF2-40B4-BE49-F238E27FC236}">
-                    <a16:creationId xmlns:a16="http://schemas.microsoft.com/office/drawing/2014/main" id="{40CCBE7C-FD20-4C13-9348-38F6BC4B1FEE}"/>
-                  </a:ext>
-                </a:extLst>
-              </p:cNvPr>
-              <p:cNvSpPr txBox="1">
-                <a:spLocks noRot="1" noChangeAspect="1" noMove="1" noResize="1" noEditPoints="1" noAdjustHandles="1" noChangeArrowheads="1" noChangeShapeType="1" noTextEdit="1"/>
-              </p:cNvSpPr>
-              <p:nvPr/>
-            </p:nvSpPr>
-            <p:spPr>
-              <a:xfrm>
-                <a:off x="989012" y="5396119"/>
-                <a:ext cx="2857705" cy="703782"/>
-              </a:xfrm>
-              <a:prstGeom prst="rect">
-                <a:avLst/>
-              </a:prstGeom>
-              <a:blipFill>
-                <a:blip r:embed="rId8"/>
-                <a:stretch>
-                  <a:fillRect r="-3412" b="-11207"/>
-                </a:stretch>
-              </a:blipFill>
-            </p:spPr>
-            <p:txBody>
-              <a:bodyPr/>
-              <a:lstStyle/>
-              <a:p>
-                <a:r>
-                  <a:rPr lang="en-US">
-                    <a:noFill/>
-                  </a:rPr>
-                  <a:t> </a:t>
-                </a:r>
-              </a:p>
-            </p:txBody>
-          </p:sp>
-        </mc:Fallback>
-      </mc:AlternateContent>
-    </p:spTree>
-    <p:extLst>
-      <p:ext uri="{BB962C8B-B14F-4D97-AF65-F5344CB8AC3E}">
-        <p14:creationId xmlns:p14="http://schemas.microsoft.com/office/powerpoint/2010/main" val="2002044289"/>
-      </p:ext>
-    </p:extLst>
-  </p:cSld>
-  <p:clrMapOvr>
-    <a:masterClrMapping/>
-  </p:clrMapOvr>
-  <p:timing>
-    <p:tnLst>
-      <p:par>
-        <p:cTn id="1" dur="indefinite" restart="never" nodeType="tmRoot">
-          <p:childTnLst>
-            <p:seq concurrent="1" nextAc="seek">
-              <p:cTn id="2" dur="indefinite" nodeType="mainSeq">
-                <p:childTnLst>
-                  <p:par>
-                    <p:cTn id="3" fill="hold">
-                      <p:stCondLst>
-                        <p:cond delay="indefinite"/>
-                      </p:stCondLst>
-                      <p:childTnLst>
-                        <p:par>
-                          <p:cTn id="4" fill="hold">
-                            <p:stCondLst>
-                              <p:cond delay="0"/>
-                            </p:stCondLst>
-                            <p:childTnLst>
-                              <p:par>
-                                <p:cTn id="5" presetID="1" presetClass="entr" presetSubtype="0" fill="hold" grpId="0" nodeType="clickEffect">
-                                  <p:stCondLst>
-                                    <p:cond delay="0"/>
-                                  </p:stCondLst>
-                                  <p:childTnLst>
-                                    <p:set>
-                                      <p:cBhvr>
-                                        <p:cTn id="6" dur="1" fill="hold">
-                                          <p:stCondLst>
-                                            <p:cond delay="0"/>
-                                          </p:stCondLst>
-                                        </p:cTn>
-                                        <p:tgtEl>
-                                          <p:spTgt spid="6"/>
-                                        </p:tgtEl>
-                                        <p:attrNameLst>
-                                          <p:attrName>style.visibility</p:attrName>
-                                        </p:attrNameLst>
-                                      </p:cBhvr>
-                                      <p:to>
-                                        <p:strVal val="visible"/>
-                                      </p:to>
-                                    </p:set>
-                                  </p:childTnLst>
-                                </p:cTn>
-                              </p:par>
-                              <p:par>
-                                <p:cTn id="7" presetID="1" presetClass="entr" presetSubtype="0" fill="hold" nodeType="withEffect">
-                                  <p:stCondLst>
-                                    <p:cond delay="0"/>
-                                  </p:stCondLst>
-                                  <p:childTnLst>
-                                    <p:set>
-                                      <p:cBhvr>
-                                        <p:cTn id="8" dur="1" fill="hold">
-                                          <p:stCondLst>
-                                            <p:cond delay="0"/>
-                                          </p:stCondLst>
-                                        </p:cTn>
-                                        <p:tgtEl>
-                                          <p:spTgt spid="7"/>
-                                        </p:tgtEl>
-                                        <p:attrNameLst>
-                                          <p:attrName>style.visibility</p:attrName>
-                                        </p:attrNameLst>
-                                      </p:cBhvr>
-                                      <p:to>
-                                        <p:strVal val="visible"/>
-                                      </p:to>
-                                    </p:set>
-                                  </p:childTnLst>
-                                </p:cTn>
-                              </p:par>
-                              <p:par>
-                                <p:cTn id="9" presetID="1" presetClass="entr" presetSubtype="0" fill="hold" grpId="0" nodeType="withEffect">
-                                  <p:stCondLst>
-                                    <p:cond delay="0"/>
-                                  </p:stCondLst>
-                                  <p:childTnLst>
-                                    <p:set>
-                                      <p:cBhvr>
-                                        <p:cTn id="10" dur="1" fill="hold">
-                                          <p:stCondLst>
-                                            <p:cond delay="0"/>
-                                          </p:stCondLst>
-                                        </p:cTn>
-                                        <p:tgtEl>
-                                          <p:spTgt spid="8"/>
-                                        </p:tgtEl>
-                                        <p:attrNameLst>
-                                          <p:attrName>style.visibility</p:attrName>
-                                        </p:attrNameLst>
-                                      </p:cBhvr>
-                                      <p:to>
-                                        <p:strVal val="visible"/>
-                                      </p:to>
-                                    </p:set>
-                                  </p:childTnLst>
-                                </p:cTn>
-                              </p:par>
-                              <p:par>
-                                <p:cTn id="11" presetID="1" presetClass="entr" presetSubtype="0" fill="hold" grpId="0" nodeType="withEffect">
-                                  <p:stCondLst>
-                                    <p:cond delay="0"/>
-                                  </p:stCondLst>
-                                  <p:childTnLst>
-                                    <p:set>
-                                      <p:cBhvr>
-                                        <p:cTn id="12" dur="1" fill="hold">
-                                          <p:stCondLst>
-                                            <p:cond delay="0"/>
-                                          </p:stCondLst>
-                                        </p:cTn>
-                                        <p:tgtEl>
-                                          <p:spTgt spid="9"/>
-                                        </p:tgtEl>
-                                        <p:attrNameLst>
-                                          <p:attrName>style.visibility</p:attrName>
-                                        </p:attrNameLst>
-                                      </p:cBhvr>
-                                      <p:to>
-                                        <p:strVal val="visible"/>
-                                      </p:to>
-                                    </p:set>
-                                  </p:childTnLst>
-                                </p:cTn>
-                              </p:par>
-                              <p:par>
-                                <p:cTn id="13" presetID="1" presetClass="entr" presetSubtype="0" fill="hold" nodeType="withEffect">
-                                  <p:stCondLst>
-                                    <p:cond delay="0"/>
-                                  </p:stCondLst>
-                                  <p:childTnLst>
-                                    <p:set>
-                                      <p:cBhvr>
-                                        <p:cTn id="14" dur="1" fill="hold">
-                                          <p:stCondLst>
-                                            <p:cond delay="0"/>
-                                          </p:stCondLst>
-                                        </p:cTn>
-                                        <p:tgtEl>
-                                          <p:spTgt spid="10"/>
-                                        </p:tgtEl>
-                                        <p:attrNameLst>
-                                          <p:attrName>style.visibility</p:attrName>
-                                        </p:attrNameLst>
-                                      </p:cBhvr>
-                                      <p:to>
-                                        <p:strVal val="visible"/>
-                                      </p:to>
-                                    </p:set>
-                                  </p:childTnLst>
-                                </p:cTn>
-                              </p:par>
-                              <p:par>
-                                <p:cTn id="15" presetID="1" presetClass="entr" presetSubtype="0" fill="hold" grpId="0" nodeType="withEffect">
-                                  <p:stCondLst>
-                                    <p:cond delay="0"/>
-                                  </p:stCondLst>
-                                  <p:childTnLst>
-                                    <p:set>
-                                      <p:cBhvr>
-                                        <p:cTn id="16" dur="1" fill="hold">
-                                          <p:stCondLst>
-                                            <p:cond delay="0"/>
-                                          </p:stCondLst>
-                                        </p:cTn>
-                                        <p:tgtEl>
-                                          <p:spTgt spid="12"/>
-                                        </p:tgtEl>
-                                        <p:attrNameLst>
-                                          <p:attrName>style.visibility</p:attrName>
-                                        </p:attrNameLst>
-                                      </p:cBhvr>
-                                      <p:to>
-                                        <p:strVal val="visible"/>
-                                      </p:to>
-                                    </p:set>
-                                  </p:childTnLst>
-                                </p:cTn>
-                              </p:par>
-                              <p:par>
-                                <p:cTn id="17" presetID="1" presetClass="entr" presetSubtype="0" fill="hold" nodeType="withEffect">
-                                  <p:stCondLst>
-                                    <p:cond delay="0"/>
-                                  </p:stCondLst>
-                                  <p:childTnLst>
-                                    <p:set>
-                                      <p:cBhvr>
-                                        <p:cTn id="18" dur="1" fill="hold">
-                                          <p:stCondLst>
-                                            <p:cond delay="0"/>
-                                          </p:stCondLst>
-                                        </p:cTn>
-                                        <p:tgtEl>
-                                          <p:spTgt spid="14"/>
-                                        </p:tgtEl>
-                                        <p:attrNameLst>
-                                          <p:attrName>style.visibility</p:attrName>
-                                        </p:attrNameLst>
-                                      </p:cBhvr>
-                                      <p:to>
-                                        <p:strVal val="visible"/>
-                                      </p:to>
-                                    </p:set>
-                                  </p:childTnLst>
-                                </p:cTn>
-                              </p:par>
-                              <p:par>
-                                <p:cTn id="19" presetID="1" presetClass="entr" presetSubtype="0" fill="hold" grpId="0" nodeType="withEffect">
-                                  <p:stCondLst>
-                                    <p:cond delay="0"/>
-                                  </p:stCondLst>
-                                  <p:childTnLst>
-                                    <p:set>
-                                      <p:cBhvr>
-                                        <p:cTn id="20" dur="1" fill="hold">
-                                          <p:stCondLst>
-                                            <p:cond delay="0"/>
-                                          </p:stCondLst>
-                                        </p:cTn>
-                                        <p:tgtEl>
-                                          <p:spTgt spid="13"/>
-                                        </p:tgtEl>
-                                        <p:attrNameLst>
-                                          <p:attrName>style.visibility</p:attrName>
-                                        </p:attrNameLst>
-                                      </p:cBhvr>
-                                      <p:to>
-                                        <p:strVal val="visible"/>
-                                      </p:to>
-                                    </p:set>
-                                  </p:childTnLst>
-                                </p:cTn>
-                              </p:par>
-                              <p:par>
-                                <p:cTn id="21" presetID="1" presetClass="entr" presetSubtype="0" fill="hold" nodeType="withEffect">
-                                  <p:stCondLst>
-                                    <p:cond delay="0"/>
-                                  </p:stCondLst>
-                                  <p:childTnLst>
-                                    <p:set>
-                                      <p:cBhvr>
-                                        <p:cTn id="22" dur="1" fill="hold">
-                                          <p:stCondLst>
-                                            <p:cond delay="0"/>
-                                          </p:stCondLst>
-                                        </p:cTn>
-                                        <p:tgtEl>
-                                          <p:spTgt spid="17"/>
-                                        </p:tgtEl>
-                                        <p:attrNameLst>
-                                          <p:attrName>style.visibility</p:attrName>
-                                        </p:attrNameLst>
-                                      </p:cBhvr>
-                                      <p:to>
-                                        <p:strVal val="visible"/>
-                                      </p:to>
-                                    </p:set>
-                                  </p:childTnLst>
-                                </p:cTn>
-                              </p:par>
-                            </p:childTnLst>
-                          </p:cTn>
-                        </p:par>
-                      </p:childTnLst>
-                    </p:cTn>
-                  </p:par>
-                  <p:par>
-                    <p:cTn id="23" fill="hold">
-                      <p:stCondLst>
-                        <p:cond delay="indefinite"/>
-                      </p:stCondLst>
-                      <p:childTnLst>
-                        <p:par>
-                          <p:cTn id="24" fill="hold">
-                            <p:stCondLst>
-                              <p:cond delay="0"/>
-                            </p:stCondLst>
-                            <p:childTnLst>
-                              <p:par>
-                                <p:cTn id="25" presetID="1" presetClass="entr" presetSubtype="0" fill="hold" grpId="0" nodeType="clickEffect">
-                                  <p:stCondLst>
-                                    <p:cond delay="0"/>
-                                  </p:stCondLst>
-                                  <p:childTnLst>
-                                    <p:set>
-                                      <p:cBhvr>
-                                        <p:cTn id="26" dur="1" fill="hold">
-                                          <p:stCondLst>
-                                            <p:cond delay="0"/>
-                                          </p:stCondLst>
-                                        </p:cTn>
-                                        <p:tgtEl>
-                                          <p:spTgt spid="21"/>
-                                        </p:tgtEl>
-                                        <p:attrNameLst>
-                                          <p:attrName>style.visibility</p:attrName>
-                                        </p:attrNameLst>
-                                      </p:cBhvr>
-                                      <p:to>
-                                        <p:strVal val="visible"/>
-                                      </p:to>
-                                    </p:set>
-                                  </p:childTnLst>
-                                </p:cTn>
-                              </p:par>
-                            </p:childTnLst>
-                          </p:cTn>
-                        </p:par>
-                      </p:childTnLst>
-                    </p:cTn>
-                  </p:par>
-                  <p:par>
-                    <p:cTn id="27" fill="hold">
-                      <p:stCondLst>
-                        <p:cond delay="indefinite"/>
-                      </p:stCondLst>
-                      <p:childTnLst>
-                        <p:par>
-                          <p:cTn id="28" fill="hold">
-                            <p:stCondLst>
-                              <p:cond delay="0"/>
-                            </p:stCondLst>
-                            <p:childTnLst>
-                              <p:par>
-                                <p:cTn id="29" presetID="1" presetClass="entr" presetSubtype="0" fill="hold" grpId="0" nodeType="clickEffect">
-                                  <p:stCondLst>
-                                    <p:cond delay="0"/>
-                                  </p:stCondLst>
-                                  <p:childTnLst>
-                                    <p:set>
-                                      <p:cBhvr>
-                                        <p:cTn id="30" dur="1" fill="hold">
-                                          <p:stCondLst>
-                                            <p:cond delay="0"/>
-                                          </p:stCondLst>
-                                        </p:cTn>
-                                        <p:tgtEl>
-                                          <p:spTgt spid="23"/>
-                                        </p:tgtEl>
-                                        <p:attrNameLst>
-                                          <p:attrName>style.visibility</p:attrName>
-                                        </p:attrNameLst>
-                                      </p:cBhvr>
-                                      <p:to>
-                                        <p:strVal val="visible"/>
-                                      </p:to>
-                                    </p:set>
-                                  </p:childTnLst>
-                                </p:cTn>
-                              </p:par>
-                            </p:childTnLst>
-                          </p:cTn>
-                        </p:par>
-                      </p:childTnLst>
-                    </p:cTn>
-                  </p:par>
-                  <p:par>
-                    <p:cTn id="31" fill="hold">
-                      <p:stCondLst>
-                        <p:cond delay="indefinite"/>
-                      </p:stCondLst>
-                      <p:childTnLst>
-                        <p:par>
-                          <p:cTn id="32" fill="hold">
-                            <p:stCondLst>
-                              <p:cond delay="0"/>
-                            </p:stCondLst>
-                            <p:childTnLst>
-                              <p:par>
-                                <p:cTn id="33" presetID="1" presetClass="entr" presetSubtype="0" fill="hold" nodeType="clickEffect">
-                                  <p:stCondLst>
-                                    <p:cond delay="0"/>
-                                  </p:stCondLst>
-                                  <p:childTnLst>
-                                    <p:set>
-                                      <p:cBhvr>
-                                        <p:cTn id="34" dur="1" fill="hold">
-                                          <p:stCondLst>
-                                            <p:cond delay="0"/>
-                                          </p:stCondLst>
-                                        </p:cTn>
-                                        <p:tgtEl>
-                                          <p:spTgt spid="3">
-                                            <p:txEl>
-                                              <p:pRg st="5" end="5"/>
-                                            </p:txEl>
-                                          </p:spTgt>
-                                        </p:tgtEl>
-                                        <p:attrNameLst>
-                                          <p:attrName>style.visibility</p:attrName>
-                                        </p:attrNameLst>
-                                      </p:cBhvr>
-                                      <p:to>
-                                        <p:strVal val="visible"/>
-                                      </p:to>
-                                    </p:set>
-                                  </p:childTnLst>
-                                </p:cTn>
-                              </p:par>
-                            </p:childTnLst>
-                          </p:cTn>
-                        </p:par>
-                      </p:childTnLst>
-                    </p:cTn>
-                  </p:par>
-                  <p:par>
-                    <p:cTn id="35" fill="hold">
-                      <p:stCondLst>
-                        <p:cond delay="indefinite"/>
-                      </p:stCondLst>
-                      <p:childTnLst>
-                        <p:par>
-                          <p:cTn id="36" fill="hold">
-                            <p:stCondLst>
-                              <p:cond delay="0"/>
-                            </p:stCondLst>
-                            <p:childTnLst>
-                              <p:par>
-                                <p:cTn id="37" presetID="1" presetClass="entr" presetSubtype="0" fill="hold" grpId="0" nodeType="clickEffect">
-                                  <p:stCondLst>
-                                    <p:cond delay="0"/>
-                                  </p:stCondLst>
-                                  <p:childTnLst>
-                                    <p:set>
-                                      <p:cBhvr>
-                                        <p:cTn id="38" dur="1" fill="hold">
-                                          <p:stCondLst>
-                                            <p:cond delay="0"/>
-                                          </p:stCondLst>
-                                        </p:cTn>
-                                        <p:tgtEl>
-                                          <p:spTgt spid="25"/>
-                                        </p:tgtEl>
-                                        <p:attrNameLst>
-                                          <p:attrName>style.visibility</p:attrName>
-                                        </p:attrNameLst>
-                                      </p:cBhvr>
-                                      <p:to>
-                                        <p:strVal val="visible"/>
-                                      </p:to>
-                                    </p:set>
-                                  </p:childTnLst>
-                                </p:cTn>
-                              </p:par>
-                              <p:par>
-                                <p:cTn id="39" presetID="1" presetClass="entr" presetSubtype="0" fill="hold" grpId="0" nodeType="withEffect">
-                                  <p:stCondLst>
-                                    <p:cond delay="0"/>
-                                  </p:stCondLst>
-                                  <p:childTnLst>
-                                    <p:set>
-                                      <p:cBhvr>
-                                        <p:cTn id="40" dur="1" fill="hold">
-                                          <p:stCondLst>
-                                            <p:cond delay="0"/>
-                                          </p:stCondLst>
-                                        </p:cTn>
-                                        <p:tgtEl>
-                                          <p:spTgt spid="24"/>
-                                        </p:tgtEl>
-                                        <p:attrNameLst>
-                                          <p:attrName>style.visibility</p:attrName>
-                                        </p:attrNameLst>
-                                      </p:cBhvr>
-                                      <p:to>
-                                        <p:strVal val="visible"/>
-                                      </p:to>
-                                    </p:set>
-                                  </p:childTnLst>
-                                </p:cTn>
-                              </p:par>
-                            </p:childTnLst>
-                          </p:cTn>
-                        </p:par>
-                      </p:childTnLst>
-                    </p:cTn>
-                  </p:par>
-                </p:childTnLst>
-              </p:cTn>
-              <p:prevCondLst>
-                <p:cond evt="onPrev" delay="0">
-                  <p:tgtEl>
-                    <p:sldTgt/>
-                  </p:tgtEl>
-                </p:cond>
-              </p:prevCondLst>
-              <p:nextCondLst>
-                <p:cond evt="onNext" delay="0">
-                  <p:tgtEl>
-                    <p:sldTgt/>
-                  </p:tgtEl>
-                </p:cond>
-              </p:nextCondLst>
-            </p:seq>
-          </p:childTnLst>
-        </p:cTn>
-      </p:par>
-    </p:tnLst>
-    <p:bldLst>
-      <p:bldP spid="6" grpId="0"/>
-      <p:bldP spid="8" grpId="0"/>
-      <p:bldP spid="9" grpId="0"/>
-      <p:bldP spid="12" grpId="0"/>
-      <p:bldP spid="13" grpId="0"/>
-      <p:bldP spid="21" grpId="0"/>
-      <p:bldP spid="23" grpId="0"/>
-      <p:bldP spid="24" grpId="0"/>
-      <p:bldP spid="25" grpId="0"/>
-    </p:bldLst>
-  </p:timing>
-</p:sld>
-</file>
-
-<file path=ppt/slides/slide11.xml><?xml version="1.0" encoding="utf-8"?>
 <p:sld xmlns:a="http://schemas.openxmlformats.org/drawingml/2006/main" xmlns:r="http://schemas.openxmlformats.org/officeDocument/2006/relationships" xmlns:p="http://schemas.openxmlformats.org/presentationml/2006/main">
   <p:cSld>
     <p:spTree>
@@ -9462,7 +7555,7 @@
 </p:sld>
 </file>
 
-<file path=ppt/slides/slide12.xml><?xml version="1.0" encoding="utf-8"?>
+<file path=ppt/slides/slide11.xml><?xml version="1.0" encoding="utf-8"?>
 <p:sld xmlns:a="http://schemas.openxmlformats.org/drawingml/2006/main" xmlns:r="http://schemas.openxmlformats.org/officeDocument/2006/relationships" xmlns:p="http://schemas.openxmlformats.org/presentationml/2006/main">
   <p:cSld>
     <p:spTree>
@@ -10915,7 +9008,7 @@
 </p:sld>
 </file>
 
-<file path=ppt/slides/slide13.xml><?xml version="1.0" encoding="utf-8"?>
+<file path=ppt/slides/slide12.xml><?xml version="1.0" encoding="utf-8"?>
 <p:sld xmlns:a="http://schemas.openxmlformats.org/drawingml/2006/main" xmlns:r="http://schemas.openxmlformats.org/officeDocument/2006/relationships" xmlns:p="http://schemas.openxmlformats.org/presentationml/2006/main">
   <p:cSld>
     <p:spTree>
@@ -10994,28 +9087,13 @@
             <a:pPr lvl="1"/>
             <a:r>
               <a:rPr lang="en-US" b="1" dirty="0"/>
-              <a:t>Value vs. Reference Types</a:t>
-            </a:r>
-          </a:p>
-          <a:p>
-            <a:r>
-              <a:rPr lang="en-US" dirty="0"/>
-              <a:t>Mathematical Operators</a:t>
-            </a:r>
-          </a:p>
-          <a:p>
-            <a:pPr lvl="1"/>
-            <a:r>
-              <a:rPr lang="en-US" dirty="0"/>
-              <a:t>Expressions with operators</a:t>
-            </a:r>
-          </a:p>
-          <a:p>
-            <a:pPr lvl="1"/>
-            <a:r>
-              <a:rPr lang="en-US" dirty="0"/>
-              <a:t>Variable assignment</a:t>
-            </a:r>
+              <a:t>Value vs. Reference </a:t>
+            </a:r>
+            <a:r>
+              <a:rPr lang="en-US" b="1" dirty="0" smtClean="0"/>
+              <a:t>Types</a:t>
+            </a:r>
+            <a:endParaRPr lang="en-US" b="1" dirty="0"/>
           </a:p>
         </p:txBody>
       </p:sp>
@@ -11054,7 +9132,7 @@
 </p:sld>
 </file>
 
-<file path=ppt/slides/slide14.xml><?xml version="1.0" encoding="utf-8"?>
+<file path=ppt/slides/slide13.xml><?xml version="1.0" encoding="utf-8"?>
 <p:sld xmlns:a="http://schemas.openxmlformats.org/drawingml/2006/main" xmlns:r="http://schemas.openxmlformats.org/officeDocument/2006/relationships" xmlns:p="http://schemas.openxmlformats.org/presentationml/2006/main">
   <p:cSld>
     <p:spTree>
@@ -11981,7 +10059,7 @@
 </p:sld>
 </file>
 
-<file path=ppt/slides/slide15.xml><?xml version="1.0" encoding="utf-8"?>
+<file path=ppt/slides/slide14.xml><?xml version="1.0" encoding="utf-8"?>
 <p:sld xmlns:a="http://schemas.openxmlformats.org/drawingml/2006/main" xmlns:r="http://schemas.openxmlformats.org/officeDocument/2006/relationships" xmlns:p="http://schemas.openxmlformats.org/presentationml/2006/main">
   <p:cSld>
     <p:spTree>
@@ -12646,7 +10724,7 @@
 </p:sld>
 </file>
 
-<file path=ppt/slides/slide16.xml><?xml version="1.0" encoding="utf-8"?>
+<file path=ppt/slides/slide15.xml><?xml version="1.0" encoding="utf-8"?>
 <p:sld xmlns:a="http://schemas.openxmlformats.org/drawingml/2006/main" xmlns:r="http://schemas.openxmlformats.org/officeDocument/2006/relationships" xmlns:p="http://schemas.openxmlformats.org/presentationml/2006/main">
   <p:cSld>
     <p:spTree>
@@ -14034,7 +12112,7 @@
 </p:sld>
 </file>
 
-<file path=ppt/slides/slide17.xml><?xml version="1.0" encoding="utf-8"?>
+<file path=ppt/slides/slide16.xml><?xml version="1.0" encoding="utf-8"?>
 <p:sld xmlns:a="http://schemas.openxmlformats.org/drawingml/2006/main" xmlns:r="http://schemas.openxmlformats.org/officeDocument/2006/relationships" xmlns:p="http://schemas.openxmlformats.org/presentationml/2006/main">
   <p:cSld>
     <p:spTree>
@@ -14068,7 +12146,7 @@
           <a:p>
             <a:r>
               <a:rPr lang="en-US" dirty="0"/>
-              <a:t>Outline</a:t>
+              <a:t>Conclusion</a:t>
             </a:r>
           </a:p>
         </p:txBody>
@@ -14113,28 +12191,13 @@
             <a:pPr lvl="1"/>
             <a:r>
               <a:rPr lang="en-US" dirty="0"/>
-              <a:t>Value vs. Reference Types</a:t>
-            </a:r>
-          </a:p>
-          <a:p>
-            <a:r>
-              <a:rPr lang="en-US" b="1" dirty="0"/>
-              <a:t>Mathematical Operators</a:t>
-            </a:r>
-          </a:p>
-          <a:p>
-            <a:pPr lvl="1"/>
-            <a:r>
-              <a:rPr lang="en-US" dirty="0"/>
-              <a:t>Expressions with operators</a:t>
-            </a:r>
-          </a:p>
-          <a:p>
-            <a:pPr lvl="1"/>
-            <a:r>
-              <a:rPr lang="en-US" dirty="0"/>
-              <a:t>Variable assignment</a:t>
-            </a:r>
+              <a:t>Value vs. Reference </a:t>
+            </a:r>
+            <a:r>
+              <a:rPr lang="en-US" dirty="0" smtClean="0"/>
+              <a:t>Types</a:t>
+            </a:r>
+            <a:endParaRPr lang="en-US" dirty="0"/>
           </a:p>
         </p:txBody>
       </p:sp>
@@ -14163,2375 +12226,13 @@
     </p:spTree>
     <p:extLst>
       <p:ext uri="{BB962C8B-B14F-4D97-AF65-F5344CB8AC3E}">
-        <p14:creationId xmlns:p14="http://schemas.microsoft.com/office/powerpoint/2010/main" val="832458596"/>
+        <p14:creationId xmlns:p14="http://schemas.microsoft.com/office/powerpoint/2010/main" val="942941185"/>
       </p:ext>
     </p:extLst>
   </p:cSld>
   <p:clrMapOvr>
     <a:masterClrMapping/>
   </p:clrMapOvr>
-</p:sld>
-</file>
-
-<file path=ppt/slides/slide18.xml><?xml version="1.0" encoding="utf-8"?>
-<p:sld xmlns:a="http://schemas.openxmlformats.org/drawingml/2006/main" xmlns:r="http://schemas.openxmlformats.org/officeDocument/2006/relationships" xmlns:p="http://schemas.openxmlformats.org/presentationml/2006/main">
-  <p:cSld>
-    <p:spTree>
-      <p:nvGrpSpPr>
-        <p:cNvPr id="1" name=""/>
-        <p:cNvGrpSpPr/>
-        <p:nvPr/>
-      </p:nvGrpSpPr>
-      <p:grpSpPr>
-        <a:xfrm>
-          <a:off x="0" y="0"/>
-          <a:ext cx="0" cy="0"/>
-          <a:chOff x="0" y="0"/>
-          <a:chExt cx="0" cy="0"/>
-        </a:xfrm>
-      </p:grpSpPr>
-      <p:sp>
-        <p:nvSpPr>
-          <p:cNvPr id="2" name="Title 1">
-            <a:extLst>
-              <a:ext uri="{FF2B5EF4-FFF2-40B4-BE49-F238E27FC236}">
-                <a16:creationId xmlns:a16="http://schemas.microsoft.com/office/drawing/2014/main" id="{97B7E0C3-221C-40E3-B254-261D6956B021}"/>
-              </a:ext>
-            </a:extLst>
-          </p:cNvPr>
-          <p:cNvSpPr>
-            <a:spLocks noGrp="1"/>
-          </p:cNvSpPr>
-          <p:nvPr>
-            <p:ph type="title"/>
-          </p:nvPr>
-        </p:nvSpPr>
-        <p:spPr/>
-        <p:txBody>
-          <a:bodyPr/>
-          <a:lstStyle/>
-          <a:p>
-            <a:r>
-              <a:rPr lang="en-US" dirty="0"/>
-              <a:t>Doing Arithmetic</a:t>
-            </a:r>
-          </a:p>
-        </p:txBody>
-      </p:sp>
-      <p:sp>
-        <p:nvSpPr>
-          <p:cNvPr id="3" name="Content Placeholder 2">
-            <a:extLst>
-              <a:ext uri="{FF2B5EF4-FFF2-40B4-BE49-F238E27FC236}">
-                <a16:creationId xmlns:a16="http://schemas.microsoft.com/office/drawing/2014/main" id="{20B21938-7056-42CC-928B-5B70C93C7526}"/>
-              </a:ext>
-            </a:extLst>
-          </p:cNvPr>
-          <p:cNvSpPr>
-            <a:spLocks noGrp="1"/>
-          </p:cNvSpPr>
-          <p:nvPr>
-            <p:ph idx="1"/>
-          </p:nvPr>
-        </p:nvSpPr>
-        <p:spPr/>
-        <p:txBody>
-          <a:bodyPr/>
-          <a:lstStyle/>
-          <a:p>
-            <a:r>
-              <a:rPr lang="en-US" dirty="0"/>
-              <a:t>C# has math operators for numeric data</a:t>
-            </a:r>
-          </a:p>
-          <a:p>
-            <a:endParaRPr lang="en-US" dirty="0"/>
-          </a:p>
-        </p:txBody>
-      </p:sp>
-      <p:sp>
-        <p:nvSpPr>
-          <p:cNvPr id="4" name="Footer Placeholder 3">
-            <a:extLst>
-              <a:ext uri="{FF2B5EF4-FFF2-40B4-BE49-F238E27FC236}">
-                <a16:creationId xmlns:a16="http://schemas.microsoft.com/office/drawing/2014/main" id="{F20F1D80-FCAB-4D5A-932C-FCA6B501FB87}"/>
-              </a:ext>
-            </a:extLst>
-          </p:cNvPr>
-          <p:cNvSpPr>
-            <a:spLocks noGrp="1"/>
-          </p:cNvSpPr>
-          <p:nvPr>
-            <p:ph type="ftr" sz="quarter" idx="11"/>
-          </p:nvPr>
-        </p:nvSpPr>
-        <p:spPr/>
-        <p:txBody>
-          <a:bodyPr/>
-          <a:lstStyle/>
-          <a:p>
-            <a:r>
-              <a:rPr lang="en-US"/>
-              <a:t>CSCI 1301</a:t>
-            </a:r>
-          </a:p>
-        </p:txBody>
-      </p:sp>
-      <mc:AlternateContent xmlns:mc="http://schemas.openxmlformats.org/markup-compatibility/2006" xmlns:a14="http://schemas.microsoft.com/office/drawing/2010/main">
-        <mc:Choice Requires="a14">
-          <p:graphicFrame>
-            <p:nvGraphicFramePr>
-              <p:cNvPr id="5" name="Table 5">
-                <a:extLst>
-                  <a:ext uri="{FF2B5EF4-FFF2-40B4-BE49-F238E27FC236}">
-                    <a16:creationId xmlns:a16="http://schemas.microsoft.com/office/drawing/2014/main" id="{F96C407D-BEED-449D-88C3-9AB4E1DB52A8}"/>
-                  </a:ext>
-                </a:extLst>
-              </p:cNvPr>
-              <p:cNvGraphicFramePr>
-                <a:graphicFrameLocks noGrp="1"/>
-              </p:cNvGraphicFramePr>
-              <p:nvPr>
-                <p:extLst>
-                  <p:ext uri="{D42A27DB-BD31-4B8C-83A1-F6EECF244321}">
-                    <p14:modId xmlns:p14="http://schemas.microsoft.com/office/powerpoint/2010/main" val="944668178"/>
-                  </p:ext>
-                </p:extLst>
-              </p:nvPr>
-            </p:nvGraphicFramePr>
-            <p:xfrm>
-              <a:off x="836612" y="2209800"/>
-              <a:ext cx="7772400" cy="3720465"/>
-            </p:xfrm>
-            <a:graphic>
-              <a:graphicData uri="http://schemas.openxmlformats.org/drawingml/2006/table">
-                <a:tbl>
-                  <a:tblPr firstRow="1" bandRow="1">
-                    <a:tableStyleId>{5C22544A-7EE6-4342-B048-85BDC9FD1C3A}</a:tableStyleId>
-                  </a:tblPr>
-                  <a:tblGrid>
-                    <a:gridCol w="2031471">
-                      <a:extLst>
-                        <a:ext uri="{9D8B030D-6E8A-4147-A177-3AD203B41FA5}">
-                          <a16:colId xmlns:a16="http://schemas.microsoft.com/office/drawing/2014/main" val="3231174759"/>
-                        </a:ext>
-                      </a:extLst>
-                    </a:gridCol>
-                    <a:gridCol w="1778529">
-                      <a:extLst>
-                        <a:ext uri="{9D8B030D-6E8A-4147-A177-3AD203B41FA5}">
-                          <a16:colId xmlns:a16="http://schemas.microsoft.com/office/drawing/2014/main" val="3331197223"/>
-                        </a:ext>
-                      </a:extLst>
-                    </a:gridCol>
-                    <a:gridCol w="1905000">
-                      <a:extLst>
-                        <a:ext uri="{9D8B030D-6E8A-4147-A177-3AD203B41FA5}">
-                          <a16:colId xmlns:a16="http://schemas.microsoft.com/office/drawing/2014/main" val="3766608763"/>
-                        </a:ext>
-                      </a:extLst>
-                    </a:gridCol>
-                    <a:gridCol w="2057400">
-                      <a:extLst>
-                        <a:ext uri="{9D8B030D-6E8A-4147-A177-3AD203B41FA5}">
-                          <a16:colId xmlns:a16="http://schemas.microsoft.com/office/drawing/2014/main" val="2952318468"/>
-                        </a:ext>
-                      </a:extLst>
-                    </a:gridCol>
-                  </a:tblGrid>
-                  <a:tr h="762000">
-                    <a:tc>
-                      <a:txBody>
-                        <a:bodyPr/>
-                        <a:lstStyle/>
-                        <a:p>
-                          <a:r>
-                            <a:rPr lang="en-US" dirty="0"/>
-                            <a:t>Operation</a:t>
-                          </a:r>
-                        </a:p>
-                      </a:txBody>
-                      <a:tcPr anchor="b"/>
-                    </a:tc>
-                    <a:tc>
-                      <a:txBody>
-                        <a:bodyPr/>
-                        <a:lstStyle/>
-                        <a:p>
-                          <a:r>
-                            <a:rPr lang="en-US" dirty="0"/>
-                            <a:t>C# Operator</a:t>
-                          </a:r>
-                        </a:p>
-                      </a:txBody>
-                      <a:tcPr anchor="b"/>
-                    </a:tc>
-                    <a:tc>
-                      <a:txBody>
-                        <a:bodyPr/>
-                        <a:lstStyle/>
-                        <a:p>
-                          <a:r>
-                            <a:rPr lang="en-US" dirty="0"/>
-                            <a:t>Algebraic Expression</a:t>
-                          </a:r>
-                        </a:p>
-                      </a:txBody>
-                      <a:tcPr anchor="b"/>
-                    </a:tc>
-                    <a:tc>
-                      <a:txBody>
-                        <a:bodyPr/>
-                        <a:lstStyle/>
-                        <a:p>
-                          <a:r>
-                            <a:rPr lang="en-US" dirty="0"/>
-                            <a:t>C# Expression</a:t>
-                          </a:r>
-                        </a:p>
-                      </a:txBody>
-                      <a:tcPr anchor="b"/>
-                    </a:tc>
-                    <a:extLst>
-                      <a:ext uri="{0D108BD9-81ED-4DB2-BD59-A6C34878D82A}">
-                        <a16:rowId xmlns:a16="http://schemas.microsoft.com/office/drawing/2014/main" val="1487575170"/>
-                      </a:ext>
-                    </a:extLst>
-                  </a:tr>
-                  <a:tr h="579501">
-                    <a:tc>
-                      <a:txBody>
-                        <a:bodyPr/>
-                        <a:lstStyle/>
-                        <a:p>
-                          <a:r>
-                            <a:rPr lang="en-US" dirty="0"/>
-                            <a:t>Addition</a:t>
-                          </a:r>
-                        </a:p>
-                      </a:txBody>
-                      <a:tcPr/>
-                    </a:tc>
-                    <a:tc>
-                      <a:txBody>
-                        <a:bodyPr/>
-                        <a:lstStyle/>
-                        <a:p>
-                          <a:pPr algn="ctr"/>
-                          <a:r>
-                            <a:rPr lang="en-US" dirty="0">
-                              <a:latin typeface="Consolas" panose="020B0609020204030204" pitchFamily="49" charset="0"/>
-                            </a:rPr>
-                            <a:t>+</a:t>
-                          </a:r>
-                        </a:p>
-                      </a:txBody>
-                      <a:tcPr/>
-                    </a:tc>
-                    <a:tc>
-                      <a:txBody>
-                        <a:bodyPr/>
-                        <a:lstStyle/>
-                        <a:p>
-                          <a:pPr/>
-                          <a14:m>
-                            <m:oMathPara xmlns:m="http://schemas.openxmlformats.org/officeDocument/2006/math">
-                              <m:oMathParaPr>
-                                <m:jc m:val="centerGroup"/>
-                              </m:oMathParaPr>
-                              <m:oMath xmlns:m="http://schemas.openxmlformats.org/officeDocument/2006/math">
-                                <m:r>
-                                  <a:rPr lang="en-US" b="0" i="1" smtClean="0">
-                                    <a:latin typeface="Cambria Math" panose="02040503050406030204" pitchFamily="18" charset="0"/>
-                                  </a:rPr>
-                                  <m:t>𝑥</m:t>
-                                </m:r>
-                                <m:r>
-                                  <a:rPr lang="en-US" b="0" i="1" smtClean="0">
-                                    <a:latin typeface="Cambria Math" panose="02040503050406030204" pitchFamily="18" charset="0"/>
-                                  </a:rPr>
-                                  <m:t>+7</m:t>
-                                </m:r>
-                              </m:oMath>
-                            </m:oMathPara>
-                          </a14:m>
-                          <a:endParaRPr lang="en-US" dirty="0"/>
-                        </a:p>
-                      </a:txBody>
-                      <a:tcPr/>
-                    </a:tc>
-                    <a:tc>
-                      <a:txBody>
-                        <a:bodyPr/>
-                        <a:lstStyle/>
-                        <a:p>
-                          <a:pPr algn="ctr"/>
-                          <a:r>
-                            <a:rPr lang="en-US" dirty="0" err="1">
-                              <a:latin typeface="Consolas" panose="020B0609020204030204" pitchFamily="49" charset="0"/>
-                            </a:rPr>
-                            <a:t>myVar</a:t>
-                          </a:r>
-                          <a:r>
-                            <a:rPr lang="en-US" dirty="0">
-                              <a:latin typeface="Consolas" panose="020B0609020204030204" pitchFamily="49" charset="0"/>
-                            </a:rPr>
-                            <a:t> + 7</a:t>
-                          </a:r>
-                        </a:p>
-                      </a:txBody>
-                      <a:tcPr/>
-                    </a:tc>
-                    <a:extLst>
-                      <a:ext uri="{0D108BD9-81ED-4DB2-BD59-A6C34878D82A}">
-                        <a16:rowId xmlns:a16="http://schemas.microsoft.com/office/drawing/2014/main" val="4239119866"/>
-                      </a:ext>
-                    </a:extLst>
-                  </a:tr>
-                  <a:tr h="579501">
-                    <a:tc>
-                      <a:txBody>
-                        <a:bodyPr/>
-                        <a:lstStyle/>
-                        <a:p>
-                          <a:r>
-                            <a:rPr lang="en-US" dirty="0"/>
-                            <a:t>Subtraction</a:t>
-                          </a:r>
-                        </a:p>
-                      </a:txBody>
-                      <a:tcPr/>
-                    </a:tc>
-                    <a:tc>
-                      <a:txBody>
-                        <a:bodyPr/>
-                        <a:lstStyle/>
-                        <a:p>
-                          <a:pPr algn="ctr"/>
-                          <a:r>
-                            <a:rPr lang="en-US" dirty="0">
-                              <a:latin typeface="Consolas" panose="020B0609020204030204" pitchFamily="49" charset="0"/>
-                            </a:rPr>
-                            <a:t>– </a:t>
-                          </a:r>
-                        </a:p>
-                      </a:txBody>
-                      <a:tcPr/>
-                    </a:tc>
-                    <a:tc>
-                      <a:txBody>
-                        <a:bodyPr/>
-                        <a:lstStyle/>
-                        <a:p>
-                          <a:pPr/>
-                          <a14:m>
-                            <m:oMathPara xmlns:m="http://schemas.openxmlformats.org/officeDocument/2006/math">
-                              <m:oMathParaPr>
-                                <m:jc m:val="centerGroup"/>
-                              </m:oMathParaPr>
-                              <m:oMath xmlns:m="http://schemas.openxmlformats.org/officeDocument/2006/math">
-                                <m:r>
-                                  <a:rPr lang="en-US" b="0" i="1" smtClean="0">
-                                    <a:latin typeface="Cambria Math" panose="02040503050406030204" pitchFamily="18" charset="0"/>
-                                  </a:rPr>
-                                  <m:t>𝑥</m:t>
-                                </m:r>
-                                <m:r>
-                                  <a:rPr lang="en-US" b="0" i="1" smtClean="0">
-                                    <a:latin typeface="Cambria Math" panose="02040503050406030204" pitchFamily="18" charset="0"/>
-                                  </a:rPr>
-                                  <m:t>−7</m:t>
-                                </m:r>
-                              </m:oMath>
-                            </m:oMathPara>
-                          </a14:m>
-                          <a:endParaRPr lang="en-US" dirty="0"/>
-                        </a:p>
-                      </a:txBody>
-                      <a:tcPr/>
-                    </a:tc>
-                    <a:tc>
-                      <a:txBody>
-                        <a:bodyPr/>
-                        <a:lstStyle/>
-                        <a:p>
-                          <a:pPr algn="ctr"/>
-                          <a:r>
-                            <a:rPr lang="en-US" dirty="0" err="1">
-                              <a:latin typeface="Consolas" panose="020B0609020204030204" pitchFamily="49" charset="0"/>
-                            </a:rPr>
-                            <a:t>myVar</a:t>
-                          </a:r>
-                          <a:r>
-                            <a:rPr lang="en-US" dirty="0">
-                              <a:latin typeface="Consolas" panose="020B0609020204030204" pitchFamily="49" charset="0"/>
-                            </a:rPr>
-                            <a:t> – 7</a:t>
-                          </a:r>
-                        </a:p>
-                      </a:txBody>
-                      <a:tcPr/>
-                    </a:tc>
-                    <a:extLst>
-                      <a:ext uri="{0D108BD9-81ED-4DB2-BD59-A6C34878D82A}">
-                        <a16:rowId xmlns:a16="http://schemas.microsoft.com/office/drawing/2014/main" val="1633910599"/>
-                      </a:ext>
-                    </a:extLst>
-                  </a:tr>
-                  <a:tr h="579501">
-                    <a:tc>
-                      <a:txBody>
-                        <a:bodyPr/>
-                        <a:lstStyle/>
-                        <a:p>
-                          <a:r>
-                            <a:rPr lang="en-US" dirty="0"/>
-                            <a:t>Multiplication</a:t>
-                          </a:r>
-                        </a:p>
-                      </a:txBody>
-                      <a:tcPr/>
-                    </a:tc>
-                    <a:tc>
-                      <a:txBody>
-                        <a:bodyPr/>
-                        <a:lstStyle/>
-                        <a:p>
-                          <a:pPr algn="ctr"/>
-                          <a:r>
-                            <a:rPr lang="en-US" dirty="0">
-                              <a:latin typeface="Consolas" panose="020B0609020204030204" pitchFamily="49" charset="0"/>
-                            </a:rPr>
-                            <a:t>*</a:t>
-                          </a:r>
-                        </a:p>
-                      </a:txBody>
-                      <a:tcPr/>
-                    </a:tc>
-                    <a:tc>
-                      <a:txBody>
-                        <a:bodyPr/>
-                        <a:lstStyle/>
-                        <a:p>
-                          <a:pPr/>
-                          <a14:m>
-                            <m:oMathPara xmlns:m="http://schemas.openxmlformats.org/officeDocument/2006/math">
-                              <m:oMathParaPr>
-                                <m:jc m:val="centerGroup"/>
-                              </m:oMathParaPr>
-                              <m:oMath xmlns:m="http://schemas.openxmlformats.org/officeDocument/2006/math">
-                                <m:r>
-                                  <a:rPr lang="en-US" b="0" i="1" smtClean="0">
-                                    <a:latin typeface="Cambria Math" panose="02040503050406030204" pitchFamily="18" charset="0"/>
-                                  </a:rPr>
-                                  <m:t>𝑥</m:t>
-                                </m:r>
-                                <m:r>
-                                  <a:rPr lang="en-US" b="0" i="1" smtClean="0">
-                                    <a:latin typeface="Cambria Math" panose="02040503050406030204" pitchFamily="18" charset="0"/>
-                                  </a:rPr>
-                                  <m:t>⋅7</m:t>
-                                </m:r>
-                              </m:oMath>
-                            </m:oMathPara>
-                          </a14:m>
-                          <a:endParaRPr lang="en-US" dirty="0"/>
-                        </a:p>
-                      </a:txBody>
-                      <a:tcPr/>
-                    </a:tc>
-                    <a:tc>
-                      <a:txBody>
-                        <a:bodyPr/>
-                        <a:lstStyle/>
-                        <a:p>
-                          <a:pPr algn="ctr"/>
-                          <a:r>
-                            <a:rPr lang="en-US" dirty="0" err="1">
-                              <a:latin typeface="Consolas" panose="020B0609020204030204" pitchFamily="49" charset="0"/>
-                            </a:rPr>
-                            <a:t>myVar</a:t>
-                          </a:r>
-                          <a:r>
-                            <a:rPr lang="en-US" dirty="0">
-                              <a:latin typeface="Consolas" panose="020B0609020204030204" pitchFamily="49" charset="0"/>
-                            </a:rPr>
-                            <a:t> * 7</a:t>
-                          </a:r>
-                        </a:p>
-                      </a:txBody>
-                      <a:tcPr/>
-                    </a:tc>
-                    <a:extLst>
-                      <a:ext uri="{0D108BD9-81ED-4DB2-BD59-A6C34878D82A}">
-                        <a16:rowId xmlns:a16="http://schemas.microsoft.com/office/drawing/2014/main" val="2981217053"/>
-                      </a:ext>
-                    </a:extLst>
-                  </a:tr>
-                  <a:tr h="579501">
-                    <a:tc>
-                      <a:txBody>
-                        <a:bodyPr/>
-                        <a:lstStyle/>
-                        <a:p>
-                          <a:r>
-                            <a:rPr lang="en-US" dirty="0"/>
-                            <a:t>Division</a:t>
-                          </a:r>
-                        </a:p>
-                      </a:txBody>
-                      <a:tcPr/>
-                    </a:tc>
-                    <a:tc>
-                      <a:txBody>
-                        <a:bodyPr/>
-                        <a:lstStyle/>
-                        <a:p>
-                          <a:pPr algn="ctr"/>
-                          <a:r>
-                            <a:rPr lang="en-US" dirty="0">
-                              <a:latin typeface="Consolas" panose="020B0609020204030204" pitchFamily="49" charset="0"/>
-                            </a:rPr>
-                            <a:t>/</a:t>
-                          </a:r>
-                        </a:p>
-                      </a:txBody>
-                      <a:tcPr/>
-                    </a:tc>
-                    <a:tc>
-                      <a:txBody>
-                        <a:bodyPr/>
-                        <a:lstStyle/>
-                        <a:p>
-                          <a:pPr algn="ctr"/>
-                          <a14:m>
-                            <m:oMath xmlns:m="http://schemas.openxmlformats.org/officeDocument/2006/math">
-                              <m:f>
-                                <m:fPr>
-                                  <m:ctrlPr>
-                                    <a:rPr lang="en-US" b="0" i="1" smtClean="0">
-                                      <a:latin typeface="Cambria Math" panose="02040503050406030204" pitchFamily="18" charset="0"/>
-                                    </a:rPr>
-                                  </m:ctrlPr>
-                                </m:fPr>
-                                <m:num>
-                                  <m:r>
-                                    <a:rPr lang="en-US" b="0" i="1" smtClean="0">
-                                      <a:latin typeface="Cambria Math" panose="02040503050406030204" pitchFamily="18" charset="0"/>
-                                    </a:rPr>
-                                    <m:t>𝑥</m:t>
-                                  </m:r>
-                                </m:num>
-                                <m:den>
-                                  <m:r>
-                                    <a:rPr lang="en-US" b="0" i="1" smtClean="0">
-                                      <a:latin typeface="Cambria Math" panose="02040503050406030204" pitchFamily="18" charset="0"/>
-                                    </a:rPr>
-                                    <m:t>7</m:t>
-                                  </m:r>
-                                </m:den>
-                              </m:f>
-                            </m:oMath>
-                          </a14:m>
-                          <a:r>
-                            <a:rPr lang="en-US" dirty="0"/>
-                            <a:t>, </a:t>
-                          </a:r>
-                          <a14:m>
-                            <m:oMath xmlns:m="http://schemas.openxmlformats.org/officeDocument/2006/math">
-                              <m:r>
-                                <a:rPr lang="en-US" b="0" i="1" dirty="0" smtClean="0">
-                                  <a:latin typeface="Cambria Math" panose="02040503050406030204" pitchFamily="18" charset="0"/>
-                                </a:rPr>
-                                <m:t>𝑥</m:t>
-                              </m:r>
-                              <m:r>
-                                <a:rPr lang="en-US" b="0" i="1" dirty="0" smtClean="0">
-                                  <a:latin typeface="Cambria Math" panose="02040503050406030204" pitchFamily="18" charset="0"/>
-                                </a:rPr>
-                                <m:t>/7</m:t>
-                              </m:r>
-                            </m:oMath>
-                          </a14:m>
-                          <a:r>
-                            <a:rPr lang="en-US" dirty="0"/>
-                            <a:t>, </a:t>
-                          </a:r>
-                          <a14:m>
-                            <m:oMath xmlns:m="http://schemas.openxmlformats.org/officeDocument/2006/math">
-                              <m:r>
-                                <a:rPr lang="en-US" b="0" i="1" smtClean="0">
-                                  <a:latin typeface="Cambria Math" panose="02040503050406030204" pitchFamily="18" charset="0"/>
-                                </a:rPr>
-                                <m:t>𝑥</m:t>
-                              </m:r>
-                              <m:r>
-                                <a:rPr lang="en-US" b="0" i="1" smtClean="0">
-                                  <a:latin typeface="Cambria Math" panose="02040503050406030204" pitchFamily="18" charset="0"/>
-                                </a:rPr>
-                                <m:t>÷7</m:t>
-                              </m:r>
-                            </m:oMath>
-                          </a14:m>
-                          <a:endParaRPr lang="en-US" dirty="0"/>
-                        </a:p>
-                      </a:txBody>
-                      <a:tcPr/>
-                    </a:tc>
-                    <a:tc>
-                      <a:txBody>
-                        <a:bodyPr/>
-                        <a:lstStyle/>
-                        <a:p>
-                          <a:pPr algn="ctr"/>
-                          <a:r>
-                            <a:rPr lang="en-US" dirty="0" err="1">
-                              <a:latin typeface="Consolas" panose="020B0609020204030204" pitchFamily="49" charset="0"/>
-                            </a:rPr>
-                            <a:t>myVar</a:t>
-                          </a:r>
-                          <a:r>
-                            <a:rPr lang="en-US" dirty="0">
-                              <a:latin typeface="Consolas" panose="020B0609020204030204" pitchFamily="49" charset="0"/>
-                            </a:rPr>
-                            <a:t> / 7</a:t>
-                          </a:r>
-                        </a:p>
-                      </a:txBody>
-                      <a:tcPr/>
-                    </a:tc>
-                    <a:extLst>
-                      <a:ext uri="{0D108BD9-81ED-4DB2-BD59-A6C34878D82A}">
-                        <a16:rowId xmlns:a16="http://schemas.microsoft.com/office/drawing/2014/main" val="2995710546"/>
-                      </a:ext>
-                    </a:extLst>
-                  </a:tr>
-                  <a:tr h="579501">
-                    <a:tc>
-                      <a:txBody>
-                        <a:bodyPr/>
-                        <a:lstStyle/>
-                        <a:p>
-                          <a:r>
-                            <a:rPr lang="en-US" dirty="0"/>
-                            <a:t>Remainder</a:t>
-                          </a:r>
-                        </a:p>
-                      </a:txBody>
-                      <a:tcPr/>
-                    </a:tc>
-                    <a:tc>
-                      <a:txBody>
-                        <a:bodyPr/>
-                        <a:lstStyle/>
-                        <a:p>
-                          <a:pPr algn="ctr"/>
-                          <a:r>
-                            <a:rPr lang="en-US" dirty="0">
-                              <a:latin typeface="Consolas" panose="020B0609020204030204" pitchFamily="49" charset="0"/>
-                            </a:rPr>
-                            <a:t>%</a:t>
-                          </a:r>
-                        </a:p>
-                      </a:txBody>
-                      <a:tcPr/>
-                    </a:tc>
-                    <a:tc>
-                      <a:txBody>
-                        <a:bodyPr/>
-                        <a:lstStyle/>
-                        <a:p>
-                          <a:pPr/>
-                          <a14:m>
-                            <m:oMathPara xmlns:m="http://schemas.openxmlformats.org/officeDocument/2006/math">
-                              <m:oMathParaPr>
-                                <m:jc m:val="centerGroup"/>
-                              </m:oMathParaPr>
-                              <m:oMath xmlns:m="http://schemas.openxmlformats.org/officeDocument/2006/math">
-                                <m:r>
-                                  <a:rPr lang="en-US" b="0" i="1" smtClean="0">
-                                    <a:latin typeface="Cambria Math" panose="02040503050406030204" pitchFamily="18" charset="0"/>
-                                  </a:rPr>
-                                  <m:t>𝑥</m:t>
-                                </m:r>
-                                <m:r>
-                                  <a:rPr lang="en-US" b="0" i="1" smtClean="0">
-                                    <a:latin typeface="Cambria Math" panose="02040503050406030204" pitchFamily="18" charset="0"/>
-                                  </a:rPr>
-                                  <m:t> </m:t>
-                                </m:r>
-                                <m:r>
-                                  <m:rPr>
-                                    <m:nor/>
-                                  </m:rPr>
-                                  <a:rPr lang="en-US" b="0" i="0" smtClean="0">
-                                    <a:latin typeface="Cambria Math" panose="02040503050406030204" pitchFamily="18" charset="0"/>
-                                  </a:rPr>
-                                  <m:t>mod</m:t>
-                                </m:r>
-                                <m:r>
-                                  <a:rPr lang="en-US" b="0" i="1" smtClean="0">
-                                    <a:latin typeface="Cambria Math" panose="02040503050406030204" pitchFamily="18" charset="0"/>
-                                  </a:rPr>
-                                  <m:t> 7</m:t>
-                                </m:r>
-                              </m:oMath>
-                            </m:oMathPara>
-                          </a14:m>
-                          <a:endParaRPr lang="en-US" dirty="0"/>
-                        </a:p>
-                      </a:txBody>
-                      <a:tcPr/>
-                    </a:tc>
-                    <a:tc>
-                      <a:txBody>
-                        <a:bodyPr/>
-                        <a:lstStyle/>
-                        <a:p>
-                          <a:pPr algn="ctr"/>
-                          <a:r>
-                            <a:rPr lang="en-US" dirty="0" err="1">
-                              <a:latin typeface="Consolas" panose="020B0609020204030204" pitchFamily="49" charset="0"/>
-                            </a:rPr>
-                            <a:t>myVar</a:t>
-                          </a:r>
-                          <a:r>
-                            <a:rPr lang="en-US" dirty="0">
-                              <a:latin typeface="Consolas" panose="020B0609020204030204" pitchFamily="49" charset="0"/>
-                            </a:rPr>
-                            <a:t> % 7</a:t>
-                          </a:r>
-                        </a:p>
-                      </a:txBody>
-                      <a:tcPr/>
-                    </a:tc>
-                    <a:extLst>
-                      <a:ext uri="{0D108BD9-81ED-4DB2-BD59-A6C34878D82A}">
-                        <a16:rowId xmlns:a16="http://schemas.microsoft.com/office/drawing/2014/main" val="2528975913"/>
-                      </a:ext>
-                    </a:extLst>
-                  </a:tr>
-                </a:tbl>
-              </a:graphicData>
-            </a:graphic>
-          </p:graphicFrame>
-        </mc:Choice>
-        <mc:Fallback xmlns="">
-          <p:graphicFrame>
-            <p:nvGraphicFramePr>
-              <p:cNvPr id="5" name="Table 5">
-                <a:extLst>
-                  <a:ext uri="{FF2B5EF4-FFF2-40B4-BE49-F238E27FC236}">
-                    <a16:creationId xmlns:a16="http://schemas.microsoft.com/office/drawing/2014/main" id="{F96C407D-BEED-449D-88C3-9AB4E1DB52A8}"/>
-                  </a:ext>
-                </a:extLst>
-              </p:cNvPr>
-              <p:cNvGraphicFramePr>
-                <a:graphicFrameLocks noGrp="1"/>
-              </p:cNvGraphicFramePr>
-              <p:nvPr>
-                <p:extLst>
-                  <p:ext uri="{D42A27DB-BD31-4B8C-83A1-F6EECF244321}">
-                    <p14:modId xmlns:p14="http://schemas.microsoft.com/office/powerpoint/2010/main" val="944668178"/>
-                  </p:ext>
-                </p:extLst>
-              </p:nvPr>
-            </p:nvGraphicFramePr>
-            <p:xfrm>
-              <a:off x="836612" y="2209800"/>
-              <a:ext cx="7772400" cy="3720465"/>
-            </p:xfrm>
-            <a:graphic>
-              <a:graphicData uri="http://schemas.openxmlformats.org/drawingml/2006/table">
-                <a:tbl>
-                  <a:tblPr firstRow="1" bandRow="1">
-                    <a:tableStyleId>{5C22544A-7EE6-4342-B048-85BDC9FD1C3A}</a:tableStyleId>
-                  </a:tblPr>
-                  <a:tblGrid>
-                    <a:gridCol w="2031471">
-                      <a:extLst>
-                        <a:ext uri="{9D8B030D-6E8A-4147-A177-3AD203B41FA5}">
-                          <a16:colId xmlns:a16="http://schemas.microsoft.com/office/drawing/2014/main" val="3231174759"/>
-                        </a:ext>
-                      </a:extLst>
-                    </a:gridCol>
-                    <a:gridCol w="1778529">
-                      <a:extLst>
-                        <a:ext uri="{9D8B030D-6E8A-4147-A177-3AD203B41FA5}">
-                          <a16:colId xmlns:a16="http://schemas.microsoft.com/office/drawing/2014/main" val="3331197223"/>
-                        </a:ext>
-                      </a:extLst>
-                    </a:gridCol>
-                    <a:gridCol w="1905000">
-                      <a:extLst>
-                        <a:ext uri="{9D8B030D-6E8A-4147-A177-3AD203B41FA5}">
-                          <a16:colId xmlns:a16="http://schemas.microsoft.com/office/drawing/2014/main" val="3766608763"/>
-                        </a:ext>
-                      </a:extLst>
-                    </a:gridCol>
-                    <a:gridCol w="2057400">
-                      <a:extLst>
-                        <a:ext uri="{9D8B030D-6E8A-4147-A177-3AD203B41FA5}">
-                          <a16:colId xmlns:a16="http://schemas.microsoft.com/office/drawing/2014/main" val="2952318468"/>
-                        </a:ext>
-                      </a:extLst>
-                    </a:gridCol>
-                  </a:tblGrid>
-                  <a:tr h="822960">
-                    <a:tc>
-                      <a:txBody>
-                        <a:bodyPr/>
-                        <a:lstStyle/>
-                        <a:p>
-                          <a:r>
-                            <a:rPr lang="en-US" dirty="0"/>
-                            <a:t>Operation</a:t>
-                          </a:r>
-                        </a:p>
-                      </a:txBody>
-                      <a:tcPr anchor="b"/>
-                    </a:tc>
-                    <a:tc>
-                      <a:txBody>
-                        <a:bodyPr/>
-                        <a:lstStyle/>
-                        <a:p>
-                          <a:r>
-                            <a:rPr lang="en-US" dirty="0"/>
-                            <a:t>C# Operator</a:t>
-                          </a:r>
-                        </a:p>
-                      </a:txBody>
-                      <a:tcPr anchor="b"/>
-                    </a:tc>
-                    <a:tc>
-                      <a:txBody>
-                        <a:bodyPr/>
-                        <a:lstStyle/>
-                        <a:p>
-                          <a:r>
-                            <a:rPr lang="en-US" dirty="0"/>
-                            <a:t>Algebraic Expression</a:t>
-                          </a:r>
-                        </a:p>
-                      </a:txBody>
-                      <a:tcPr anchor="b"/>
-                    </a:tc>
-                    <a:tc>
-                      <a:txBody>
-                        <a:bodyPr/>
-                        <a:lstStyle/>
-                        <a:p>
-                          <a:r>
-                            <a:rPr lang="en-US" dirty="0"/>
-                            <a:t>C# Expression</a:t>
-                          </a:r>
-                        </a:p>
-                      </a:txBody>
-                      <a:tcPr anchor="b"/>
-                    </a:tc>
-                    <a:extLst>
-                      <a:ext uri="{0D108BD9-81ED-4DB2-BD59-A6C34878D82A}">
-                        <a16:rowId xmlns:a16="http://schemas.microsoft.com/office/drawing/2014/main" val="1487575170"/>
-                      </a:ext>
-                    </a:extLst>
-                  </a:tr>
-                  <a:tr h="579501">
-                    <a:tc>
-                      <a:txBody>
-                        <a:bodyPr/>
-                        <a:lstStyle/>
-                        <a:p>
-                          <a:r>
-                            <a:rPr lang="en-US" dirty="0"/>
-                            <a:t>Addition</a:t>
-                          </a:r>
-                        </a:p>
-                      </a:txBody>
-                      <a:tcPr/>
-                    </a:tc>
-                    <a:tc>
-                      <a:txBody>
-                        <a:bodyPr/>
-                        <a:lstStyle/>
-                        <a:p>
-                          <a:pPr algn="ctr"/>
-                          <a:r>
-                            <a:rPr lang="en-US" dirty="0">
-                              <a:latin typeface="Consolas" panose="020B0609020204030204" pitchFamily="49" charset="0"/>
-                            </a:rPr>
-                            <a:t>+</a:t>
-                          </a:r>
-                        </a:p>
-                      </a:txBody>
-                      <a:tcPr/>
-                    </a:tc>
-                    <a:tc>
-                      <a:txBody>
-                        <a:bodyPr/>
-                        <a:lstStyle/>
-                        <a:p>
-                          <a:endParaRPr lang="en-US"/>
-                        </a:p>
-                      </a:txBody>
-                      <a:tcPr>
-                        <a:blipFill>
-                          <a:blip r:embed="rId2"/>
-                          <a:stretch>
-                            <a:fillRect l="-200000" t="-149474" r="-109265" b="-404211"/>
-                          </a:stretch>
-                        </a:blipFill>
-                      </a:tcPr>
-                    </a:tc>
-                    <a:tc>
-                      <a:txBody>
-                        <a:bodyPr/>
-                        <a:lstStyle/>
-                        <a:p>
-                          <a:pPr algn="ctr"/>
-                          <a:r>
-                            <a:rPr lang="en-US" dirty="0" err="1">
-                              <a:latin typeface="Consolas" panose="020B0609020204030204" pitchFamily="49" charset="0"/>
-                            </a:rPr>
-                            <a:t>myVar</a:t>
-                          </a:r>
-                          <a:r>
-                            <a:rPr lang="en-US" dirty="0">
-                              <a:latin typeface="Consolas" panose="020B0609020204030204" pitchFamily="49" charset="0"/>
-                            </a:rPr>
-                            <a:t> + 7</a:t>
-                          </a:r>
-                        </a:p>
-                      </a:txBody>
-                      <a:tcPr/>
-                    </a:tc>
-                    <a:extLst>
-                      <a:ext uri="{0D108BD9-81ED-4DB2-BD59-A6C34878D82A}">
-                        <a16:rowId xmlns:a16="http://schemas.microsoft.com/office/drawing/2014/main" val="4239119866"/>
-                      </a:ext>
-                    </a:extLst>
-                  </a:tr>
-                  <a:tr h="579501">
-                    <a:tc>
-                      <a:txBody>
-                        <a:bodyPr/>
-                        <a:lstStyle/>
-                        <a:p>
-                          <a:r>
-                            <a:rPr lang="en-US" dirty="0"/>
-                            <a:t>Subtraction</a:t>
-                          </a:r>
-                        </a:p>
-                      </a:txBody>
-                      <a:tcPr/>
-                    </a:tc>
-                    <a:tc>
-                      <a:txBody>
-                        <a:bodyPr/>
-                        <a:lstStyle/>
-                        <a:p>
-                          <a:pPr algn="ctr"/>
-                          <a:r>
-                            <a:rPr lang="en-US" dirty="0">
-                              <a:latin typeface="Consolas" panose="020B0609020204030204" pitchFamily="49" charset="0"/>
-                            </a:rPr>
-                            <a:t>– </a:t>
-                          </a:r>
-                        </a:p>
-                      </a:txBody>
-                      <a:tcPr/>
-                    </a:tc>
-                    <a:tc>
-                      <a:txBody>
-                        <a:bodyPr/>
-                        <a:lstStyle/>
-                        <a:p>
-                          <a:endParaRPr lang="en-US"/>
-                        </a:p>
-                      </a:txBody>
-                      <a:tcPr>
-                        <a:blipFill>
-                          <a:blip r:embed="rId2"/>
-                          <a:stretch>
-                            <a:fillRect l="-200000" t="-249474" r="-109265" b="-304211"/>
-                          </a:stretch>
-                        </a:blipFill>
-                      </a:tcPr>
-                    </a:tc>
-                    <a:tc>
-                      <a:txBody>
-                        <a:bodyPr/>
-                        <a:lstStyle/>
-                        <a:p>
-                          <a:pPr algn="ctr"/>
-                          <a:r>
-                            <a:rPr lang="en-US" dirty="0" err="1">
-                              <a:latin typeface="Consolas" panose="020B0609020204030204" pitchFamily="49" charset="0"/>
-                            </a:rPr>
-                            <a:t>myVar</a:t>
-                          </a:r>
-                          <a:r>
-                            <a:rPr lang="en-US" dirty="0">
-                              <a:latin typeface="Consolas" panose="020B0609020204030204" pitchFamily="49" charset="0"/>
-                            </a:rPr>
-                            <a:t> – 7</a:t>
-                          </a:r>
-                        </a:p>
-                      </a:txBody>
-                      <a:tcPr/>
-                    </a:tc>
-                    <a:extLst>
-                      <a:ext uri="{0D108BD9-81ED-4DB2-BD59-A6C34878D82A}">
-                        <a16:rowId xmlns:a16="http://schemas.microsoft.com/office/drawing/2014/main" val="1633910599"/>
-                      </a:ext>
-                    </a:extLst>
-                  </a:tr>
-                  <a:tr h="579501">
-                    <a:tc>
-                      <a:txBody>
-                        <a:bodyPr/>
-                        <a:lstStyle/>
-                        <a:p>
-                          <a:r>
-                            <a:rPr lang="en-US" dirty="0"/>
-                            <a:t>Multiplication</a:t>
-                          </a:r>
-                        </a:p>
-                      </a:txBody>
-                      <a:tcPr/>
-                    </a:tc>
-                    <a:tc>
-                      <a:txBody>
-                        <a:bodyPr/>
-                        <a:lstStyle/>
-                        <a:p>
-                          <a:pPr algn="ctr"/>
-                          <a:r>
-                            <a:rPr lang="en-US" dirty="0">
-                              <a:latin typeface="Consolas" panose="020B0609020204030204" pitchFamily="49" charset="0"/>
-                            </a:rPr>
-                            <a:t>*</a:t>
-                          </a:r>
-                        </a:p>
-                      </a:txBody>
-                      <a:tcPr/>
-                    </a:tc>
-                    <a:tc>
-                      <a:txBody>
-                        <a:bodyPr/>
-                        <a:lstStyle/>
-                        <a:p>
-                          <a:endParaRPr lang="en-US"/>
-                        </a:p>
-                      </a:txBody>
-                      <a:tcPr>
-                        <a:blipFill>
-                          <a:blip r:embed="rId2"/>
-                          <a:stretch>
-                            <a:fillRect l="-200000" t="-345833" r="-109265" b="-201042"/>
-                          </a:stretch>
-                        </a:blipFill>
-                      </a:tcPr>
-                    </a:tc>
-                    <a:tc>
-                      <a:txBody>
-                        <a:bodyPr/>
-                        <a:lstStyle/>
-                        <a:p>
-                          <a:pPr algn="ctr"/>
-                          <a:r>
-                            <a:rPr lang="en-US" dirty="0" err="1">
-                              <a:latin typeface="Consolas" panose="020B0609020204030204" pitchFamily="49" charset="0"/>
-                            </a:rPr>
-                            <a:t>myVar</a:t>
-                          </a:r>
-                          <a:r>
-                            <a:rPr lang="en-US" dirty="0">
-                              <a:latin typeface="Consolas" panose="020B0609020204030204" pitchFamily="49" charset="0"/>
-                            </a:rPr>
-                            <a:t> * 7</a:t>
-                          </a:r>
-                        </a:p>
-                      </a:txBody>
-                      <a:tcPr/>
-                    </a:tc>
-                    <a:extLst>
-                      <a:ext uri="{0D108BD9-81ED-4DB2-BD59-A6C34878D82A}">
-                        <a16:rowId xmlns:a16="http://schemas.microsoft.com/office/drawing/2014/main" val="2981217053"/>
-                      </a:ext>
-                    </a:extLst>
-                  </a:tr>
-                  <a:tr h="579501">
-                    <a:tc>
-                      <a:txBody>
-                        <a:bodyPr/>
-                        <a:lstStyle/>
-                        <a:p>
-                          <a:r>
-                            <a:rPr lang="en-US" dirty="0"/>
-                            <a:t>Division</a:t>
-                          </a:r>
-                        </a:p>
-                      </a:txBody>
-                      <a:tcPr/>
-                    </a:tc>
-                    <a:tc>
-                      <a:txBody>
-                        <a:bodyPr/>
-                        <a:lstStyle/>
-                        <a:p>
-                          <a:pPr algn="ctr"/>
-                          <a:r>
-                            <a:rPr lang="en-US" dirty="0">
-                              <a:latin typeface="Consolas" panose="020B0609020204030204" pitchFamily="49" charset="0"/>
-                            </a:rPr>
-                            <a:t>/</a:t>
-                          </a:r>
-                        </a:p>
-                      </a:txBody>
-                      <a:tcPr/>
-                    </a:tc>
-                    <a:tc>
-                      <a:txBody>
-                        <a:bodyPr/>
-                        <a:lstStyle/>
-                        <a:p>
-                          <a:endParaRPr lang="en-US"/>
-                        </a:p>
-                      </a:txBody>
-                      <a:tcPr>
-                        <a:blipFill>
-                          <a:blip r:embed="rId2"/>
-                          <a:stretch>
-                            <a:fillRect l="-200000" t="-450526" r="-109265" b="-103158"/>
-                          </a:stretch>
-                        </a:blipFill>
-                      </a:tcPr>
-                    </a:tc>
-                    <a:tc>
-                      <a:txBody>
-                        <a:bodyPr/>
-                        <a:lstStyle/>
-                        <a:p>
-                          <a:pPr algn="ctr"/>
-                          <a:r>
-                            <a:rPr lang="en-US" dirty="0" err="1">
-                              <a:latin typeface="Consolas" panose="020B0609020204030204" pitchFamily="49" charset="0"/>
-                            </a:rPr>
-                            <a:t>myVar</a:t>
-                          </a:r>
-                          <a:r>
-                            <a:rPr lang="en-US" dirty="0">
-                              <a:latin typeface="Consolas" panose="020B0609020204030204" pitchFamily="49" charset="0"/>
-                            </a:rPr>
-                            <a:t> / 7</a:t>
-                          </a:r>
-                        </a:p>
-                      </a:txBody>
-                      <a:tcPr/>
-                    </a:tc>
-                    <a:extLst>
-                      <a:ext uri="{0D108BD9-81ED-4DB2-BD59-A6C34878D82A}">
-                        <a16:rowId xmlns:a16="http://schemas.microsoft.com/office/drawing/2014/main" val="2995710546"/>
-                      </a:ext>
-                    </a:extLst>
-                  </a:tr>
-                  <a:tr h="579501">
-                    <a:tc>
-                      <a:txBody>
-                        <a:bodyPr/>
-                        <a:lstStyle/>
-                        <a:p>
-                          <a:r>
-                            <a:rPr lang="en-US" dirty="0"/>
-                            <a:t>Remainder</a:t>
-                          </a:r>
-                        </a:p>
-                      </a:txBody>
-                      <a:tcPr/>
-                    </a:tc>
-                    <a:tc>
-                      <a:txBody>
-                        <a:bodyPr/>
-                        <a:lstStyle/>
-                        <a:p>
-                          <a:pPr algn="ctr"/>
-                          <a:r>
-                            <a:rPr lang="en-US" dirty="0">
-                              <a:latin typeface="Consolas" panose="020B0609020204030204" pitchFamily="49" charset="0"/>
-                            </a:rPr>
-                            <a:t>%</a:t>
-                          </a:r>
-                        </a:p>
-                      </a:txBody>
-                      <a:tcPr/>
-                    </a:tc>
-                    <a:tc>
-                      <a:txBody>
-                        <a:bodyPr/>
-                        <a:lstStyle/>
-                        <a:p>
-                          <a:endParaRPr lang="en-US"/>
-                        </a:p>
-                      </a:txBody>
-                      <a:tcPr>
-                        <a:blipFill>
-                          <a:blip r:embed="rId2"/>
-                          <a:stretch>
-                            <a:fillRect l="-200000" t="-550526" r="-109265" b="-3158"/>
-                          </a:stretch>
-                        </a:blipFill>
-                      </a:tcPr>
-                    </a:tc>
-                    <a:tc>
-                      <a:txBody>
-                        <a:bodyPr/>
-                        <a:lstStyle/>
-                        <a:p>
-                          <a:pPr algn="ctr"/>
-                          <a:r>
-                            <a:rPr lang="en-US" dirty="0" err="1">
-                              <a:latin typeface="Consolas" panose="020B0609020204030204" pitchFamily="49" charset="0"/>
-                            </a:rPr>
-                            <a:t>myVar</a:t>
-                          </a:r>
-                          <a:r>
-                            <a:rPr lang="en-US" dirty="0">
-                              <a:latin typeface="Consolas" panose="020B0609020204030204" pitchFamily="49" charset="0"/>
-                            </a:rPr>
-                            <a:t> % 7</a:t>
-                          </a:r>
-                        </a:p>
-                      </a:txBody>
-                      <a:tcPr/>
-                    </a:tc>
-                    <a:extLst>
-                      <a:ext uri="{0D108BD9-81ED-4DB2-BD59-A6C34878D82A}">
-                        <a16:rowId xmlns:a16="http://schemas.microsoft.com/office/drawing/2014/main" val="2528975913"/>
-                      </a:ext>
-                    </a:extLst>
-                  </a:tr>
-                </a:tbl>
-              </a:graphicData>
-            </a:graphic>
-          </p:graphicFrame>
-        </mc:Fallback>
-      </mc:AlternateContent>
-      <p:cxnSp>
-        <p:nvCxnSpPr>
-          <p:cNvPr id="7" name="Straight Arrow Connector 6">
-            <a:extLst>
-              <a:ext uri="{FF2B5EF4-FFF2-40B4-BE49-F238E27FC236}">
-                <a16:creationId xmlns:a16="http://schemas.microsoft.com/office/drawing/2014/main" id="{28272BB0-F9DF-44D2-B896-53D97721B67A}"/>
-              </a:ext>
-            </a:extLst>
-          </p:cNvPr>
-          <p:cNvCxnSpPr>
-            <a:cxnSpLocks/>
-            <a:stCxn id="9" idx="1"/>
-          </p:cNvCxnSpPr>
-          <p:nvPr/>
-        </p:nvCxnSpPr>
-        <p:spPr>
-          <a:xfrm flipH="1">
-            <a:off x="8380412" y="4302266"/>
-            <a:ext cx="950912" cy="1260334"/>
-          </a:xfrm>
-          <a:prstGeom prst="straightConnector1">
-            <a:avLst/>
-          </a:prstGeom>
-          <a:ln>
-            <a:tailEnd type="triangle"/>
-          </a:ln>
-        </p:spPr>
-        <p:style>
-          <a:lnRef idx="2">
-            <a:schemeClr val="accent5"/>
-          </a:lnRef>
-          <a:fillRef idx="0">
-            <a:schemeClr val="accent5"/>
-          </a:fillRef>
-          <a:effectRef idx="1">
-            <a:schemeClr val="accent5"/>
-          </a:effectRef>
-          <a:fontRef idx="minor">
-            <a:schemeClr val="tx1"/>
-          </a:fontRef>
-        </p:style>
-      </p:cxnSp>
-      <mc:AlternateContent xmlns:mc="http://schemas.openxmlformats.org/markup-compatibility/2006" xmlns:a14="http://schemas.microsoft.com/office/drawing/2010/main">
-        <mc:Choice Requires="a14">
-          <p:sp>
-            <p:nvSpPr>
-              <p:cNvPr id="9" name="TextBox 8">
-                <a:extLst>
-                  <a:ext uri="{FF2B5EF4-FFF2-40B4-BE49-F238E27FC236}">
-                    <a16:creationId xmlns:a16="http://schemas.microsoft.com/office/drawing/2014/main" id="{92FEC8EE-AB1B-42BD-B8E5-AC28361EA354}"/>
-                  </a:ext>
-                </a:extLst>
-              </p:cNvPr>
-              <p:cNvSpPr txBox="1"/>
-              <p:nvPr/>
-            </p:nvSpPr>
-            <p:spPr>
-              <a:xfrm>
-                <a:off x="9331324" y="3332770"/>
-                <a:ext cx="2894013" cy="1938992"/>
-              </a:xfrm>
-              <a:prstGeom prst="rect">
-                <a:avLst/>
-              </a:prstGeom>
-              <a:noFill/>
-            </p:spPr>
-            <p:txBody>
-              <a:bodyPr wrap="square" rtlCol="0">
-                <a:spAutoFit/>
-              </a:bodyPr>
-              <a:lstStyle/>
-              <a:p>
-                <a:r>
-                  <a:rPr lang="en-US" dirty="0"/>
-                  <a:t>Remainder after integer division: </a:t>
-                </a:r>
-                <a14:m>
-                  <m:oMath xmlns:m="http://schemas.openxmlformats.org/officeDocument/2006/math">
-                    <m:r>
-                      <a:rPr lang="en-US" b="0" i="1" smtClean="0">
-                        <a:latin typeface="Cambria Math" panose="02040503050406030204" pitchFamily="18" charset="0"/>
-                      </a:rPr>
-                      <m:t>44 </m:t>
-                    </m:r>
-                    <m:r>
-                      <m:rPr>
-                        <m:sty m:val="p"/>
-                      </m:rPr>
-                      <a:rPr lang="en-US" b="0" i="1" smtClean="0">
-                        <a:latin typeface="Cambria Math" panose="02040503050406030204" pitchFamily="18" charset="0"/>
-                      </a:rPr>
-                      <m:t>mod</m:t>
-                    </m:r>
-                    <m:r>
-                      <a:rPr lang="en-US" b="0" i="1" smtClean="0">
-                        <a:latin typeface="Cambria Math" panose="02040503050406030204" pitchFamily="18" charset="0"/>
-                      </a:rPr>
-                      <m:t> 7=2</m:t>
-                    </m:r>
-                  </m:oMath>
-                </a14:m>
-                <a:r>
-                  <a:rPr lang="en-US" dirty="0"/>
-                  <a:t> because </a:t>
-                </a:r>
-                <a14:m>
-                  <m:oMath xmlns:m="http://schemas.openxmlformats.org/officeDocument/2006/math">
-                    <m:r>
-                      <a:rPr lang="en-US" b="0" i="1" dirty="0" smtClean="0">
-                        <a:latin typeface="Cambria Math" panose="02040503050406030204" pitchFamily="18" charset="0"/>
-                      </a:rPr>
-                      <m:t>44÷7=6</m:t>
-                    </m:r>
-                  </m:oMath>
-                </a14:m>
-                <a:r>
-                  <a:rPr lang="en-US" dirty="0"/>
-                  <a:t> with remainder </a:t>
-                </a:r>
-                <a14:m>
-                  <m:oMath xmlns:m="http://schemas.openxmlformats.org/officeDocument/2006/math">
-                    <m:r>
-                      <a:rPr lang="en-US" b="0" i="1" smtClean="0">
-                        <a:latin typeface="Cambria Math" panose="02040503050406030204" pitchFamily="18" charset="0"/>
-                      </a:rPr>
-                      <m:t>2</m:t>
-                    </m:r>
-                  </m:oMath>
-                </a14:m>
-                <a:endParaRPr lang="en-US" dirty="0"/>
-              </a:p>
-            </p:txBody>
-          </p:sp>
-        </mc:Choice>
-        <mc:Fallback xmlns="">
-          <p:sp>
-            <p:nvSpPr>
-              <p:cNvPr id="9" name="TextBox 8">
-                <a:extLst>
-                  <a:ext uri="{FF2B5EF4-FFF2-40B4-BE49-F238E27FC236}">
-                    <a16:creationId xmlns:a16="http://schemas.microsoft.com/office/drawing/2014/main" id="{92FEC8EE-AB1B-42BD-B8E5-AC28361EA354}"/>
-                  </a:ext>
-                </a:extLst>
-              </p:cNvPr>
-              <p:cNvSpPr txBox="1">
-                <a:spLocks noRot="1" noChangeAspect="1" noMove="1" noResize="1" noEditPoints="1" noAdjustHandles="1" noChangeArrowheads="1" noChangeShapeType="1" noTextEdit="1"/>
-              </p:cNvSpPr>
-              <p:nvPr/>
-            </p:nvSpPr>
-            <p:spPr>
-              <a:xfrm>
-                <a:off x="9331324" y="3332770"/>
-                <a:ext cx="2894013" cy="1938992"/>
-              </a:xfrm>
-              <a:prstGeom prst="rect">
-                <a:avLst/>
-              </a:prstGeom>
-              <a:blipFill>
-                <a:blip r:embed="rId3"/>
-                <a:stretch>
-                  <a:fillRect l="-3376" t="-2516" b="-6289"/>
-                </a:stretch>
-              </a:blipFill>
-            </p:spPr>
-            <p:txBody>
-              <a:bodyPr/>
-              <a:lstStyle/>
-              <a:p>
-                <a:r>
-                  <a:rPr lang="en-US">
-                    <a:noFill/>
-                  </a:rPr>
-                  <a:t> </a:t>
-                </a:r>
-              </a:p>
-            </p:txBody>
-          </p:sp>
-        </mc:Fallback>
-      </mc:AlternateContent>
-    </p:spTree>
-    <p:extLst>
-      <p:ext uri="{BB962C8B-B14F-4D97-AF65-F5344CB8AC3E}">
-        <p14:creationId xmlns:p14="http://schemas.microsoft.com/office/powerpoint/2010/main" val="1085771674"/>
-      </p:ext>
-    </p:extLst>
-  </p:cSld>
-  <p:clrMapOvr>
-    <a:masterClrMapping/>
-  </p:clrMapOvr>
-</p:sld>
-</file>
-
-<file path=ppt/slides/slide19.xml><?xml version="1.0" encoding="utf-8"?>
-<p:sld xmlns:a="http://schemas.openxmlformats.org/drawingml/2006/main" xmlns:r="http://schemas.openxmlformats.org/officeDocument/2006/relationships" xmlns:p="http://schemas.openxmlformats.org/presentationml/2006/main">
-  <p:cSld>
-    <p:spTree>
-      <p:nvGrpSpPr>
-        <p:cNvPr id="1" name=""/>
-        <p:cNvGrpSpPr/>
-        <p:nvPr/>
-      </p:nvGrpSpPr>
-      <p:grpSpPr>
-        <a:xfrm>
-          <a:off x="0" y="0"/>
-          <a:ext cx="0" cy="0"/>
-          <a:chOff x="0" y="0"/>
-          <a:chExt cx="0" cy="0"/>
-        </a:xfrm>
-      </p:grpSpPr>
-      <p:sp>
-        <p:nvSpPr>
-          <p:cNvPr id="2" name="Title 1">
-            <a:extLst>
-              <a:ext uri="{FF2B5EF4-FFF2-40B4-BE49-F238E27FC236}">
-                <a16:creationId xmlns:a16="http://schemas.microsoft.com/office/drawing/2014/main" id="{0D70288D-0905-4E2D-9ACF-B0C85A156A9C}"/>
-              </a:ext>
-            </a:extLst>
-          </p:cNvPr>
-          <p:cNvSpPr>
-            <a:spLocks noGrp="1"/>
-          </p:cNvSpPr>
-          <p:nvPr>
-            <p:ph type="title"/>
-          </p:nvPr>
-        </p:nvSpPr>
-        <p:spPr/>
-        <p:txBody>
-          <a:bodyPr/>
-          <a:lstStyle/>
-          <a:p>
-            <a:r>
-              <a:rPr lang="en-US" dirty="0"/>
-              <a:t>Arithmetic and Assignment</a:t>
-            </a:r>
-          </a:p>
-        </p:txBody>
-      </p:sp>
-      <p:sp>
-        <p:nvSpPr>
-          <p:cNvPr id="3" name="Content Placeholder 2">
-            <a:extLst>
-              <a:ext uri="{FF2B5EF4-FFF2-40B4-BE49-F238E27FC236}">
-                <a16:creationId xmlns:a16="http://schemas.microsoft.com/office/drawing/2014/main" id="{64A57A8D-FEFF-4D96-A623-6B214141EBB6}"/>
-              </a:ext>
-            </a:extLst>
-          </p:cNvPr>
-          <p:cNvSpPr>
-            <a:spLocks noGrp="1"/>
-          </p:cNvSpPr>
-          <p:nvPr>
-            <p:ph idx="1"/>
-          </p:nvPr>
-        </p:nvSpPr>
-        <p:spPr/>
-        <p:txBody>
-          <a:bodyPr/>
-          <a:lstStyle/>
-          <a:p>
-            <a:r>
-              <a:rPr lang="en-US" dirty="0"/>
-              <a:t>Result of an arithmetic expression is a numeric value</a:t>
-            </a:r>
-          </a:p>
-          <a:p>
-            <a:r>
-              <a:rPr lang="en-US" dirty="0"/>
-              <a:t>Numeric values can be assigned to variables</a:t>
-            </a:r>
-          </a:p>
-          <a:p>
-            <a:endParaRPr lang="en-US" dirty="0"/>
-          </a:p>
-          <a:p>
-            <a:endParaRPr lang="en-US" dirty="0"/>
-          </a:p>
-          <a:p>
-            <a:r>
-              <a:rPr lang="en-US" dirty="0"/>
-              <a:t>Variable in arithmetic expression = read its current value</a:t>
-            </a:r>
-          </a:p>
-        </p:txBody>
-      </p:sp>
-      <p:sp>
-        <p:nvSpPr>
-          <p:cNvPr id="4" name="Footer Placeholder 3">
-            <a:extLst>
-              <a:ext uri="{FF2B5EF4-FFF2-40B4-BE49-F238E27FC236}">
-                <a16:creationId xmlns:a16="http://schemas.microsoft.com/office/drawing/2014/main" id="{030881B2-AA84-40FE-9330-233C7E680C82}"/>
-              </a:ext>
-            </a:extLst>
-          </p:cNvPr>
-          <p:cNvSpPr>
-            <a:spLocks noGrp="1"/>
-          </p:cNvSpPr>
-          <p:nvPr>
-            <p:ph type="ftr" sz="quarter" idx="11"/>
-          </p:nvPr>
-        </p:nvSpPr>
-        <p:spPr/>
-        <p:txBody>
-          <a:bodyPr/>
-          <a:lstStyle/>
-          <a:p>
-            <a:r>
-              <a:rPr lang="en-US"/>
-              <a:t>CSCI 1301</a:t>
-            </a:r>
-          </a:p>
-        </p:txBody>
-      </p:sp>
-      <p:sp>
-        <p:nvSpPr>
-          <p:cNvPr id="5" name="TextBox 4">
-            <a:extLst>
-              <a:ext uri="{FF2B5EF4-FFF2-40B4-BE49-F238E27FC236}">
-                <a16:creationId xmlns:a16="http://schemas.microsoft.com/office/drawing/2014/main" id="{4B42E587-4627-446F-B85B-4F759B8A4C2E}"/>
-              </a:ext>
-            </a:extLst>
-          </p:cNvPr>
-          <p:cNvSpPr txBox="1"/>
-          <p:nvPr/>
-        </p:nvSpPr>
-        <p:spPr>
-          <a:xfrm>
-            <a:off x="4113212" y="2667000"/>
-            <a:ext cx="2983509" cy="430887"/>
-          </a:xfrm>
-          <a:prstGeom prst="rect">
-            <a:avLst/>
-          </a:prstGeom>
-          <a:solidFill>
-            <a:schemeClr val="bg1">
-              <a:lumMod val="85000"/>
-              <a:lumOff val="15000"/>
-            </a:schemeClr>
-          </a:solidFill>
-        </p:spPr>
-        <p:txBody>
-          <a:bodyPr wrap="none" rtlCol="0">
-            <a:spAutoFit/>
-          </a:bodyPr>
-          <a:lstStyle/>
-          <a:p>
-            <a:r>
-              <a:rPr lang="en-US" sz="2200" dirty="0">
-                <a:solidFill>
-                  <a:srgbClr val="0099FF"/>
-                </a:solidFill>
-                <a:latin typeface="Consolas" panose="020B0609020204030204" pitchFamily="49" charset="0"/>
-              </a:rPr>
-              <a:t>int</a:t>
-            </a:r>
-            <a:r>
-              <a:rPr lang="en-US" sz="2200" dirty="0">
-                <a:latin typeface="Consolas" panose="020B0609020204030204" pitchFamily="49" charset="0"/>
-              </a:rPr>
-              <a:t> </a:t>
-            </a:r>
-            <a:r>
-              <a:rPr lang="en-US" sz="2200" dirty="0" err="1">
-                <a:latin typeface="Consolas" panose="020B0609020204030204" pitchFamily="49" charset="0"/>
-              </a:rPr>
-              <a:t>myVar</a:t>
-            </a:r>
-            <a:r>
-              <a:rPr lang="en-US" sz="2200" dirty="0">
-                <a:latin typeface="Consolas" panose="020B0609020204030204" pitchFamily="49" charset="0"/>
-              </a:rPr>
-              <a:t> = </a:t>
-            </a:r>
-            <a:r>
-              <a:rPr lang="en-US" sz="2200" dirty="0">
-                <a:solidFill>
-                  <a:srgbClr val="99CC00"/>
-                </a:solidFill>
-                <a:latin typeface="Consolas" panose="020B0609020204030204" pitchFamily="49" charset="0"/>
-              </a:rPr>
-              <a:t>3</a:t>
-            </a:r>
-            <a:r>
-              <a:rPr lang="en-US" sz="2200" dirty="0">
-                <a:latin typeface="Consolas" panose="020B0609020204030204" pitchFamily="49" charset="0"/>
-              </a:rPr>
-              <a:t> * </a:t>
-            </a:r>
-            <a:r>
-              <a:rPr lang="en-US" sz="2200" dirty="0">
-                <a:solidFill>
-                  <a:srgbClr val="99CC00"/>
-                </a:solidFill>
-                <a:latin typeface="Consolas" panose="020B0609020204030204" pitchFamily="49" charset="0"/>
-              </a:rPr>
-              <a:t>4</a:t>
-            </a:r>
-            <a:r>
-              <a:rPr lang="en-US" sz="2200" dirty="0">
-                <a:latin typeface="Consolas" panose="020B0609020204030204" pitchFamily="49" charset="0"/>
-              </a:rPr>
-              <a:t>;</a:t>
-            </a:r>
-          </a:p>
-        </p:txBody>
-      </p:sp>
-      <p:cxnSp>
-        <p:nvCxnSpPr>
-          <p:cNvPr id="7" name="Straight Arrow Connector 6">
-            <a:extLst>
-              <a:ext uri="{FF2B5EF4-FFF2-40B4-BE49-F238E27FC236}">
-                <a16:creationId xmlns:a16="http://schemas.microsoft.com/office/drawing/2014/main" id="{DAA9A576-BE40-4C18-BA93-43297B97E14A}"/>
-              </a:ext>
-            </a:extLst>
-          </p:cNvPr>
-          <p:cNvCxnSpPr>
-            <a:cxnSpLocks/>
-          </p:cNvCxnSpPr>
-          <p:nvPr/>
-        </p:nvCxnSpPr>
-        <p:spPr>
-          <a:xfrm flipH="1" flipV="1">
-            <a:off x="6662184" y="3034844"/>
-            <a:ext cx="609600" cy="381000"/>
-          </a:xfrm>
-          <a:prstGeom prst="straightConnector1">
-            <a:avLst/>
-          </a:prstGeom>
-          <a:ln>
-            <a:tailEnd type="triangle"/>
-          </a:ln>
-        </p:spPr>
-        <p:style>
-          <a:lnRef idx="2">
-            <a:schemeClr val="accent4"/>
-          </a:lnRef>
-          <a:fillRef idx="0">
-            <a:schemeClr val="accent4"/>
-          </a:fillRef>
-          <a:effectRef idx="1">
-            <a:schemeClr val="accent4"/>
-          </a:effectRef>
-          <a:fontRef idx="minor">
-            <a:schemeClr val="tx1"/>
-          </a:fontRef>
-        </p:style>
-      </p:cxnSp>
-      <p:sp>
-        <p:nvSpPr>
-          <p:cNvPr id="9" name="TextBox 8">
-            <a:extLst>
-              <a:ext uri="{FF2B5EF4-FFF2-40B4-BE49-F238E27FC236}">
-                <a16:creationId xmlns:a16="http://schemas.microsoft.com/office/drawing/2014/main" id="{CB1A0CF8-8948-4D49-B1EE-745934955E82}"/>
-              </a:ext>
-            </a:extLst>
-          </p:cNvPr>
-          <p:cNvSpPr txBox="1"/>
-          <p:nvPr/>
-        </p:nvSpPr>
-        <p:spPr>
-          <a:xfrm>
-            <a:off x="7240969" y="3269868"/>
-            <a:ext cx="4161717" cy="461665"/>
-          </a:xfrm>
-          <a:prstGeom prst="rect">
-            <a:avLst/>
-          </a:prstGeom>
-          <a:noFill/>
-        </p:spPr>
-        <p:txBody>
-          <a:bodyPr wrap="none" rtlCol="0">
-            <a:spAutoFit/>
-          </a:bodyPr>
-          <a:lstStyle/>
-          <a:p>
-            <a:r>
-              <a:rPr lang="en-US" dirty="0"/>
-              <a:t>This expression evaluates to 12</a:t>
-            </a:r>
-          </a:p>
-        </p:txBody>
-      </p:sp>
-      <p:sp>
-        <p:nvSpPr>
-          <p:cNvPr id="10" name="TextBox 9">
-            <a:extLst>
-              <a:ext uri="{FF2B5EF4-FFF2-40B4-BE49-F238E27FC236}">
-                <a16:creationId xmlns:a16="http://schemas.microsoft.com/office/drawing/2014/main" id="{6328AED4-630A-467E-8D13-1D4C69ACD237}"/>
-              </a:ext>
-            </a:extLst>
-          </p:cNvPr>
-          <p:cNvSpPr txBox="1"/>
-          <p:nvPr/>
-        </p:nvSpPr>
-        <p:spPr>
-          <a:xfrm>
-            <a:off x="684212" y="3298465"/>
-            <a:ext cx="4110549" cy="461665"/>
-          </a:xfrm>
-          <a:prstGeom prst="rect">
-            <a:avLst/>
-          </a:prstGeom>
-          <a:noFill/>
-        </p:spPr>
-        <p:txBody>
-          <a:bodyPr wrap="none" rtlCol="0">
-            <a:spAutoFit/>
-          </a:bodyPr>
-          <a:lstStyle/>
-          <a:p>
-            <a:r>
-              <a:rPr lang="en-US" dirty="0"/>
-              <a:t>The value 12 is stored in </a:t>
-            </a:r>
-            <a:r>
-              <a:rPr lang="en-US" dirty="0" err="1"/>
-              <a:t>myVar</a:t>
-            </a:r>
-            <a:endParaRPr lang="en-US" dirty="0"/>
-          </a:p>
-        </p:txBody>
-      </p:sp>
-      <p:cxnSp>
-        <p:nvCxnSpPr>
-          <p:cNvPr id="12" name="Straight Arrow Connector 11">
-            <a:extLst>
-              <a:ext uri="{FF2B5EF4-FFF2-40B4-BE49-F238E27FC236}">
-                <a16:creationId xmlns:a16="http://schemas.microsoft.com/office/drawing/2014/main" id="{CC18BD8C-EFD7-443C-9C39-5AFD0F9003B3}"/>
-              </a:ext>
-            </a:extLst>
-          </p:cNvPr>
-          <p:cNvCxnSpPr>
-            <a:cxnSpLocks/>
-          </p:cNvCxnSpPr>
-          <p:nvPr/>
-        </p:nvCxnSpPr>
-        <p:spPr>
-          <a:xfrm flipV="1">
-            <a:off x="4528585" y="3055459"/>
-            <a:ext cx="609771" cy="360385"/>
-          </a:xfrm>
-          <a:prstGeom prst="straightConnector1">
-            <a:avLst/>
-          </a:prstGeom>
-          <a:ln>
-            <a:tailEnd type="triangle"/>
-          </a:ln>
-        </p:spPr>
-        <p:style>
-          <a:lnRef idx="2">
-            <a:schemeClr val="accent4"/>
-          </a:lnRef>
-          <a:fillRef idx="0">
-            <a:schemeClr val="accent4"/>
-          </a:fillRef>
-          <a:effectRef idx="1">
-            <a:schemeClr val="accent4"/>
-          </a:effectRef>
-          <a:fontRef idx="minor">
-            <a:schemeClr val="tx1"/>
-          </a:fontRef>
-        </p:style>
-      </p:cxnSp>
-      <p:sp>
-        <p:nvSpPr>
-          <p:cNvPr id="14" name="TextBox 13">
-            <a:extLst>
-              <a:ext uri="{FF2B5EF4-FFF2-40B4-BE49-F238E27FC236}">
-                <a16:creationId xmlns:a16="http://schemas.microsoft.com/office/drawing/2014/main" id="{4A7EFA1A-FD34-4DFA-8D54-5A0C9E074061}"/>
-              </a:ext>
-            </a:extLst>
-          </p:cNvPr>
-          <p:cNvSpPr txBox="1"/>
-          <p:nvPr/>
-        </p:nvSpPr>
-        <p:spPr>
-          <a:xfrm>
-            <a:off x="989012" y="4472243"/>
-            <a:ext cx="2361544" cy="1107996"/>
-          </a:xfrm>
-          <a:prstGeom prst="rect">
-            <a:avLst/>
-          </a:prstGeom>
-          <a:solidFill>
-            <a:schemeClr val="bg1">
-              <a:lumMod val="85000"/>
-              <a:lumOff val="15000"/>
-            </a:schemeClr>
-          </a:solidFill>
-        </p:spPr>
-        <p:txBody>
-          <a:bodyPr wrap="none" rtlCol="0">
-            <a:spAutoFit/>
-          </a:bodyPr>
-          <a:lstStyle/>
-          <a:p>
-            <a:r>
-              <a:rPr lang="en-US" sz="2200" dirty="0">
-                <a:solidFill>
-                  <a:srgbClr val="0099FF"/>
-                </a:solidFill>
-                <a:latin typeface="Consolas" panose="020B0609020204030204" pitchFamily="49" charset="0"/>
-              </a:rPr>
-              <a:t>int</a:t>
-            </a:r>
-            <a:r>
-              <a:rPr lang="en-US" sz="2200" dirty="0">
-                <a:latin typeface="Consolas" panose="020B0609020204030204" pitchFamily="49" charset="0"/>
-              </a:rPr>
-              <a:t> a = </a:t>
-            </a:r>
-            <a:r>
-              <a:rPr lang="en-US" sz="2200" dirty="0">
-                <a:solidFill>
-                  <a:srgbClr val="99CC00"/>
-                </a:solidFill>
-                <a:latin typeface="Consolas" panose="020B0609020204030204" pitchFamily="49" charset="0"/>
-              </a:rPr>
-              <a:t>4</a:t>
-            </a:r>
-            <a:r>
-              <a:rPr lang="en-US" sz="2200" dirty="0">
-                <a:latin typeface="Consolas" panose="020B0609020204030204" pitchFamily="49" charset="0"/>
-              </a:rPr>
-              <a:t>;</a:t>
-            </a:r>
-          </a:p>
-          <a:p>
-            <a:r>
-              <a:rPr lang="en-US" sz="2200" dirty="0">
-                <a:solidFill>
-                  <a:srgbClr val="0099FF"/>
-                </a:solidFill>
-                <a:latin typeface="Consolas" panose="020B0609020204030204" pitchFamily="49" charset="0"/>
-              </a:rPr>
-              <a:t>int</a:t>
-            </a:r>
-            <a:r>
-              <a:rPr lang="en-US" sz="2200" dirty="0">
-                <a:latin typeface="Consolas" panose="020B0609020204030204" pitchFamily="49" charset="0"/>
-              </a:rPr>
-              <a:t> b = a + </a:t>
-            </a:r>
-            <a:r>
-              <a:rPr lang="en-US" sz="2200" dirty="0">
-                <a:solidFill>
-                  <a:srgbClr val="99CC00"/>
-                </a:solidFill>
-                <a:latin typeface="Consolas" panose="020B0609020204030204" pitchFamily="49" charset="0"/>
-              </a:rPr>
-              <a:t>5</a:t>
-            </a:r>
-            <a:r>
-              <a:rPr lang="en-US" sz="2200" dirty="0">
-                <a:latin typeface="Consolas" panose="020B0609020204030204" pitchFamily="49" charset="0"/>
-              </a:rPr>
-              <a:t>;</a:t>
-            </a:r>
-          </a:p>
-          <a:p>
-            <a:r>
-              <a:rPr lang="en-US" sz="2200" dirty="0">
-                <a:latin typeface="Consolas" panose="020B0609020204030204" pitchFamily="49" charset="0"/>
-              </a:rPr>
-              <a:t>a = b * </a:t>
-            </a:r>
-            <a:r>
-              <a:rPr lang="en-US" sz="2200" dirty="0">
-                <a:solidFill>
-                  <a:srgbClr val="99CC00"/>
-                </a:solidFill>
-                <a:latin typeface="Consolas" panose="020B0609020204030204" pitchFamily="49" charset="0"/>
-              </a:rPr>
-              <a:t>2</a:t>
-            </a:r>
-            <a:r>
-              <a:rPr lang="en-US" sz="2200" dirty="0">
-                <a:latin typeface="Consolas" panose="020B0609020204030204" pitchFamily="49" charset="0"/>
-              </a:rPr>
-              <a:t>;</a:t>
-            </a:r>
-          </a:p>
-        </p:txBody>
-      </p:sp>
-      <p:sp>
-        <p:nvSpPr>
-          <p:cNvPr id="16" name="TextBox 15">
-            <a:extLst>
-              <a:ext uri="{FF2B5EF4-FFF2-40B4-BE49-F238E27FC236}">
-                <a16:creationId xmlns:a16="http://schemas.microsoft.com/office/drawing/2014/main" id="{044B6462-A39B-4707-962B-5477164809D5}"/>
-              </a:ext>
-            </a:extLst>
-          </p:cNvPr>
-          <p:cNvSpPr txBox="1"/>
-          <p:nvPr/>
-        </p:nvSpPr>
-        <p:spPr>
-          <a:xfrm>
-            <a:off x="4336066" y="4712314"/>
-            <a:ext cx="5862502" cy="461665"/>
-          </a:xfrm>
-          <a:prstGeom prst="rect">
-            <a:avLst/>
-          </a:prstGeom>
-          <a:noFill/>
-        </p:spPr>
-        <p:txBody>
-          <a:bodyPr wrap="none" rtlCol="0">
-            <a:spAutoFit/>
-          </a:bodyPr>
-          <a:lstStyle/>
-          <a:p>
-            <a:r>
-              <a:rPr lang="en-US" dirty="0">
-                <a:latin typeface="Consolas" panose="020B0609020204030204" pitchFamily="49" charset="0"/>
-              </a:rPr>
-              <a:t>a</a:t>
-            </a:r>
-            <a:r>
-              <a:rPr lang="en-US" dirty="0"/>
-              <a:t> has value 4, so </a:t>
-            </a:r>
-            <a:r>
-              <a:rPr lang="en-US" dirty="0">
-                <a:latin typeface="Consolas" panose="020B0609020204030204" pitchFamily="49" charset="0"/>
-              </a:rPr>
-              <a:t>b</a:t>
-            </a:r>
-            <a:r>
-              <a:rPr lang="en-US" dirty="0"/>
-              <a:t> gets the resulting value 9</a:t>
-            </a:r>
-          </a:p>
-        </p:txBody>
-      </p:sp>
-      <p:cxnSp>
-        <p:nvCxnSpPr>
-          <p:cNvPr id="18" name="Straight Arrow Connector 17">
-            <a:extLst>
-              <a:ext uri="{FF2B5EF4-FFF2-40B4-BE49-F238E27FC236}">
-                <a16:creationId xmlns:a16="http://schemas.microsoft.com/office/drawing/2014/main" id="{EABE698F-A638-4AB0-8281-67B153CF1C28}"/>
-              </a:ext>
-            </a:extLst>
-          </p:cNvPr>
-          <p:cNvCxnSpPr>
-            <a:cxnSpLocks/>
-            <a:stCxn id="16" idx="1"/>
-          </p:cNvCxnSpPr>
-          <p:nvPr/>
-        </p:nvCxnSpPr>
-        <p:spPr>
-          <a:xfrm flipH="1">
-            <a:off x="3275012" y="4943147"/>
-            <a:ext cx="1061054" cy="83093"/>
-          </a:xfrm>
-          <a:prstGeom prst="straightConnector1">
-            <a:avLst/>
-          </a:prstGeom>
-          <a:ln>
-            <a:tailEnd type="triangle"/>
-          </a:ln>
-        </p:spPr>
-        <p:style>
-          <a:lnRef idx="2">
-            <a:schemeClr val="accent4"/>
-          </a:lnRef>
-          <a:fillRef idx="0">
-            <a:schemeClr val="accent4"/>
-          </a:fillRef>
-          <a:effectRef idx="1">
-            <a:schemeClr val="accent4"/>
-          </a:effectRef>
-          <a:fontRef idx="minor">
-            <a:schemeClr val="tx1"/>
-          </a:fontRef>
-        </p:style>
-      </p:cxnSp>
-      <p:sp>
-        <p:nvSpPr>
-          <p:cNvPr id="21" name="TextBox 20">
-            <a:extLst>
-              <a:ext uri="{FF2B5EF4-FFF2-40B4-BE49-F238E27FC236}">
-                <a16:creationId xmlns:a16="http://schemas.microsoft.com/office/drawing/2014/main" id="{515E5941-20BA-4CAD-BEBD-211D206A391A}"/>
-              </a:ext>
-            </a:extLst>
-          </p:cNvPr>
-          <p:cNvSpPr txBox="1"/>
-          <p:nvPr/>
-        </p:nvSpPr>
-        <p:spPr>
-          <a:xfrm>
-            <a:off x="4194406" y="5196733"/>
-            <a:ext cx="6000361" cy="461665"/>
-          </a:xfrm>
-          <a:prstGeom prst="rect">
-            <a:avLst/>
-          </a:prstGeom>
-          <a:noFill/>
-        </p:spPr>
-        <p:txBody>
-          <a:bodyPr wrap="none" rtlCol="0">
-            <a:spAutoFit/>
-          </a:bodyPr>
-          <a:lstStyle/>
-          <a:p>
-            <a:r>
-              <a:rPr lang="en-US" dirty="0">
-                <a:latin typeface="Consolas" panose="020B0609020204030204" pitchFamily="49" charset="0"/>
-              </a:rPr>
-              <a:t>b</a:t>
-            </a:r>
-            <a:r>
-              <a:rPr lang="en-US" dirty="0"/>
-              <a:t> has value 9, now </a:t>
-            </a:r>
-            <a:r>
-              <a:rPr lang="en-US" dirty="0">
-                <a:latin typeface="Consolas" panose="020B0609020204030204" pitchFamily="49" charset="0"/>
-              </a:rPr>
-              <a:t>a</a:t>
-            </a:r>
-            <a:r>
-              <a:rPr lang="en-US" dirty="0"/>
-              <a:t> is assigned new value 18</a:t>
-            </a:r>
-          </a:p>
-        </p:txBody>
-      </p:sp>
-      <p:cxnSp>
-        <p:nvCxnSpPr>
-          <p:cNvPr id="22" name="Straight Arrow Connector 21">
-            <a:extLst>
-              <a:ext uri="{FF2B5EF4-FFF2-40B4-BE49-F238E27FC236}">
-                <a16:creationId xmlns:a16="http://schemas.microsoft.com/office/drawing/2014/main" id="{080267DC-7686-4D5C-8C3E-9037F1D889D8}"/>
-              </a:ext>
-            </a:extLst>
-          </p:cNvPr>
-          <p:cNvCxnSpPr>
-            <a:cxnSpLocks/>
-            <a:stCxn id="21" idx="1"/>
-          </p:cNvCxnSpPr>
-          <p:nvPr/>
-        </p:nvCxnSpPr>
-        <p:spPr>
-          <a:xfrm flipH="1" flipV="1">
-            <a:off x="2741612" y="5334000"/>
-            <a:ext cx="1452794" cy="93566"/>
-          </a:xfrm>
-          <a:prstGeom prst="straightConnector1">
-            <a:avLst/>
-          </a:prstGeom>
-          <a:ln>
-            <a:tailEnd type="triangle"/>
-          </a:ln>
-        </p:spPr>
-        <p:style>
-          <a:lnRef idx="2">
-            <a:schemeClr val="accent4"/>
-          </a:lnRef>
-          <a:fillRef idx="0">
-            <a:schemeClr val="accent4"/>
-          </a:fillRef>
-          <a:effectRef idx="1">
-            <a:schemeClr val="accent4"/>
-          </a:effectRef>
-          <a:fontRef idx="minor">
-            <a:schemeClr val="tx1"/>
-          </a:fontRef>
-        </p:style>
-      </p:cxnSp>
-    </p:spTree>
-    <p:extLst>
-      <p:ext uri="{BB962C8B-B14F-4D97-AF65-F5344CB8AC3E}">
-        <p14:creationId xmlns:p14="http://schemas.microsoft.com/office/powerpoint/2010/main" val="2668290324"/>
-      </p:ext>
-    </p:extLst>
-  </p:cSld>
-  <p:clrMapOvr>
-    <a:masterClrMapping/>
-  </p:clrMapOvr>
-  <p:timing>
-    <p:tnLst>
-      <p:par>
-        <p:cTn id="1" dur="indefinite" restart="never" nodeType="tmRoot">
-          <p:childTnLst>
-            <p:seq concurrent="1" nextAc="seek">
-              <p:cTn id="2" dur="indefinite" nodeType="mainSeq">
-                <p:childTnLst>
-                  <p:par>
-                    <p:cTn id="3" fill="hold">
-                      <p:stCondLst>
-                        <p:cond delay="indefinite"/>
-                      </p:stCondLst>
-                      <p:childTnLst>
-                        <p:par>
-                          <p:cTn id="4" fill="hold">
-                            <p:stCondLst>
-                              <p:cond delay="0"/>
-                            </p:stCondLst>
-                            <p:childTnLst>
-                              <p:par>
-                                <p:cTn id="5" presetID="1" presetClass="entr" presetSubtype="0" fill="hold" nodeType="clickEffect">
-                                  <p:stCondLst>
-                                    <p:cond delay="0"/>
-                                  </p:stCondLst>
-                                  <p:childTnLst>
-                                    <p:set>
-                                      <p:cBhvr>
-                                        <p:cTn id="6" dur="1" fill="hold">
-                                          <p:stCondLst>
-                                            <p:cond delay="0"/>
-                                          </p:stCondLst>
-                                        </p:cTn>
-                                        <p:tgtEl>
-                                          <p:spTgt spid="3">
-                                            <p:txEl>
-                                              <p:pRg st="4" end="4"/>
-                                            </p:txEl>
-                                          </p:spTgt>
-                                        </p:tgtEl>
-                                        <p:attrNameLst>
-                                          <p:attrName>style.visibility</p:attrName>
-                                        </p:attrNameLst>
-                                      </p:cBhvr>
-                                      <p:to>
-                                        <p:strVal val="visible"/>
-                                      </p:to>
-                                    </p:set>
-                                  </p:childTnLst>
-                                </p:cTn>
-                              </p:par>
-                            </p:childTnLst>
-                          </p:cTn>
-                        </p:par>
-                      </p:childTnLst>
-                    </p:cTn>
-                  </p:par>
-                  <p:par>
-                    <p:cTn id="7" fill="hold">
-                      <p:stCondLst>
-                        <p:cond delay="indefinite"/>
-                      </p:stCondLst>
-                      <p:childTnLst>
-                        <p:par>
-                          <p:cTn id="8" fill="hold">
-                            <p:stCondLst>
-                              <p:cond delay="0"/>
-                            </p:stCondLst>
-                            <p:childTnLst>
-                              <p:par>
-                                <p:cTn id="9" presetID="1" presetClass="entr" presetSubtype="0" fill="hold" grpId="0" nodeType="clickEffect">
-                                  <p:stCondLst>
-                                    <p:cond delay="0"/>
-                                  </p:stCondLst>
-                                  <p:childTnLst>
-                                    <p:set>
-                                      <p:cBhvr>
-                                        <p:cTn id="10" dur="1" fill="hold">
-                                          <p:stCondLst>
-                                            <p:cond delay="0"/>
-                                          </p:stCondLst>
-                                        </p:cTn>
-                                        <p:tgtEl>
-                                          <p:spTgt spid="14"/>
-                                        </p:tgtEl>
-                                        <p:attrNameLst>
-                                          <p:attrName>style.visibility</p:attrName>
-                                        </p:attrNameLst>
-                                      </p:cBhvr>
-                                      <p:to>
-                                        <p:strVal val="visible"/>
-                                      </p:to>
-                                    </p:set>
-                                  </p:childTnLst>
-                                </p:cTn>
-                              </p:par>
-                              <p:par>
-                                <p:cTn id="11" presetID="1" presetClass="entr" presetSubtype="0" fill="hold" nodeType="withEffect">
-                                  <p:stCondLst>
-                                    <p:cond delay="0"/>
-                                  </p:stCondLst>
-                                  <p:childTnLst>
-                                    <p:set>
-                                      <p:cBhvr>
-                                        <p:cTn id="12" dur="1" fill="hold">
-                                          <p:stCondLst>
-                                            <p:cond delay="0"/>
-                                          </p:stCondLst>
-                                        </p:cTn>
-                                        <p:tgtEl>
-                                          <p:spTgt spid="18"/>
-                                        </p:tgtEl>
-                                        <p:attrNameLst>
-                                          <p:attrName>style.visibility</p:attrName>
-                                        </p:attrNameLst>
-                                      </p:cBhvr>
-                                      <p:to>
-                                        <p:strVal val="visible"/>
-                                      </p:to>
-                                    </p:set>
-                                  </p:childTnLst>
-                                </p:cTn>
-                              </p:par>
-                              <p:par>
-                                <p:cTn id="13" presetID="1" presetClass="entr" presetSubtype="0" fill="hold" grpId="0" nodeType="withEffect">
-                                  <p:stCondLst>
-                                    <p:cond delay="0"/>
-                                  </p:stCondLst>
-                                  <p:childTnLst>
-                                    <p:set>
-                                      <p:cBhvr>
-                                        <p:cTn id="14" dur="1" fill="hold">
-                                          <p:stCondLst>
-                                            <p:cond delay="0"/>
-                                          </p:stCondLst>
-                                        </p:cTn>
-                                        <p:tgtEl>
-                                          <p:spTgt spid="16"/>
-                                        </p:tgtEl>
-                                        <p:attrNameLst>
-                                          <p:attrName>style.visibility</p:attrName>
-                                        </p:attrNameLst>
-                                      </p:cBhvr>
-                                      <p:to>
-                                        <p:strVal val="visible"/>
-                                      </p:to>
-                                    </p:set>
-                                  </p:childTnLst>
-                                </p:cTn>
-                              </p:par>
-                              <p:par>
-                                <p:cTn id="15" presetID="1" presetClass="entr" presetSubtype="0" fill="hold" grpId="0" nodeType="withEffect">
-                                  <p:stCondLst>
-                                    <p:cond delay="0"/>
-                                  </p:stCondLst>
-                                  <p:childTnLst>
-                                    <p:set>
-                                      <p:cBhvr>
-                                        <p:cTn id="16" dur="1" fill="hold">
-                                          <p:stCondLst>
-                                            <p:cond delay="0"/>
-                                          </p:stCondLst>
-                                        </p:cTn>
-                                        <p:tgtEl>
-                                          <p:spTgt spid="21"/>
-                                        </p:tgtEl>
-                                        <p:attrNameLst>
-                                          <p:attrName>style.visibility</p:attrName>
-                                        </p:attrNameLst>
-                                      </p:cBhvr>
-                                      <p:to>
-                                        <p:strVal val="visible"/>
-                                      </p:to>
-                                    </p:set>
-                                  </p:childTnLst>
-                                </p:cTn>
-                              </p:par>
-                              <p:par>
-                                <p:cTn id="17" presetID="1" presetClass="entr" presetSubtype="0" fill="hold" nodeType="withEffect">
-                                  <p:stCondLst>
-                                    <p:cond delay="0"/>
-                                  </p:stCondLst>
-                                  <p:childTnLst>
-                                    <p:set>
-                                      <p:cBhvr>
-                                        <p:cTn id="18" dur="1" fill="hold">
-                                          <p:stCondLst>
-                                            <p:cond delay="0"/>
-                                          </p:stCondLst>
-                                        </p:cTn>
-                                        <p:tgtEl>
-                                          <p:spTgt spid="22"/>
-                                        </p:tgtEl>
-                                        <p:attrNameLst>
-                                          <p:attrName>style.visibility</p:attrName>
-                                        </p:attrNameLst>
-                                      </p:cBhvr>
-                                      <p:to>
-                                        <p:strVal val="visible"/>
-                                      </p:to>
-                                    </p:set>
-                                  </p:childTnLst>
-                                </p:cTn>
-                              </p:par>
-                            </p:childTnLst>
-                          </p:cTn>
-                        </p:par>
-                      </p:childTnLst>
-                    </p:cTn>
-                  </p:par>
-                </p:childTnLst>
-              </p:cTn>
-              <p:prevCondLst>
-                <p:cond evt="onPrev" delay="0">
-                  <p:tgtEl>
-                    <p:sldTgt/>
-                  </p:tgtEl>
-                </p:cond>
-              </p:prevCondLst>
-              <p:nextCondLst>
-                <p:cond evt="onNext" delay="0">
-                  <p:tgtEl>
-                    <p:sldTgt/>
-                  </p:tgtEl>
-                </p:cond>
-              </p:nextCondLst>
-            </p:seq>
-          </p:childTnLst>
-        </p:cTn>
-      </p:par>
-    </p:tnLst>
-    <p:bldLst>
-      <p:bldP spid="14" grpId="0" animBg="1"/>
-      <p:bldP spid="16" grpId="0"/>
-      <p:bldP spid="21" grpId="0"/>
-    </p:bldLst>
-  </p:timing>
 </p:sld>
 </file>
 
@@ -16554,1091 +12255,6 @@
       </p:grpSpPr>
       <p:sp>
         <p:nvSpPr>
-          <p:cNvPr id="2" name="Title 1">
-            <a:extLst>
-              <a:ext uri="{FF2B5EF4-FFF2-40B4-BE49-F238E27FC236}">
-                <a16:creationId xmlns:a16="http://schemas.microsoft.com/office/drawing/2014/main" id="{8F42D373-1583-472C-86CA-F3082873E9BA}"/>
-              </a:ext>
-            </a:extLst>
-          </p:cNvPr>
-          <p:cNvSpPr>
-            <a:spLocks noGrp="1"/>
-          </p:cNvSpPr>
-          <p:nvPr>
-            <p:ph type="title"/>
-          </p:nvPr>
-        </p:nvSpPr>
-        <p:spPr/>
-        <p:txBody>
-          <a:bodyPr/>
-          <a:lstStyle/>
-          <a:p>
-            <a:r>
-              <a:rPr lang="en-US" dirty="0"/>
-              <a:t>Announcements</a:t>
-            </a:r>
-          </a:p>
-        </p:txBody>
-      </p:sp>
-      <p:sp>
-        <p:nvSpPr>
-          <p:cNvPr id="3" name="Content Placeholder 2">
-            <a:extLst>
-              <a:ext uri="{FF2B5EF4-FFF2-40B4-BE49-F238E27FC236}">
-                <a16:creationId xmlns:a16="http://schemas.microsoft.com/office/drawing/2014/main" id="{8558828D-EFA4-4B8A-93A2-81F636E53EB6}"/>
-              </a:ext>
-            </a:extLst>
-          </p:cNvPr>
-          <p:cNvSpPr>
-            <a:spLocks noGrp="1"/>
-          </p:cNvSpPr>
-          <p:nvPr>
-            <p:ph idx="1"/>
-          </p:nvPr>
-        </p:nvSpPr>
-        <p:spPr/>
-        <p:txBody>
-          <a:bodyPr/>
-          <a:lstStyle/>
-          <a:p>
-            <a:r>
-              <a:rPr lang="en-US" dirty="0"/>
-              <a:t>Quiz grades on D2L</a:t>
-            </a:r>
-          </a:p>
-          <a:p>
-            <a:r>
-              <a:rPr lang="en-US" dirty="0"/>
-              <a:t>“Rubric” should show question breakdown</a:t>
-            </a:r>
-          </a:p>
-          <a:p>
-            <a:r>
-              <a:rPr lang="en-US" dirty="0"/>
-              <a:t>Hard copies will be handed back next week</a:t>
-            </a:r>
-          </a:p>
-          <a:p>
-            <a:r>
-              <a:rPr lang="en-US" dirty="0"/>
-              <a:t>Project </a:t>
-            </a:r>
-            <a:r>
-              <a:rPr lang="en-US"/>
-              <a:t>1 will </a:t>
-            </a:r>
-            <a:r>
-              <a:rPr lang="en-US" dirty="0"/>
-              <a:t>be available this weekend</a:t>
-            </a:r>
-          </a:p>
-        </p:txBody>
-      </p:sp>
-      <p:sp>
-        <p:nvSpPr>
-          <p:cNvPr id="4" name="Footer Placeholder 3">
-            <a:extLst>
-              <a:ext uri="{FF2B5EF4-FFF2-40B4-BE49-F238E27FC236}">
-                <a16:creationId xmlns:a16="http://schemas.microsoft.com/office/drawing/2014/main" id="{5E5D3406-B73A-4E98-9AA6-227AA16ACF88}"/>
-              </a:ext>
-            </a:extLst>
-          </p:cNvPr>
-          <p:cNvSpPr>
-            <a:spLocks noGrp="1"/>
-          </p:cNvSpPr>
-          <p:nvPr>
-            <p:ph type="ftr" sz="quarter" idx="11"/>
-          </p:nvPr>
-        </p:nvSpPr>
-        <p:spPr/>
-        <p:txBody>
-          <a:bodyPr/>
-          <a:lstStyle/>
-          <a:p>
-            <a:r>
-              <a:rPr lang="en-US"/>
-              <a:t>CSCI 1301</a:t>
-            </a:r>
-          </a:p>
-        </p:txBody>
-      </p:sp>
-    </p:spTree>
-    <p:extLst>
-      <p:ext uri="{BB962C8B-B14F-4D97-AF65-F5344CB8AC3E}">
-        <p14:creationId xmlns:p14="http://schemas.microsoft.com/office/powerpoint/2010/main" val="2949631310"/>
-      </p:ext>
-    </p:extLst>
-  </p:cSld>
-  <p:clrMapOvr>
-    <a:masterClrMapping/>
-  </p:clrMapOvr>
-</p:sld>
-</file>
-
-<file path=ppt/slides/slide20.xml><?xml version="1.0" encoding="utf-8"?>
-<p:sld xmlns:a="http://schemas.openxmlformats.org/drawingml/2006/main" xmlns:r="http://schemas.openxmlformats.org/officeDocument/2006/relationships" xmlns:p="http://schemas.openxmlformats.org/presentationml/2006/main">
-  <p:cSld>
-    <p:spTree>
-      <p:nvGrpSpPr>
-        <p:cNvPr id="1" name=""/>
-        <p:cNvGrpSpPr/>
-        <p:nvPr/>
-      </p:nvGrpSpPr>
-      <p:grpSpPr>
-        <a:xfrm>
-          <a:off x="0" y="0"/>
-          <a:ext cx="0" cy="0"/>
-          <a:chOff x="0" y="0"/>
-          <a:chExt cx="0" cy="0"/>
-        </a:xfrm>
-      </p:grpSpPr>
-      <p:sp>
-        <p:nvSpPr>
-          <p:cNvPr id="2" name="Title 1">
-            <a:extLst>
-              <a:ext uri="{FF2B5EF4-FFF2-40B4-BE49-F238E27FC236}">
-                <a16:creationId xmlns:a16="http://schemas.microsoft.com/office/drawing/2014/main" id="{D88C2837-B615-4071-98FC-7E7B7114F82A}"/>
-              </a:ext>
-            </a:extLst>
-          </p:cNvPr>
-          <p:cNvSpPr>
-            <a:spLocks noGrp="1"/>
-          </p:cNvSpPr>
-          <p:nvPr>
-            <p:ph type="title"/>
-          </p:nvPr>
-        </p:nvSpPr>
-        <p:spPr/>
-        <p:txBody>
-          <a:bodyPr/>
-          <a:lstStyle/>
-          <a:p>
-            <a:r>
-              <a:rPr lang="en-US" dirty="0"/>
-              <a:t>Self-Assignment</a:t>
-            </a:r>
-          </a:p>
-        </p:txBody>
-      </p:sp>
-      <p:sp>
-        <p:nvSpPr>
-          <p:cNvPr id="3" name="Content Placeholder 2">
-            <a:extLst>
-              <a:ext uri="{FF2B5EF4-FFF2-40B4-BE49-F238E27FC236}">
-                <a16:creationId xmlns:a16="http://schemas.microsoft.com/office/drawing/2014/main" id="{B8E2A5F6-3A1A-4990-BBF6-A7AE56483995}"/>
-              </a:ext>
-            </a:extLst>
-          </p:cNvPr>
-          <p:cNvSpPr>
-            <a:spLocks noGrp="1"/>
-          </p:cNvSpPr>
-          <p:nvPr>
-            <p:ph idx="1"/>
-          </p:nvPr>
-        </p:nvSpPr>
-        <p:spPr/>
-        <p:txBody>
-          <a:bodyPr/>
-          <a:lstStyle/>
-          <a:p>
-            <a:r>
-              <a:rPr lang="en-US" dirty="0"/>
-              <a:t>A variable can appear on both sides of the = operator</a:t>
-            </a:r>
-          </a:p>
-          <a:p>
-            <a:endParaRPr lang="en-US" dirty="0"/>
-          </a:p>
-          <a:p>
-            <a:endParaRPr lang="en-US" dirty="0"/>
-          </a:p>
-          <a:p>
-            <a:endParaRPr lang="en-US" dirty="0"/>
-          </a:p>
-          <a:p>
-            <a:r>
-              <a:rPr lang="en-US" dirty="0"/>
-              <a:t>Compound assignment operators: a shortcut</a:t>
-            </a:r>
-          </a:p>
-        </p:txBody>
-      </p:sp>
-      <p:sp>
-        <p:nvSpPr>
-          <p:cNvPr id="4" name="Footer Placeholder 3">
-            <a:extLst>
-              <a:ext uri="{FF2B5EF4-FFF2-40B4-BE49-F238E27FC236}">
-                <a16:creationId xmlns:a16="http://schemas.microsoft.com/office/drawing/2014/main" id="{03E5C619-2255-4DFD-8D6B-B11505EC6B33}"/>
-              </a:ext>
-            </a:extLst>
-          </p:cNvPr>
-          <p:cNvSpPr>
-            <a:spLocks noGrp="1"/>
-          </p:cNvSpPr>
-          <p:nvPr>
-            <p:ph type="ftr" sz="quarter" idx="11"/>
-          </p:nvPr>
-        </p:nvSpPr>
-        <p:spPr/>
-        <p:txBody>
-          <a:bodyPr/>
-          <a:lstStyle/>
-          <a:p>
-            <a:r>
-              <a:rPr lang="en-US" dirty="0"/>
-              <a:t>CSCI 1301</a:t>
-            </a:r>
-          </a:p>
-        </p:txBody>
-      </p:sp>
-      <p:sp>
-        <p:nvSpPr>
-          <p:cNvPr id="5" name="TextBox 4">
-            <a:extLst>
-              <a:ext uri="{FF2B5EF4-FFF2-40B4-BE49-F238E27FC236}">
-                <a16:creationId xmlns:a16="http://schemas.microsoft.com/office/drawing/2014/main" id="{7C5A2419-3972-4771-BB94-3DC61CA98D94}"/>
-              </a:ext>
-            </a:extLst>
-          </p:cNvPr>
-          <p:cNvSpPr txBox="1"/>
-          <p:nvPr/>
-        </p:nvSpPr>
-        <p:spPr>
-          <a:xfrm>
-            <a:off x="4570412" y="2133600"/>
-            <a:ext cx="2983509" cy="769441"/>
-          </a:xfrm>
-          <a:prstGeom prst="rect">
-            <a:avLst/>
-          </a:prstGeom>
-          <a:solidFill>
-            <a:schemeClr val="bg1">
-              <a:lumMod val="85000"/>
-              <a:lumOff val="15000"/>
-            </a:schemeClr>
-          </a:solidFill>
-        </p:spPr>
-        <p:txBody>
-          <a:bodyPr wrap="none" rtlCol="0">
-            <a:spAutoFit/>
-          </a:bodyPr>
-          <a:lstStyle/>
-          <a:p>
-            <a:r>
-              <a:rPr lang="en-US" sz="2200" dirty="0">
-                <a:solidFill>
-                  <a:srgbClr val="0099FF"/>
-                </a:solidFill>
-                <a:latin typeface="Consolas" panose="020B0609020204030204" pitchFamily="49" charset="0"/>
-              </a:rPr>
-              <a:t>int</a:t>
-            </a:r>
-            <a:r>
-              <a:rPr lang="en-US" sz="2200" dirty="0">
-                <a:latin typeface="Consolas" panose="020B0609020204030204" pitchFamily="49" charset="0"/>
-              </a:rPr>
-              <a:t> </a:t>
-            </a:r>
-            <a:r>
-              <a:rPr lang="en-US" sz="2200" dirty="0" err="1">
-                <a:latin typeface="Consolas" panose="020B0609020204030204" pitchFamily="49" charset="0"/>
-              </a:rPr>
-              <a:t>myVar</a:t>
-            </a:r>
-            <a:r>
-              <a:rPr lang="en-US" sz="2200" dirty="0">
-                <a:latin typeface="Consolas" panose="020B0609020204030204" pitchFamily="49" charset="0"/>
-              </a:rPr>
-              <a:t> = </a:t>
-            </a:r>
-            <a:r>
-              <a:rPr lang="en-US" sz="2200" dirty="0">
-                <a:solidFill>
-                  <a:srgbClr val="99CC00"/>
-                </a:solidFill>
-                <a:latin typeface="Consolas" panose="020B0609020204030204" pitchFamily="49" charset="0"/>
-              </a:rPr>
-              <a:t>4</a:t>
-            </a:r>
-            <a:r>
-              <a:rPr lang="en-US" sz="2200" dirty="0">
-                <a:latin typeface="Consolas" panose="020B0609020204030204" pitchFamily="49" charset="0"/>
-              </a:rPr>
-              <a:t>;</a:t>
-            </a:r>
-          </a:p>
-          <a:p>
-            <a:r>
-              <a:rPr lang="en-US" sz="2200" dirty="0" err="1">
-                <a:latin typeface="Consolas" panose="020B0609020204030204" pitchFamily="49" charset="0"/>
-              </a:rPr>
-              <a:t>myVar</a:t>
-            </a:r>
-            <a:r>
-              <a:rPr lang="en-US" sz="2200" dirty="0">
-                <a:latin typeface="Consolas" panose="020B0609020204030204" pitchFamily="49" charset="0"/>
-              </a:rPr>
-              <a:t> = </a:t>
-            </a:r>
-            <a:r>
-              <a:rPr lang="en-US" sz="2200" dirty="0" err="1">
-                <a:latin typeface="Consolas" panose="020B0609020204030204" pitchFamily="49" charset="0"/>
-              </a:rPr>
-              <a:t>myVar</a:t>
-            </a:r>
-            <a:r>
-              <a:rPr lang="en-US" sz="2200" dirty="0">
-                <a:latin typeface="Consolas" panose="020B0609020204030204" pitchFamily="49" charset="0"/>
-              </a:rPr>
-              <a:t> * </a:t>
-            </a:r>
-            <a:r>
-              <a:rPr lang="en-US" sz="2200" dirty="0">
-                <a:solidFill>
-                  <a:srgbClr val="99CC00"/>
-                </a:solidFill>
-                <a:latin typeface="Consolas" panose="020B0609020204030204" pitchFamily="49" charset="0"/>
-              </a:rPr>
-              <a:t>2</a:t>
-            </a:r>
-            <a:r>
-              <a:rPr lang="en-US" sz="2200" dirty="0">
-                <a:latin typeface="Consolas" panose="020B0609020204030204" pitchFamily="49" charset="0"/>
-              </a:rPr>
-              <a:t>;</a:t>
-            </a:r>
-          </a:p>
-        </p:txBody>
-      </p:sp>
-      <p:sp>
-        <p:nvSpPr>
-          <p:cNvPr id="6" name="TextBox 5">
-            <a:extLst>
-              <a:ext uri="{FF2B5EF4-FFF2-40B4-BE49-F238E27FC236}">
-                <a16:creationId xmlns:a16="http://schemas.microsoft.com/office/drawing/2014/main" id="{F6F243CC-6FFC-494F-87FA-66606EFCE3B0}"/>
-              </a:ext>
-            </a:extLst>
-          </p:cNvPr>
-          <p:cNvSpPr txBox="1"/>
-          <p:nvPr/>
-        </p:nvSpPr>
-        <p:spPr>
-          <a:xfrm>
-            <a:off x="1522412" y="2283767"/>
-            <a:ext cx="2638864" cy="461665"/>
-          </a:xfrm>
-          <a:prstGeom prst="rect">
-            <a:avLst/>
-          </a:prstGeom>
-          <a:noFill/>
-        </p:spPr>
-        <p:txBody>
-          <a:bodyPr wrap="none" rtlCol="0">
-            <a:spAutoFit/>
-          </a:bodyPr>
-          <a:lstStyle/>
-          <a:p>
-            <a:r>
-              <a:rPr lang="en-US" dirty="0"/>
-              <a:t>What does this do?</a:t>
-            </a:r>
-          </a:p>
-        </p:txBody>
-      </p:sp>
-      <p:sp>
-        <p:nvSpPr>
-          <p:cNvPr id="7" name="TextBox 6">
-            <a:extLst>
-              <a:ext uri="{FF2B5EF4-FFF2-40B4-BE49-F238E27FC236}">
-                <a16:creationId xmlns:a16="http://schemas.microsoft.com/office/drawing/2014/main" id="{ADD71F59-7710-443F-A7B7-F80AC37E6728}"/>
-              </a:ext>
-            </a:extLst>
-          </p:cNvPr>
-          <p:cNvSpPr txBox="1"/>
-          <p:nvPr/>
-        </p:nvSpPr>
-        <p:spPr>
-          <a:xfrm>
-            <a:off x="6986936" y="3272434"/>
-            <a:ext cx="4185889" cy="461665"/>
-          </a:xfrm>
-          <a:prstGeom prst="rect">
-            <a:avLst/>
-          </a:prstGeom>
-          <a:noFill/>
-        </p:spPr>
-        <p:txBody>
-          <a:bodyPr wrap="none" rtlCol="0">
-            <a:spAutoFit/>
-          </a:bodyPr>
-          <a:lstStyle/>
-          <a:p>
-            <a:r>
-              <a:rPr lang="en-US" dirty="0"/>
-              <a:t>Read </a:t>
-            </a:r>
-            <a:r>
-              <a:rPr lang="en-US" dirty="0" err="1"/>
-              <a:t>myVar’s</a:t>
-            </a:r>
-            <a:r>
-              <a:rPr lang="en-US" dirty="0"/>
-              <a:t> current value, 4</a:t>
-            </a:r>
-          </a:p>
-        </p:txBody>
-      </p:sp>
-      <p:sp>
-        <p:nvSpPr>
-          <p:cNvPr id="8" name="TextBox 7">
-            <a:extLst>
-              <a:ext uri="{FF2B5EF4-FFF2-40B4-BE49-F238E27FC236}">
-                <a16:creationId xmlns:a16="http://schemas.microsoft.com/office/drawing/2014/main" id="{79FAB7BE-33D1-47D4-9D46-0E9783CFDB48}"/>
-              </a:ext>
-            </a:extLst>
-          </p:cNvPr>
-          <p:cNvSpPr txBox="1"/>
-          <p:nvPr/>
-        </p:nvSpPr>
-        <p:spPr>
-          <a:xfrm>
-            <a:off x="989012" y="3287217"/>
-            <a:ext cx="4461478" cy="461665"/>
-          </a:xfrm>
-          <a:prstGeom prst="rect">
-            <a:avLst/>
-          </a:prstGeom>
-          <a:noFill/>
-        </p:spPr>
-        <p:txBody>
-          <a:bodyPr wrap="none" rtlCol="0">
-            <a:spAutoFit/>
-          </a:bodyPr>
-          <a:lstStyle/>
-          <a:p>
-            <a:r>
-              <a:rPr lang="en-US" dirty="0"/>
-              <a:t>Store result of </a:t>
-            </a:r>
-            <a:r>
-              <a:rPr lang="en-US" dirty="0">
-                <a:latin typeface="Consolas" panose="020B0609020204030204" pitchFamily="49" charset="0"/>
-              </a:rPr>
-              <a:t>4 * 2</a:t>
-            </a:r>
-            <a:r>
-              <a:rPr lang="en-US" dirty="0"/>
-              <a:t> into </a:t>
-            </a:r>
-            <a:r>
-              <a:rPr lang="en-US" dirty="0" err="1">
-                <a:latin typeface="Consolas" panose="020B0609020204030204" pitchFamily="49" charset="0"/>
-              </a:rPr>
-              <a:t>myVar</a:t>
-            </a:r>
-            <a:endParaRPr lang="en-US" dirty="0">
-              <a:latin typeface="Consolas" panose="020B0609020204030204" pitchFamily="49" charset="0"/>
-            </a:endParaRPr>
-          </a:p>
-        </p:txBody>
-      </p:sp>
-      <p:cxnSp>
-        <p:nvCxnSpPr>
-          <p:cNvPr id="10" name="Straight Arrow Connector 9">
-            <a:extLst>
-              <a:ext uri="{FF2B5EF4-FFF2-40B4-BE49-F238E27FC236}">
-                <a16:creationId xmlns:a16="http://schemas.microsoft.com/office/drawing/2014/main" id="{E0679271-3CBE-4BAE-B81C-87706595CDF6}"/>
-              </a:ext>
-            </a:extLst>
-          </p:cNvPr>
-          <p:cNvCxnSpPr>
-            <a:cxnSpLocks/>
-          </p:cNvCxnSpPr>
-          <p:nvPr/>
-        </p:nvCxnSpPr>
-        <p:spPr>
-          <a:xfrm flipV="1">
-            <a:off x="4951412" y="2772073"/>
-            <a:ext cx="609600" cy="634851"/>
-          </a:xfrm>
-          <a:prstGeom prst="straightConnector1">
-            <a:avLst/>
-          </a:prstGeom>
-          <a:ln>
-            <a:tailEnd type="triangle"/>
-          </a:ln>
-        </p:spPr>
-        <p:style>
-          <a:lnRef idx="2">
-            <a:schemeClr val="accent4"/>
-          </a:lnRef>
-          <a:fillRef idx="0">
-            <a:schemeClr val="accent4"/>
-          </a:fillRef>
-          <a:effectRef idx="1">
-            <a:schemeClr val="accent4"/>
-          </a:effectRef>
-          <a:fontRef idx="minor">
-            <a:schemeClr val="tx1"/>
-          </a:fontRef>
-        </p:style>
-      </p:cxnSp>
-      <p:cxnSp>
-        <p:nvCxnSpPr>
-          <p:cNvPr id="13" name="Straight Arrow Connector 12">
-            <a:extLst>
-              <a:ext uri="{FF2B5EF4-FFF2-40B4-BE49-F238E27FC236}">
-                <a16:creationId xmlns:a16="http://schemas.microsoft.com/office/drawing/2014/main" id="{72EAA92F-844D-47E0-8B92-FC0D0CF4F39E}"/>
-              </a:ext>
-            </a:extLst>
-          </p:cNvPr>
-          <p:cNvCxnSpPr/>
-          <p:nvPr/>
-        </p:nvCxnSpPr>
-        <p:spPr>
-          <a:xfrm flipH="1" flipV="1">
-            <a:off x="6627812" y="2819400"/>
-            <a:ext cx="533400" cy="533400"/>
-          </a:xfrm>
-          <a:prstGeom prst="straightConnector1">
-            <a:avLst/>
-          </a:prstGeom>
-          <a:ln>
-            <a:tailEnd type="triangle"/>
-          </a:ln>
-        </p:spPr>
-        <p:style>
-          <a:lnRef idx="2">
-            <a:schemeClr val="accent4"/>
-          </a:lnRef>
-          <a:fillRef idx="0">
-            <a:schemeClr val="accent4"/>
-          </a:fillRef>
-          <a:effectRef idx="1">
-            <a:schemeClr val="accent4"/>
-          </a:effectRef>
-          <a:fontRef idx="minor">
-            <a:schemeClr val="tx1"/>
-          </a:fontRef>
-        </p:style>
-      </p:cxnSp>
-      <p:graphicFrame>
-        <p:nvGraphicFramePr>
-          <p:cNvPr id="14" name="Table 14">
-            <a:extLst>
-              <a:ext uri="{FF2B5EF4-FFF2-40B4-BE49-F238E27FC236}">
-                <a16:creationId xmlns:a16="http://schemas.microsoft.com/office/drawing/2014/main" id="{1B35374E-E16D-4ED4-80E3-857C9E24E6DC}"/>
-              </a:ext>
-            </a:extLst>
-          </p:cNvPr>
-          <p:cNvGraphicFramePr>
-            <a:graphicFrameLocks noGrp="1"/>
-          </p:cNvGraphicFramePr>
-          <p:nvPr>
-            <p:extLst>
-              <p:ext uri="{D42A27DB-BD31-4B8C-83A1-F6EECF244321}">
-                <p14:modId xmlns:p14="http://schemas.microsoft.com/office/powerpoint/2010/main" val="489043438"/>
-              </p:ext>
-            </p:extLst>
-          </p:nvPr>
-        </p:nvGraphicFramePr>
-        <p:xfrm>
-          <a:off x="4532312" y="4419600"/>
-          <a:ext cx="3124200" cy="1981200"/>
-        </p:xfrm>
-        <a:graphic>
-          <a:graphicData uri="http://schemas.openxmlformats.org/drawingml/2006/table">
-            <a:tbl>
-              <a:tblPr firstRow="1" bandRow="1">
-                <a:tableStyleId>{5C22544A-7EE6-4342-B048-85BDC9FD1C3A}</a:tableStyleId>
-              </a:tblPr>
-              <a:tblGrid>
-                <a:gridCol w="1524000">
-                  <a:extLst>
-                    <a:ext uri="{9D8B030D-6E8A-4147-A177-3AD203B41FA5}">
-                      <a16:colId xmlns:a16="http://schemas.microsoft.com/office/drawing/2014/main" val="2118092856"/>
-                    </a:ext>
-                  </a:extLst>
-                </a:gridCol>
-                <a:gridCol w="1600200">
-                  <a:extLst>
-                    <a:ext uri="{9D8B030D-6E8A-4147-A177-3AD203B41FA5}">
-                      <a16:colId xmlns:a16="http://schemas.microsoft.com/office/drawing/2014/main" val="2317503102"/>
-                    </a:ext>
-                  </a:extLst>
-                </a:gridCol>
-              </a:tblGrid>
-              <a:tr h="367099">
-                <a:tc>
-                  <a:txBody>
-                    <a:bodyPr/>
-                    <a:lstStyle/>
-                    <a:p>
-                      <a:r>
-                        <a:rPr lang="en-US" sz="2000" dirty="0"/>
-                        <a:t>Statement</a:t>
-                      </a:r>
-                    </a:p>
-                  </a:txBody>
-                  <a:tcPr/>
-                </a:tc>
-                <a:tc>
-                  <a:txBody>
-                    <a:bodyPr/>
-                    <a:lstStyle/>
-                    <a:p>
-                      <a:r>
-                        <a:rPr lang="en-US" sz="2000" dirty="0"/>
-                        <a:t>Equivalent</a:t>
-                      </a:r>
-                    </a:p>
-                  </a:txBody>
-                  <a:tcPr/>
-                </a:tc>
-                <a:extLst>
-                  <a:ext uri="{0D108BD9-81ED-4DB2-BD59-A6C34878D82A}">
-                    <a16:rowId xmlns:a16="http://schemas.microsoft.com/office/drawing/2014/main" val="1276358970"/>
-                  </a:ext>
-                </a:extLst>
-              </a:tr>
-              <a:tr h="367099">
-                <a:tc>
-                  <a:txBody>
-                    <a:bodyPr/>
-                    <a:lstStyle/>
-                    <a:p>
-                      <a:r>
-                        <a:rPr lang="en-US" sz="2000" dirty="0">
-                          <a:latin typeface="Consolas" panose="020B0609020204030204" pitchFamily="49" charset="0"/>
-                        </a:rPr>
-                        <a:t>x += 2;</a:t>
-                      </a:r>
-                    </a:p>
-                  </a:txBody>
-                  <a:tcPr/>
-                </a:tc>
-                <a:tc>
-                  <a:txBody>
-                    <a:bodyPr/>
-                    <a:lstStyle/>
-                    <a:p>
-                      <a:r>
-                        <a:rPr lang="en-US" sz="2000" dirty="0">
-                          <a:latin typeface="Consolas" panose="020B0609020204030204" pitchFamily="49" charset="0"/>
-                        </a:rPr>
-                        <a:t>x = x + 2;</a:t>
-                      </a:r>
-                    </a:p>
-                  </a:txBody>
-                  <a:tcPr/>
-                </a:tc>
-                <a:extLst>
-                  <a:ext uri="{0D108BD9-81ED-4DB2-BD59-A6C34878D82A}">
-                    <a16:rowId xmlns:a16="http://schemas.microsoft.com/office/drawing/2014/main" val="1270158200"/>
-                  </a:ext>
-                </a:extLst>
-              </a:tr>
-              <a:tr h="367099">
-                <a:tc>
-                  <a:txBody>
-                    <a:bodyPr/>
-                    <a:lstStyle/>
-                    <a:p>
-                      <a:r>
-                        <a:rPr lang="en-US" sz="2000" dirty="0">
-                          <a:latin typeface="Consolas" panose="020B0609020204030204" pitchFamily="49" charset="0"/>
-                        </a:rPr>
-                        <a:t>x -= 2;</a:t>
-                      </a:r>
-                    </a:p>
-                  </a:txBody>
-                  <a:tcPr/>
-                </a:tc>
-                <a:tc>
-                  <a:txBody>
-                    <a:bodyPr/>
-                    <a:lstStyle/>
-                    <a:p>
-                      <a:r>
-                        <a:rPr lang="en-US" sz="2000" dirty="0">
-                          <a:latin typeface="Consolas" panose="020B0609020204030204" pitchFamily="49" charset="0"/>
-                        </a:rPr>
-                        <a:t>x = x – 2;</a:t>
-                      </a:r>
-                    </a:p>
-                  </a:txBody>
-                  <a:tcPr/>
-                </a:tc>
-                <a:extLst>
-                  <a:ext uri="{0D108BD9-81ED-4DB2-BD59-A6C34878D82A}">
-                    <a16:rowId xmlns:a16="http://schemas.microsoft.com/office/drawing/2014/main" val="3721859409"/>
-                  </a:ext>
-                </a:extLst>
-              </a:tr>
-              <a:tr h="367099">
-                <a:tc>
-                  <a:txBody>
-                    <a:bodyPr/>
-                    <a:lstStyle/>
-                    <a:p>
-                      <a:r>
-                        <a:rPr lang="en-US" sz="2000" dirty="0">
-                          <a:latin typeface="Consolas" panose="020B0609020204030204" pitchFamily="49" charset="0"/>
-                        </a:rPr>
-                        <a:t>x *= 2;</a:t>
-                      </a:r>
-                    </a:p>
-                  </a:txBody>
-                  <a:tcPr/>
-                </a:tc>
-                <a:tc>
-                  <a:txBody>
-                    <a:bodyPr/>
-                    <a:lstStyle/>
-                    <a:p>
-                      <a:r>
-                        <a:rPr lang="en-US" sz="2000" dirty="0">
-                          <a:latin typeface="Consolas" panose="020B0609020204030204" pitchFamily="49" charset="0"/>
-                        </a:rPr>
-                        <a:t>x = x * 2;</a:t>
-                      </a:r>
-                    </a:p>
-                  </a:txBody>
-                  <a:tcPr/>
-                </a:tc>
-                <a:extLst>
-                  <a:ext uri="{0D108BD9-81ED-4DB2-BD59-A6C34878D82A}">
-                    <a16:rowId xmlns:a16="http://schemas.microsoft.com/office/drawing/2014/main" val="2967179869"/>
-                  </a:ext>
-                </a:extLst>
-              </a:tr>
-              <a:tr h="367099">
-                <a:tc>
-                  <a:txBody>
-                    <a:bodyPr/>
-                    <a:lstStyle/>
-                    <a:p>
-                      <a:r>
-                        <a:rPr lang="en-US" sz="2000" dirty="0">
-                          <a:latin typeface="Consolas" panose="020B0609020204030204" pitchFamily="49" charset="0"/>
-                        </a:rPr>
-                        <a:t>x /= 2;</a:t>
-                      </a:r>
-                    </a:p>
-                  </a:txBody>
-                  <a:tcPr/>
-                </a:tc>
-                <a:tc>
-                  <a:txBody>
-                    <a:bodyPr/>
-                    <a:lstStyle/>
-                    <a:p>
-                      <a:r>
-                        <a:rPr lang="en-US" sz="2000" dirty="0">
-                          <a:latin typeface="Consolas" panose="020B0609020204030204" pitchFamily="49" charset="0"/>
-                        </a:rPr>
-                        <a:t>x = x / 2;</a:t>
-                      </a:r>
-                    </a:p>
-                  </a:txBody>
-                  <a:tcPr/>
-                </a:tc>
-                <a:extLst>
-                  <a:ext uri="{0D108BD9-81ED-4DB2-BD59-A6C34878D82A}">
-                    <a16:rowId xmlns:a16="http://schemas.microsoft.com/office/drawing/2014/main" val="1594571668"/>
-                  </a:ext>
-                </a:extLst>
-              </a:tr>
-            </a:tbl>
-          </a:graphicData>
-        </a:graphic>
-      </p:graphicFrame>
-    </p:spTree>
-    <p:extLst>
-      <p:ext uri="{BB962C8B-B14F-4D97-AF65-F5344CB8AC3E}">
-        <p14:creationId xmlns:p14="http://schemas.microsoft.com/office/powerpoint/2010/main" val="1994330606"/>
-      </p:ext>
-    </p:extLst>
-  </p:cSld>
-  <p:clrMapOvr>
-    <a:masterClrMapping/>
-  </p:clrMapOvr>
-  <p:timing>
-    <p:tnLst>
-      <p:par>
-        <p:cTn id="1" dur="indefinite" restart="never" nodeType="tmRoot">
-          <p:childTnLst>
-            <p:seq concurrent="1" nextAc="seek">
-              <p:cTn id="2" dur="indefinite" nodeType="mainSeq">
-                <p:childTnLst>
-                  <p:par>
-                    <p:cTn id="3" fill="hold">
-                      <p:stCondLst>
-                        <p:cond delay="indefinite"/>
-                      </p:stCondLst>
-                      <p:childTnLst>
-                        <p:par>
-                          <p:cTn id="4" fill="hold">
-                            <p:stCondLst>
-                              <p:cond delay="0"/>
-                            </p:stCondLst>
-                            <p:childTnLst>
-                              <p:par>
-                                <p:cTn id="5" presetID="1" presetClass="entr" presetSubtype="0" fill="hold" nodeType="clickEffect">
-                                  <p:stCondLst>
-                                    <p:cond delay="0"/>
-                                  </p:stCondLst>
-                                  <p:childTnLst>
-                                    <p:set>
-                                      <p:cBhvr>
-                                        <p:cTn id="6" dur="1" fill="hold">
-                                          <p:stCondLst>
-                                            <p:cond delay="0"/>
-                                          </p:stCondLst>
-                                        </p:cTn>
-                                        <p:tgtEl>
-                                          <p:spTgt spid="13"/>
-                                        </p:tgtEl>
-                                        <p:attrNameLst>
-                                          <p:attrName>style.visibility</p:attrName>
-                                        </p:attrNameLst>
-                                      </p:cBhvr>
-                                      <p:to>
-                                        <p:strVal val="visible"/>
-                                      </p:to>
-                                    </p:set>
-                                  </p:childTnLst>
-                                </p:cTn>
-                              </p:par>
-                              <p:par>
-                                <p:cTn id="7" presetID="1" presetClass="entr" presetSubtype="0" fill="hold" grpId="0" nodeType="withEffect">
-                                  <p:stCondLst>
-                                    <p:cond delay="0"/>
-                                  </p:stCondLst>
-                                  <p:childTnLst>
-                                    <p:set>
-                                      <p:cBhvr>
-                                        <p:cTn id="8" dur="1" fill="hold">
-                                          <p:stCondLst>
-                                            <p:cond delay="0"/>
-                                          </p:stCondLst>
-                                        </p:cTn>
-                                        <p:tgtEl>
-                                          <p:spTgt spid="7"/>
-                                        </p:tgtEl>
-                                        <p:attrNameLst>
-                                          <p:attrName>style.visibility</p:attrName>
-                                        </p:attrNameLst>
-                                      </p:cBhvr>
-                                      <p:to>
-                                        <p:strVal val="visible"/>
-                                      </p:to>
-                                    </p:set>
-                                  </p:childTnLst>
-                                </p:cTn>
-                              </p:par>
-                            </p:childTnLst>
-                          </p:cTn>
-                        </p:par>
-                      </p:childTnLst>
-                    </p:cTn>
-                  </p:par>
-                  <p:par>
-                    <p:cTn id="9" fill="hold">
-                      <p:stCondLst>
-                        <p:cond delay="indefinite"/>
-                      </p:stCondLst>
-                      <p:childTnLst>
-                        <p:par>
-                          <p:cTn id="10" fill="hold">
-                            <p:stCondLst>
-                              <p:cond delay="0"/>
-                            </p:stCondLst>
-                            <p:childTnLst>
-                              <p:par>
-                                <p:cTn id="11" presetID="1" presetClass="entr" presetSubtype="0" fill="hold" nodeType="clickEffect">
-                                  <p:stCondLst>
-                                    <p:cond delay="0"/>
-                                  </p:stCondLst>
-                                  <p:childTnLst>
-                                    <p:set>
-                                      <p:cBhvr>
-                                        <p:cTn id="12" dur="1" fill="hold">
-                                          <p:stCondLst>
-                                            <p:cond delay="0"/>
-                                          </p:stCondLst>
-                                        </p:cTn>
-                                        <p:tgtEl>
-                                          <p:spTgt spid="10"/>
-                                        </p:tgtEl>
-                                        <p:attrNameLst>
-                                          <p:attrName>style.visibility</p:attrName>
-                                        </p:attrNameLst>
-                                      </p:cBhvr>
-                                      <p:to>
-                                        <p:strVal val="visible"/>
-                                      </p:to>
-                                    </p:set>
-                                  </p:childTnLst>
-                                </p:cTn>
-                              </p:par>
-                              <p:par>
-                                <p:cTn id="13" presetID="1" presetClass="entr" presetSubtype="0" fill="hold" grpId="0" nodeType="withEffect">
-                                  <p:stCondLst>
-                                    <p:cond delay="0"/>
-                                  </p:stCondLst>
-                                  <p:childTnLst>
-                                    <p:set>
-                                      <p:cBhvr>
-                                        <p:cTn id="14" dur="1" fill="hold">
-                                          <p:stCondLst>
-                                            <p:cond delay="0"/>
-                                          </p:stCondLst>
-                                        </p:cTn>
-                                        <p:tgtEl>
-                                          <p:spTgt spid="8"/>
-                                        </p:tgtEl>
-                                        <p:attrNameLst>
-                                          <p:attrName>style.visibility</p:attrName>
-                                        </p:attrNameLst>
-                                      </p:cBhvr>
-                                      <p:to>
-                                        <p:strVal val="visible"/>
-                                      </p:to>
-                                    </p:set>
-                                  </p:childTnLst>
-                                </p:cTn>
-                              </p:par>
-                            </p:childTnLst>
-                          </p:cTn>
-                        </p:par>
-                      </p:childTnLst>
-                    </p:cTn>
-                  </p:par>
-                  <p:par>
-                    <p:cTn id="15" fill="hold">
-                      <p:stCondLst>
-                        <p:cond delay="indefinite"/>
-                      </p:stCondLst>
-                      <p:childTnLst>
-                        <p:par>
-                          <p:cTn id="16" fill="hold">
-                            <p:stCondLst>
-                              <p:cond delay="0"/>
-                            </p:stCondLst>
-                            <p:childTnLst>
-                              <p:par>
-                                <p:cTn id="17" presetID="1" presetClass="entr" presetSubtype="0" fill="hold" nodeType="clickEffect">
-                                  <p:stCondLst>
-                                    <p:cond delay="0"/>
-                                  </p:stCondLst>
-                                  <p:childTnLst>
-                                    <p:set>
-                                      <p:cBhvr>
-                                        <p:cTn id="18" dur="1" fill="hold">
-                                          <p:stCondLst>
-                                            <p:cond delay="0"/>
-                                          </p:stCondLst>
-                                        </p:cTn>
-                                        <p:tgtEl>
-                                          <p:spTgt spid="3">
-                                            <p:txEl>
-                                              <p:pRg st="4" end="4"/>
-                                            </p:txEl>
-                                          </p:spTgt>
-                                        </p:tgtEl>
-                                        <p:attrNameLst>
-                                          <p:attrName>style.visibility</p:attrName>
-                                        </p:attrNameLst>
-                                      </p:cBhvr>
-                                      <p:to>
-                                        <p:strVal val="visible"/>
-                                      </p:to>
-                                    </p:set>
-                                  </p:childTnLst>
-                                </p:cTn>
-                              </p:par>
-                              <p:par>
-                                <p:cTn id="19" presetID="1" presetClass="entr" presetSubtype="0" fill="hold" nodeType="withEffect">
-                                  <p:stCondLst>
-                                    <p:cond delay="0"/>
-                                  </p:stCondLst>
-                                  <p:childTnLst>
-                                    <p:set>
-                                      <p:cBhvr>
-                                        <p:cTn id="20" dur="1" fill="hold">
-                                          <p:stCondLst>
-                                            <p:cond delay="0"/>
-                                          </p:stCondLst>
-                                        </p:cTn>
-                                        <p:tgtEl>
-                                          <p:spTgt spid="14"/>
-                                        </p:tgtEl>
-                                        <p:attrNameLst>
-                                          <p:attrName>style.visibility</p:attrName>
-                                        </p:attrNameLst>
-                                      </p:cBhvr>
-                                      <p:to>
-                                        <p:strVal val="visible"/>
-                                      </p:to>
-                                    </p:set>
-                                  </p:childTnLst>
-                                </p:cTn>
-                              </p:par>
-                            </p:childTnLst>
-                          </p:cTn>
-                        </p:par>
-                      </p:childTnLst>
-                    </p:cTn>
-                  </p:par>
-                </p:childTnLst>
-              </p:cTn>
-              <p:prevCondLst>
-                <p:cond evt="onPrev" delay="0">
-                  <p:tgtEl>
-                    <p:sldTgt/>
-                  </p:tgtEl>
-                </p:cond>
-              </p:prevCondLst>
-              <p:nextCondLst>
-                <p:cond evt="onNext" delay="0">
-                  <p:tgtEl>
-                    <p:sldTgt/>
-                  </p:tgtEl>
-                </p:cond>
-              </p:nextCondLst>
-            </p:seq>
-          </p:childTnLst>
-        </p:cTn>
-      </p:par>
-    </p:tnLst>
-    <p:bldLst>
-      <p:bldP spid="7" grpId="0"/>
-      <p:bldP spid="8" grpId="0"/>
-    </p:bldLst>
-  </p:timing>
-</p:sld>
-</file>
-
-<file path=ppt/slides/slide21.xml><?xml version="1.0" encoding="utf-8"?>
-<p:sld xmlns:a="http://schemas.openxmlformats.org/drawingml/2006/main" xmlns:r="http://schemas.openxmlformats.org/officeDocument/2006/relationships" xmlns:p="http://schemas.openxmlformats.org/presentationml/2006/main">
-  <p:cSld>
-    <p:spTree>
-      <p:nvGrpSpPr>
-        <p:cNvPr id="1" name=""/>
-        <p:cNvGrpSpPr/>
-        <p:nvPr/>
-      </p:nvGrpSpPr>
-      <p:grpSpPr>
-        <a:xfrm>
-          <a:off x="0" y="0"/>
-          <a:ext cx="0" cy="0"/>
-          <a:chOff x="0" y="0"/>
-          <a:chExt cx="0" cy="0"/>
-        </a:xfrm>
-      </p:grpSpPr>
-      <p:sp>
-        <p:nvSpPr>
           <p:cNvPr id="6" name="Title 5"/>
           <p:cNvSpPr>
             <a:spLocks noGrp="1"/>
@@ -17654,7 +12270,7 @@
           <a:p>
             <a:r>
               <a:rPr lang="en-US" dirty="0"/>
-              <a:t>Conclusion</a:t>
+              <a:t>Outline</a:t>
             </a:r>
           </a:p>
         </p:txBody>
@@ -17699,167 +12315,13 @@
             <a:pPr lvl="1"/>
             <a:r>
               <a:rPr lang="en-US" dirty="0"/>
-              <a:t>Value vs. Reference Types</a:t>
-            </a:r>
-          </a:p>
-          <a:p>
-            <a:r>
-              <a:rPr lang="en-US" dirty="0"/>
-              <a:t>Mathematical Operators</a:t>
-            </a:r>
-          </a:p>
-          <a:p>
-            <a:pPr lvl="1"/>
-            <a:r>
-              <a:rPr lang="en-US" dirty="0"/>
-              <a:t>Expressions with operators</a:t>
-            </a:r>
-          </a:p>
-          <a:p>
-            <a:pPr lvl="1"/>
-            <a:r>
-              <a:rPr lang="en-US" dirty="0"/>
-              <a:t>Variable assignment</a:t>
-            </a:r>
-          </a:p>
-        </p:txBody>
-      </p:sp>
-      <p:sp>
-        <p:nvSpPr>
-          <p:cNvPr id="4" name="Footer Placeholder 3"/>
-          <p:cNvSpPr>
-            <a:spLocks noGrp="1"/>
-          </p:cNvSpPr>
-          <p:nvPr>
-            <p:ph type="ftr" sz="quarter" idx="11"/>
-          </p:nvPr>
-        </p:nvSpPr>
-        <p:spPr/>
-        <p:txBody>
-          <a:bodyPr/>
-          <a:lstStyle/>
-          <a:p>
-            <a:r>
-              <a:rPr lang="en-US" dirty="0"/>
-              <a:t>CSCI 1301</a:t>
-            </a:r>
-          </a:p>
-        </p:txBody>
-      </p:sp>
-    </p:spTree>
-    <p:extLst>
-      <p:ext uri="{BB962C8B-B14F-4D97-AF65-F5344CB8AC3E}">
-        <p14:creationId xmlns:p14="http://schemas.microsoft.com/office/powerpoint/2010/main" val="942941185"/>
-      </p:ext>
-    </p:extLst>
-  </p:cSld>
-  <p:clrMapOvr>
-    <a:masterClrMapping/>
-  </p:clrMapOvr>
-</p:sld>
-</file>
-
-<file path=ppt/slides/slide3.xml><?xml version="1.0" encoding="utf-8"?>
-<p:sld xmlns:a="http://schemas.openxmlformats.org/drawingml/2006/main" xmlns:r="http://schemas.openxmlformats.org/officeDocument/2006/relationships" xmlns:p="http://schemas.openxmlformats.org/presentationml/2006/main">
-  <p:cSld>
-    <p:spTree>
-      <p:nvGrpSpPr>
-        <p:cNvPr id="1" name=""/>
-        <p:cNvGrpSpPr/>
-        <p:nvPr/>
-      </p:nvGrpSpPr>
-      <p:grpSpPr>
-        <a:xfrm>
-          <a:off x="0" y="0"/>
-          <a:ext cx="0" cy="0"/>
-          <a:chOff x="0" y="0"/>
-          <a:chExt cx="0" cy="0"/>
-        </a:xfrm>
-      </p:grpSpPr>
-      <p:sp>
-        <p:nvSpPr>
-          <p:cNvPr id="6" name="Title 5"/>
-          <p:cNvSpPr>
-            <a:spLocks noGrp="1"/>
-          </p:cNvSpPr>
-          <p:nvPr>
-            <p:ph type="title"/>
-          </p:nvPr>
-        </p:nvSpPr>
-        <p:spPr/>
-        <p:txBody>
-          <a:bodyPr/>
-          <a:lstStyle/>
-          <a:p>
-            <a:r>
-              <a:rPr lang="en-US" dirty="0"/>
-              <a:t>Outline</a:t>
-            </a:r>
-          </a:p>
-        </p:txBody>
-      </p:sp>
-      <p:sp>
-        <p:nvSpPr>
-          <p:cNvPr id="7" name="Content Placeholder 6"/>
-          <p:cNvSpPr>
-            <a:spLocks noGrp="1"/>
-          </p:cNvSpPr>
-          <p:nvPr>
-            <p:ph idx="1"/>
-          </p:nvPr>
-        </p:nvSpPr>
-        <p:spPr/>
-        <p:txBody>
-          <a:bodyPr>
-            <a:normAutofit/>
-          </a:bodyPr>
-          <a:lstStyle/>
-          <a:p>
-            <a:r>
-              <a:rPr lang="en-US" dirty="0"/>
-              <a:t>More About C# Datatypes</a:t>
-            </a:r>
-          </a:p>
-          <a:p>
-            <a:pPr lvl="1"/>
-            <a:r>
-              <a:rPr lang="en-US" dirty="0"/>
-              <a:t>Integer types and sizes</a:t>
-            </a:r>
-          </a:p>
-          <a:p>
-            <a:pPr lvl="1"/>
-            <a:r>
-              <a:rPr lang="en-US" dirty="0"/>
-              <a:t>Floating-point type precision</a:t>
-            </a:r>
-          </a:p>
-          <a:p>
-            <a:pPr lvl="1"/>
-            <a:r>
-              <a:rPr lang="en-US" dirty="0"/>
-              <a:t>Value vs. Reference Types</a:t>
-            </a:r>
-          </a:p>
-          <a:p>
-            <a:r>
-              <a:rPr lang="en-US" dirty="0"/>
-              <a:t>Mathematical Operators</a:t>
-            </a:r>
-          </a:p>
-          <a:p>
-            <a:pPr lvl="1"/>
-            <a:r>
-              <a:rPr lang="en-US" dirty="0"/>
-              <a:t>Expressions with operators</a:t>
-            </a:r>
-          </a:p>
-          <a:p>
-            <a:pPr lvl="1"/>
-            <a:r>
-              <a:rPr lang="en-US" dirty="0"/>
-              <a:t>Variable assignment</a:t>
-            </a:r>
+              <a:t>Value vs. Reference </a:t>
+            </a:r>
+            <a:r>
+              <a:rPr lang="en-US" dirty="0" smtClean="0"/>
+              <a:t>Types</a:t>
+            </a:r>
+            <a:endParaRPr lang="en-US" dirty="0"/>
           </a:p>
         </p:txBody>
       </p:sp>
@@ -17898,7 +12360,7 @@
 </p:sld>
 </file>
 
-<file path=ppt/slides/slide4.xml><?xml version="1.0" encoding="utf-8"?>
+<file path=ppt/slides/slide3.xml><?xml version="1.0" encoding="utf-8"?>
 <p:sld xmlns:a="http://schemas.openxmlformats.org/drawingml/2006/main" xmlns:r="http://schemas.openxmlformats.org/officeDocument/2006/relationships" xmlns:p="http://schemas.openxmlformats.org/presentationml/2006/main">
   <p:cSld>
     <p:spTree>
@@ -19289,7 +13751,7 @@
 </p:sld>
 </file>
 
-<file path=ppt/slides/slide5.xml><?xml version="1.0" encoding="utf-8"?>
+<file path=ppt/slides/slide4.xml><?xml version="1.0" encoding="utf-8"?>
 <p:sld xmlns:a="http://schemas.openxmlformats.org/drawingml/2006/main" xmlns:r="http://schemas.openxmlformats.org/officeDocument/2006/relationships" xmlns:p="http://schemas.openxmlformats.org/presentationml/2006/main">
   <p:cSld>
     <p:spTree>
@@ -20828,7 +15290,7 @@
 </p:sld>
 </file>
 
-<file path=ppt/slides/slide6.xml><?xml version="1.0" encoding="utf-8"?>
+<file path=ppt/slides/slide5.xml><?xml version="1.0" encoding="utf-8"?>
 <p:sld xmlns:a="http://schemas.openxmlformats.org/drawingml/2006/main" xmlns:r="http://schemas.openxmlformats.org/officeDocument/2006/relationships" xmlns:p="http://schemas.openxmlformats.org/presentationml/2006/main">
   <p:cSld>
     <p:spTree>
@@ -22361,7 +16823,7 @@
 </p:sld>
 </file>
 
-<file path=ppt/slides/slide7.xml><?xml version="1.0" encoding="utf-8"?>
+<file path=ppt/slides/slide6.xml><?xml version="1.0" encoding="utf-8"?>
 <p:sld xmlns:a="http://schemas.openxmlformats.org/drawingml/2006/main" xmlns:r="http://schemas.openxmlformats.org/officeDocument/2006/relationships" xmlns:p="http://schemas.openxmlformats.org/presentationml/2006/main">
   <p:cSld>
     <p:spTree>
@@ -22440,28 +16902,13 @@
             <a:pPr lvl="1"/>
             <a:r>
               <a:rPr lang="en-US" dirty="0"/>
-              <a:t>Value vs. Reference Types</a:t>
-            </a:r>
-          </a:p>
-          <a:p>
-            <a:r>
-              <a:rPr lang="en-US" dirty="0"/>
-              <a:t>Mathematical Operators</a:t>
-            </a:r>
-          </a:p>
-          <a:p>
-            <a:pPr lvl="1"/>
-            <a:r>
-              <a:rPr lang="en-US" dirty="0"/>
-              <a:t>Expressions with operators</a:t>
-            </a:r>
-          </a:p>
-          <a:p>
-            <a:pPr lvl="1"/>
-            <a:r>
-              <a:rPr lang="en-US" dirty="0"/>
-              <a:t>Variable assignment</a:t>
-            </a:r>
+              <a:t>Value vs. Reference </a:t>
+            </a:r>
+            <a:r>
+              <a:rPr lang="en-US" dirty="0" smtClean="0"/>
+              <a:t>Types</a:t>
+            </a:r>
+            <a:endParaRPr lang="en-US" dirty="0"/>
           </a:p>
         </p:txBody>
       </p:sp>
@@ -22500,7 +16947,7 @@
 </p:sld>
 </file>
 
-<file path=ppt/slides/slide8.xml><?xml version="1.0" encoding="utf-8"?>
+<file path=ppt/slides/slide7.xml><?xml version="1.0" encoding="utf-8"?>
 <p:sld xmlns:a="http://schemas.openxmlformats.org/drawingml/2006/main" xmlns:r="http://schemas.openxmlformats.org/officeDocument/2006/relationships" xmlns:p="http://schemas.openxmlformats.org/presentationml/2006/main">
   <p:cSld>
     <p:spTree>
@@ -23569,7 +18016,7 @@
 </p:sld>
 </file>
 
-<file path=ppt/slides/slide9.xml><?xml version="1.0" encoding="utf-8"?>
+<file path=ppt/slides/slide8.xml><?xml version="1.0" encoding="utf-8"?>
 <p:sld xmlns:a="http://schemas.openxmlformats.org/drawingml/2006/main" xmlns:r="http://schemas.openxmlformats.org/officeDocument/2006/relationships" xmlns:p="http://schemas.openxmlformats.org/presentationml/2006/main">
   <p:cSld>
     <p:spTree>
@@ -25444,6 +19891,1912 @@
       <p:bldP spid="39" grpId="0"/>
       <p:bldP spid="43" grpId="0"/>
       <p:bldP spid="46" grpId="0"/>
+    </p:bldLst>
+  </p:timing>
+</p:sld>
+</file>
+
+<file path=ppt/slides/slide9.xml><?xml version="1.0" encoding="utf-8"?>
+<p:sld xmlns:a="http://schemas.openxmlformats.org/drawingml/2006/main" xmlns:r="http://schemas.openxmlformats.org/officeDocument/2006/relationships" xmlns:p="http://schemas.openxmlformats.org/presentationml/2006/main">
+  <p:cSld>
+    <p:spTree>
+      <p:nvGrpSpPr>
+        <p:cNvPr id="1" name=""/>
+        <p:cNvGrpSpPr/>
+        <p:nvPr/>
+      </p:nvGrpSpPr>
+      <p:grpSpPr>
+        <a:xfrm>
+          <a:off x="0" y="0"/>
+          <a:ext cx="0" cy="0"/>
+          <a:chOff x="0" y="0"/>
+          <a:chExt cx="0" cy="0"/>
+        </a:xfrm>
+      </p:grpSpPr>
+      <p:sp>
+        <p:nvSpPr>
+          <p:cNvPr id="2" name="Title 1">
+            <a:extLst>
+              <a:ext uri="{FF2B5EF4-FFF2-40B4-BE49-F238E27FC236}">
+                <a16:creationId xmlns:a16="http://schemas.microsoft.com/office/drawing/2014/main" id="{819D53F5-544C-43EC-8042-4C4E265AB400}"/>
+              </a:ext>
+            </a:extLst>
+          </p:cNvPr>
+          <p:cNvSpPr>
+            <a:spLocks noGrp="1"/>
+          </p:cNvSpPr>
+          <p:nvPr>
+            <p:ph type="title"/>
+          </p:nvPr>
+        </p:nvSpPr>
+        <p:spPr/>
+        <p:txBody>
+          <a:bodyPr/>
+          <a:lstStyle/>
+          <a:p>
+            <a:r>
+              <a:rPr lang="en-US" dirty="0"/>
+              <a:t>Approximate Decimals</a:t>
+            </a:r>
+          </a:p>
+        </p:txBody>
+      </p:sp>
+      <mc:AlternateContent xmlns:mc="http://schemas.openxmlformats.org/markup-compatibility/2006" xmlns:a14="http://schemas.microsoft.com/office/drawing/2010/main">
+        <mc:Choice Requires="a14">
+          <p:sp>
+            <p:nvSpPr>
+              <p:cNvPr id="3" name="Content Placeholder 2">
+                <a:extLst>
+                  <a:ext uri="{FF2B5EF4-FFF2-40B4-BE49-F238E27FC236}">
+                    <a16:creationId xmlns:a16="http://schemas.microsoft.com/office/drawing/2014/main" id="{08AD3D8D-6EFB-4B23-8F03-FA9E1375145B}"/>
+                  </a:ext>
+                </a:extLst>
+              </p:cNvPr>
+              <p:cNvSpPr>
+                <a:spLocks noGrp="1"/>
+              </p:cNvSpPr>
+              <p:nvPr>
+                <p:ph idx="1"/>
+              </p:nvPr>
+            </p:nvSpPr>
+            <p:spPr/>
+            <p:txBody>
+              <a:bodyPr/>
+              <a:lstStyle/>
+              <a:p>
+                <a:r>
+                  <a:rPr lang="en-US" dirty="0"/>
+                  <a:t>Some decimal (base 10) fractions can’t be expressed in binary</a:t>
+                </a:r>
+              </a:p>
+              <a:p>
+                <a:r>
+                  <a:rPr lang="en-US" sz="3200" dirty="0"/>
+                  <a:t>Decimal 0.1 = </a:t>
+                </a:r>
+                <a14:m>
+                  <m:oMath xmlns:m="http://schemas.openxmlformats.org/officeDocument/2006/math">
+                    <m:f>
+                      <m:fPr>
+                        <m:ctrlPr>
+                          <a:rPr lang="en-US" sz="3200" b="0" i="1" smtClean="0">
+                            <a:latin typeface="Cambria Math" panose="02040503050406030204" pitchFamily="18" charset="0"/>
+                          </a:rPr>
+                        </m:ctrlPr>
+                      </m:fPr>
+                      <m:num>
+                        <m:r>
+                          <a:rPr lang="en-US" sz="3200" b="0" i="1" smtClean="0">
+                            <a:latin typeface="Cambria Math" panose="02040503050406030204" pitchFamily="18" charset="0"/>
+                          </a:rPr>
+                          <m:t>1</m:t>
+                        </m:r>
+                      </m:num>
+                      <m:den>
+                        <m:r>
+                          <a:rPr lang="en-US" sz="3200" b="0" i="1" smtClean="0">
+                            <a:latin typeface="Cambria Math" panose="02040503050406030204" pitchFamily="18" charset="0"/>
+                          </a:rPr>
+                          <m:t>10</m:t>
+                        </m:r>
+                      </m:den>
+                    </m:f>
+                  </m:oMath>
+                </a14:m>
+                <a:r>
+                  <a:rPr lang="en-US" sz="3200" dirty="0"/>
+                  <a:t>. </a:t>
+                </a:r>
+                <a:r>
+                  <a:rPr lang="en-US" dirty="0"/>
+                  <a:t>Can you express </a:t>
+                </a:r>
+                <a14:m>
+                  <m:oMath xmlns:m="http://schemas.openxmlformats.org/officeDocument/2006/math">
+                    <m:f>
+                      <m:fPr>
+                        <m:ctrlPr>
+                          <a:rPr lang="en-US" i="1">
+                            <a:latin typeface="Cambria Math" panose="02040503050406030204" pitchFamily="18" charset="0"/>
+                          </a:rPr>
+                        </m:ctrlPr>
+                      </m:fPr>
+                      <m:num>
+                        <m:r>
+                          <a:rPr lang="en-US" i="1">
+                            <a:latin typeface="Cambria Math" panose="02040503050406030204" pitchFamily="18" charset="0"/>
+                          </a:rPr>
+                          <m:t>1</m:t>
+                        </m:r>
+                      </m:num>
+                      <m:den>
+                        <m:r>
+                          <a:rPr lang="en-US" i="1">
+                            <a:latin typeface="Cambria Math" panose="02040503050406030204" pitchFamily="18" charset="0"/>
+                          </a:rPr>
+                          <m:t>10</m:t>
+                        </m:r>
+                      </m:den>
+                    </m:f>
+                  </m:oMath>
+                </a14:m>
+                <a:r>
+                  <a:rPr lang="en-US" dirty="0"/>
+                  <a:t> as a sum of </a:t>
+                </a:r>
+                <a14:m>
+                  <m:oMath xmlns:m="http://schemas.openxmlformats.org/officeDocument/2006/math">
+                    <m:f>
+                      <m:fPr>
+                        <m:ctrlPr>
+                          <a:rPr lang="en-US" i="1">
+                            <a:latin typeface="Cambria Math" panose="02040503050406030204" pitchFamily="18" charset="0"/>
+                          </a:rPr>
+                        </m:ctrlPr>
+                      </m:fPr>
+                      <m:num>
+                        <m:r>
+                          <a:rPr lang="en-US" i="1">
+                            <a:latin typeface="Cambria Math" panose="02040503050406030204" pitchFamily="18" charset="0"/>
+                          </a:rPr>
+                          <m:t>1</m:t>
+                        </m:r>
+                      </m:num>
+                      <m:den>
+                        <m:r>
+                          <a:rPr lang="en-US" i="1">
+                            <a:latin typeface="Cambria Math" panose="02040503050406030204" pitchFamily="18" charset="0"/>
+                          </a:rPr>
+                          <m:t>4</m:t>
+                        </m:r>
+                      </m:den>
+                    </m:f>
+                    <m:r>
+                      <a:rPr lang="en-US" i="1">
+                        <a:latin typeface="Cambria Math" panose="02040503050406030204" pitchFamily="18" charset="0"/>
+                      </a:rPr>
+                      <m:t>,</m:t>
+                    </m:r>
+                    <m:f>
+                      <m:fPr>
+                        <m:ctrlPr>
+                          <a:rPr lang="en-US" i="1">
+                            <a:latin typeface="Cambria Math" panose="02040503050406030204" pitchFamily="18" charset="0"/>
+                          </a:rPr>
+                        </m:ctrlPr>
+                      </m:fPr>
+                      <m:num>
+                        <m:r>
+                          <a:rPr lang="en-US" i="1">
+                            <a:latin typeface="Cambria Math" panose="02040503050406030204" pitchFamily="18" charset="0"/>
+                          </a:rPr>
+                          <m:t>1</m:t>
+                        </m:r>
+                      </m:num>
+                      <m:den>
+                        <m:r>
+                          <a:rPr lang="en-US" i="1">
+                            <a:latin typeface="Cambria Math" panose="02040503050406030204" pitchFamily="18" charset="0"/>
+                          </a:rPr>
+                          <m:t>8</m:t>
+                        </m:r>
+                      </m:den>
+                    </m:f>
+                    <m:r>
+                      <a:rPr lang="en-US" i="1">
+                        <a:latin typeface="Cambria Math" panose="02040503050406030204" pitchFamily="18" charset="0"/>
+                      </a:rPr>
+                      <m:t>,</m:t>
+                    </m:r>
+                    <m:f>
+                      <m:fPr>
+                        <m:ctrlPr>
+                          <a:rPr lang="en-US" i="1">
+                            <a:latin typeface="Cambria Math" panose="02040503050406030204" pitchFamily="18" charset="0"/>
+                          </a:rPr>
+                        </m:ctrlPr>
+                      </m:fPr>
+                      <m:num>
+                        <m:r>
+                          <a:rPr lang="en-US" i="1">
+                            <a:latin typeface="Cambria Math" panose="02040503050406030204" pitchFamily="18" charset="0"/>
+                          </a:rPr>
+                          <m:t>1</m:t>
+                        </m:r>
+                      </m:num>
+                      <m:den>
+                        <m:r>
+                          <a:rPr lang="en-US" i="1">
+                            <a:latin typeface="Cambria Math" panose="02040503050406030204" pitchFamily="18" charset="0"/>
+                          </a:rPr>
+                          <m:t>16</m:t>
+                        </m:r>
+                      </m:den>
+                    </m:f>
+                    <m:r>
+                      <a:rPr lang="en-US" i="1">
+                        <a:latin typeface="Cambria Math" panose="02040503050406030204" pitchFamily="18" charset="0"/>
+                      </a:rPr>
+                      <m:t>,</m:t>
+                    </m:r>
+                    <m:f>
+                      <m:fPr>
+                        <m:ctrlPr>
+                          <a:rPr lang="en-US" i="1">
+                            <a:latin typeface="Cambria Math" panose="02040503050406030204" pitchFamily="18" charset="0"/>
+                          </a:rPr>
+                        </m:ctrlPr>
+                      </m:fPr>
+                      <m:num>
+                        <m:r>
+                          <a:rPr lang="en-US" i="1">
+                            <a:latin typeface="Cambria Math" panose="02040503050406030204" pitchFamily="18" charset="0"/>
+                          </a:rPr>
+                          <m:t>1</m:t>
+                        </m:r>
+                      </m:num>
+                      <m:den>
+                        <m:r>
+                          <a:rPr lang="en-US" i="1">
+                            <a:latin typeface="Cambria Math" panose="02040503050406030204" pitchFamily="18" charset="0"/>
+                          </a:rPr>
+                          <m:t>32</m:t>
+                        </m:r>
+                      </m:den>
+                    </m:f>
+                    <m:r>
+                      <a:rPr lang="en-US" i="1">
+                        <a:latin typeface="Cambria Math" panose="02040503050406030204" pitchFamily="18" charset="0"/>
+                      </a:rPr>
+                      <m:t>,…</m:t>
+                    </m:r>
+                  </m:oMath>
+                </a14:m>
+                <a:r>
+                  <a:rPr lang="en-US" dirty="0"/>
+                  <a:t> ?</a:t>
+                </a:r>
+              </a:p>
+              <a:p>
+                <a:endParaRPr lang="en-US" dirty="0"/>
+              </a:p>
+              <a:p>
+                <a:endParaRPr lang="en-US" dirty="0"/>
+              </a:p>
+              <a:p>
+                <a:endParaRPr lang="en-US" dirty="0"/>
+              </a:p>
+              <a:p>
+                <a:r>
+                  <a:rPr lang="en-US" dirty="0"/>
+                  <a:t>Truncating the infinite sequence leads to errors, just like with </a:t>
+                </a:r>
+                <a14:m>
+                  <m:oMath xmlns:m="http://schemas.openxmlformats.org/officeDocument/2006/math">
+                    <m:f>
+                      <m:fPr>
+                        <m:ctrlPr>
+                          <a:rPr lang="en-US" b="0" i="1" smtClean="0">
+                            <a:latin typeface="Cambria Math" panose="02040503050406030204" pitchFamily="18" charset="0"/>
+                          </a:rPr>
+                        </m:ctrlPr>
+                      </m:fPr>
+                      <m:num>
+                        <m:r>
+                          <a:rPr lang="en-US" b="0" i="1" smtClean="0">
+                            <a:latin typeface="Cambria Math" panose="02040503050406030204" pitchFamily="18" charset="0"/>
+                          </a:rPr>
+                          <m:t>1</m:t>
+                        </m:r>
+                      </m:num>
+                      <m:den>
+                        <m:r>
+                          <a:rPr lang="en-US" b="0" i="1" smtClean="0">
+                            <a:latin typeface="Cambria Math" panose="02040503050406030204" pitchFamily="18" charset="0"/>
+                          </a:rPr>
+                          <m:t>3</m:t>
+                        </m:r>
+                      </m:den>
+                    </m:f>
+                  </m:oMath>
+                </a14:m>
+                <a:r>
+                  <a:rPr lang="en-US" dirty="0"/>
+                  <a:t>:</a:t>
+                </a:r>
+              </a:p>
+            </p:txBody>
+          </p:sp>
+        </mc:Choice>
+        <mc:Fallback xmlns="">
+          <p:sp>
+            <p:nvSpPr>
+              <p:cNvPr id="3" name="Content Placeholder 2">
+                <a:extLst>
+                  <a:ext uri="{FF2B5EF4-FFF2-40B4-BE49-F238E27FC236}">
+                    <a16:creationId xmlns:a16="http://schemas.microsoft.com/office/drawing/2014/main" id="{08AD3D8D-6EFB-4B23-8F03-FA9E1375145B}"/>
+                  </a:ext>
+                </a:extLst>
+              </p:cNvPr>
+              <p:cNvSpPr>
+                <a:spLocks noGrp="1" noRot="1" noChangeAspect="1" noMove="1" noResize="1" noEditPoints="1" noAdjustHandles="1" noChangeArrowheads="1" noChangeShapeType="1" noTextEdit="1"/>
+              </p:cNvSpPr>
+              <p:nvPr>
+                <p:ph idx="1"/>
+              </p:nvPr>
+            </p:nvSpPr>
+            <p:spPr>
+              <a:blipFill>
+                <a:blip r:embed="rId2"/>
+                <a:stretch>
+                  <a:fillRect l="-935" t="-1410"/>
+                </a:stretch>
+              </a:blipFill>
+            </p:spPr>
+            <p:txBody>
+              <a:bodyPr/>
+              <a:lstStyle/>
+              <a:p>
+                <a:r>
+                  <a:rPr lang="en-US">
+                    <a:noFill/>
+                  </a:rPr>
+                  <a:t> </a:t>
+                </a:r>
+              </a:p>
+            </p:txBody>
+          </p:sp>
+        </mc:Fallback>
+      </mc:AlternateContent>
+      <p:sp>
+        <p:nvSpPr>
+          <p:cNvPr id="4" name="Footer Placeholder 3">
+            <a:extLst>
+              <a:ext uri="{FF2B5EF4-FFF2-40B4-BE49-F238E27FC236}">
+                <a16:creationId xmlns:a16="http://schemas.microsoft.com/office/drawing/2014/main" id="{F2758087-15D4-428B-ABE7-FB30496F3F3F}"/>
+              </a:ext>
+            </a:extLst>
+          </p:cNvPr>
+          <p:cNvSpPr>
+            <a:spLocks noGrp="1"/>
+          </p:cNvSpPr>
+          <p:nvPr>
+            <p:ph type="ftr" sz="quarter" idx="11"/>
+          </p:nvPr>
+        </p:nvSpPr>
+        <p:spPr/>
+        <p:txBody>
+          <a:bodyPr/>
+          <a:lstStyle/>
+          <a:p>
+            <a:r>
+              <a:rPr lang="en-US" dirty="0"/>
+              <a:t>CSCI 1301</a:t>
+            </a:r>
+          </a:p>
+        </p:txBody>
+      </p:sp>
+      <p:sp>
+        <p:nvSpPr>
+          <p:cNvPr id="6" name="TextBox 5">
+            <a:extLst>
+              <a:ext uri="{FF2B5EF4-FFF2-40B4-BE49-F238E27FC236}">
+                <a16:creationId xmlns:a16="http://schemas.microsoft.com/office/drawing/2014/main" id="{97F3055E-8EEF-440E-9274-8EF994802782}"/>
+              </a:ext>
+            </a:extLst>
+          </p:cNvPr>
+          <p:cNvSpPr txBox="1"/>
+          <p:nvPr/>
+        </p:nvSpPr>
+        <p:spPr>
+          <a:xfrm>
+            <a:off x="3503612" y="3692469"/>
+            <a:ext cx="3352800" cy="707886"/>
+          </a:xfrm>
+          <a:prstGeom prst="rect">
+            <a:avLst/>
+          </a:prstGeom>
+          <a:noFill/>
+        </p:spPr>
+        <p:txBody>
+          <a:bodyPr wrap="square" rtlCol="0">
+            <a:spAutoFit/>
+          </a:bodyPr>
+          <a:lstStyle/>
+          <a:p>
+            <a:r>
+              <a:rPr lang="en-US" sz="4000" dirty="0">
+                <a:latin typeface="Consolas" panose="020B0609020204030204" pitchFamily="49" charset="0"/>
+              </a:rPr>
+              <a:t>.000110011…</a:t>
+            </a:r>
+          </a:p>
+        </p:txBody>
+      </p:sp>
+      <p:cxnSp>
+        <p:nvCxnSpPr>
+          <p:cNvPr id="7" name="Straight Arrow Connector 6">
+            <a:extLst>
+              <a:ext uri="{FF2B5EF4-FFF2-40B4-BE49-F238E27FC236}">
+                <a16:creationId xmlns:a16="http://schemas.microsoft.com/office/drawing/2014/main" id="{4AA39ECD-45C8-4825-8A16-3B508C7211CD}"/>
+              </a:ext>
+            </a:extLst>
+          </p:cNvPr>
+          <p:cNvCxnSpPr>
+            <a:cxnSpLocks/>
+            <a:stCxn id="8" idx="2"/>
+          </p:cNvCxnSpPr>
+          <p:nvPr/>
+        </p:nvCxnSpPr>
+        <p:spPr>
+          <a:xfrm>
+            <a:off x="4699352" y="3526760"/>
+            <a:ext cx="175860" cy="280756"/>
+          </a:xfrm>
+          <a:prstGeom prst="straightConnector1">
+            <a:avLst/>
+          </a:prstGeom>
+          <a:ln>
+            <a:tailEnd type="triangle"/>
+          </a:ln>
+        </p:spPr>
+        <p:style>
+          <a:lnRef idx="2">
+            <a:schemeClr val="accent3"/>
+          </a:lnRef>
+          <a:fillRef idx="0">
+            <a:schemeClr val="accent3"/>
+          </a:fillRef>
+          <a:effectRef idx="1">
+            <a:schemeClr val="accent3"/>
+          </a:effectRef>
+          <a:fontRef idx="minor">
+            <a:schemeClr val="tx1"/>
+          </a:fontRef>
+        </p:style>
+      </p:cxnSp>
+      <mc:AlternateContent xmlns:mc="http://schemas.openxmlformats.org/markup-compatibility/2006" xmlns:a14="http://schemas.microsoft.com/office/drawing/2010/main">
+        <mc:Choice Requires="a14">
+          <p:sp>
+            <p:nvSpPr>
+              <p:cNvPr id="8" name="TextBox 7">
+                <a:extLst>
+                  <a:ext uri="{FF2B5EF4-FFF2-40B4-BE49-F238E27FC236}">
+                    <a16:creationId xmlns:a16="http://schemas.microsoft.com/office/drawing/2014/main" id="{8E5F56BF-ECA8-4A5C-89E0-F133484C2617}"/>
+                  </a:ext>
+                </a:extLst>
+              </p:cNvPr>
+              <p:cNvSpPr txBox="1"/>
+              <p:nvPr/>
+            </p:nvSpPr>
+            <p:spPr>
+              <a:xfrm>
+                <a:off x="4470764" y="2971800"/>
+                <a:ext cx="457176" cy="554960"/>
+              </a:xfrm>
+              <a:prstGeom prst="rect">
+                <a:avLst/>
+              </a:prstGeom>
+              <a:noFill/>
+            </p:spPr>
+            <p:txBody>
+              <a:bodyPr wrap="none" rtlCol="0">
+                <a:spAutoFit/>
+              </a:bodyPr>
+              <a:lstStyle/>
+              <a:p>
+                <a:pPr/>
+                <a14:m>
+                  <m:oMathPara xmlns:m="http://schemas.openxmlformats.org/officeDocument/2006/math">
+                    <m:oMathParaPr>
+                      <m:jc m:val="centerGroup"/>
+                    </m:oMathParaPr>
+                    <m:oMath xmlns:m="http://schemas.openxmlformats.org/officeDocument/2006/math">
+                      <m:f>
+                        <m:fPr>
+                          <m:ctrlPr>
+                            <a:rPr lang="en-US" sz="1600" b="0" i="1" smtClean="0">
+                              <a:latin typeface="Cambria Math" panose="02040503050406030204" pitchFamily="18" charset="0"/>
+                            </a:rPr>
+                          </m:ctrlPr>
+                        </m:fPr>
+                        <m:num>
+                          <m:r>
+                            <a:rPr lang="en-US" sz="1600" b="0" i="1" smtClean="0">
+                              <a:latin typeface="Cambria Math" panose="02040503050406030204" pitchFamily="18" charset="0"/>
+                            </a:rPr>
+                            <m:t>1</m:t>
+                          </m:r>
+                        </m:num>
+                        <m:den>
+                          <m:r>
+                            <a:rPr lang="en-US" sz="1600" b="0" i="1" smtClean="0">
+                              <a:latin typeface="Cambria Math" panose="02040503050406030204" pitchFamily="18" charset="0"/>
+                            </a:rPr>
+                            <m:t>16</m:t>
+                          </m:r>
+                        </m:den>
+                      </m:f>
+                    </m:oMath>
+                  </m:oMathPara>
+                </a14:m>
+                <a:endParaRPr lang="en-US" sz="1600" dirty="0"/>
+              </a:p>
+            </p:txBody>
+          </p:sp>
+        </mc:Choice>
+        <mc:Fallback xmlns="">
+          <p:sp>
+            <p:nvSpPr>
+              <p:cNvPr id="8" name="TextBox 7">
+                <a:extLst>
+                  <a:ext uri="{FF2B5EF4-FFF2-40B4-BE49-F238E27FC236}">
+                    <a16:creationId xmlns:a16="http://schemas.microsoft.com/office/drawing/2014/main" id="{8E5F56BF-ECA8-4A5C-89E0-F133484C2617}"/>
+                  </a:ext>
+                </a:extLst>
+              </p:cNvPr>
+              <p:cNvSpPr txBox="1">
+                <a:spLocks noRot="1" noChangeAspect="1" noMove="1" noResize="1" noEditPoints="1" noAdjustHandles="1" noChangeArrowheads="1" noChangeShapeType="1" noTextEdit="1"/>
+              </p:cNvSpPr>
+              <p:nvPr/>
+            </p:nvSpPr>
+            <p:spPr>
+              <a:xfrm>
+                <a:off x="4470764" y="2971800"/>
+                <a:ext cx="457176" cy="554960"/>
+              </a:xfrm>
+              <a:prstGeom prst="rect">
+                <a:avLst/>
+              </a:prstGeom>
+              <a:blipFill>
+                <a:blip r:embed="rId3"/>
+                <a:stretch>
+                  <a:fillRect/>
+                </a:stretch>
+              </a:blipFill>
+            </p:spPr>
+            <p:txBody>
+              <a:bodyPr/>
+              <a:lstStyle/>
+              <a:p>
+                <a:r>
+                  <a:rPr lang="en-US">
+                    <a:noFill/>
+                  </a:rPr>
+                  <a:t> </a:t>
+                </a:r>
+              </a:p>
+            </p:txBody>
+          </p:sp>
+        </mc:Fallback>
+      </mc:AlternateContent>
+      <mc:AlternateContent xmlns:mc="http://schemas.openxmlformats.org/markup-compatibility/2006" xmlns:a14="http://schemas.microsoft.com/office/drawing/2010/main">
+        <mc:Choice Requires="a14">
+          <p:sp>
+            <p:nvSpPr>
+              <p:cNvPr id="9" name="TextBox 8">
+                <a:extLst>
+                  <a:ext uri="{FF2B5EF4-FFF2-40B4-BE49-F238E27FC236}">
+                    <a16:creationId xmlns:a16="http://schemas.microsoft.com/office/drawing/2014/main" id="{6936541F-A435-479F-BE3C-6883EBDF15E6}"/>
+                  </a:ext>
+                </a:extLst>
+              </p:cNvPr>
+              <p:cNvSpPr txBox="1"/>
+              <p:nvPr/>
+            </p:nvSpPr>
+            <p:spPr>
+              <a:xfrm>
+                <a:off x="4930786" y="2971800"/>
+                <a:ext cx="457176" cy="554960"/>
+              </a:xfrm>
+              <a:prstGeom prst="rect">
+                <a:avLst/>
+              </a:prstGeom>
+              <a:noFill/>
+            </p:spPr>
+            <p:txBody>
+              <a:bodyPr wrap="none" rtlCol="0">
+                <a:spAutoFit/>
+              </a:bodyPr>
+              <a:lstStyle/>
+              <a:p>
+                <a:pPr/>
+                <a14:m>
+                  <m:oMathPara xmlns:m="http://schemas.openxmlformats.org/officeDocument/2006/math">
+                    <m:oMathParaPr>
+                      <m:jc m:val="centerGroup"/>
+                    </m:oMathParaPr>
+                    <m:oMath xmlns:m="http://schemas.openxmlformats.org/officeDocument/2006/math">
+                      <m:f>
+                        <m:fPr>
+                          <m:ctrlPr>
+                            <a:rPr lang="en-US" sz="1600" b="0" i="1" smtClean="0">
+                              <a:latin typeface="Cambria Math" panose="02040503050406030204" pitchFamily="18" charset="0"/>
+                            </a:rPr>
+                          </m:ctrlPr>
+                        </m:fPr>
+                        <m:num>
+                          <m:r>
+                            <a:rPr lang="en-US" sz="1600" b="0" i="1" smtClean="0">
+                              <a:latin typeface="Cambria Math" panose="02040503050406030204" pitchFamily="18" charset="0"/>
+                            </a:rPr>
+                            <m:t>1</m:t>
+                          </m:r>
+                        </m:num>
+                        <m:den>
+                          <m:r>
+                            <a:rPr lang="en-US" sz="1600" b="0" i="1" smtClean="0">
+                              <a:latin typeface="Cambria Math" panose="02040503050406030204" pitchFamily="18" charset="0"/>
+                            </a:rPr>
+                            <m:t>32</m:t>
+                          </m:r>
+                        </m:den>
+                      </m:f>
+                    </m:oMath>
+                  </m:oMathPara>
+                </a14:m>
+                <a:endParaRPr lang="en-US" sz="1600" dirty="0"/>
+              </a:p>
+            </p:txBody>
+          </p:sp>
+        </mc:Choice>
+        <mc:Fallback xmlns="">
+          <p:sp>
+            <p:nvSpPr>
+              <p:cNvPr id="9" name="TextBox 8">
+                <a:extLst>
+                  <a:ext uri="{FF2B5EF4-FFF2-40B4-BE49-F238E27FC236}">
+                    <a16:creationId xmlns:a16="http://schemas.microsoft.com/office/drawing/2014/main" id="{6936541F-A435-479F-BE3C-6883EBDF15E6}"/>
+                  </a:ext>
+                </a:extLst>
+              </p:cNvPr>
+              <p:cNvSpPr txBox="1">
+                <a:spLocks noRot="1" noChangeAspect="1" noMove="1" noResize="1" noEditPoints="1" noAdjustHandles="1" noChangeArrowheads="1" noChangeShapeType="1" noTextEdit="1"/>
+              </p:cNvSpPr>
+              <p:nvPr/>
+            </p:nvSpPr>
+            <p:spPr>
+              <a:xfrm>
+                <a:off x="4930786" y="2971800"/>
+                <a:ext cx="457176" cy="554960"/>
+              </a:xfrm>
+              <a:prstGeom prst="rect">
+                <a:avLst/>
+              </a:prstGeom>
+              <a:blipFill>
+                <a:blip r:embed="rId4"/>
+                <a:stretch>
+                  <a:fillRect/>
+                </a:stretch>
+              </a:blipFill>
+            </p:spPr>
+            <p:txBody>
+              <a:bodyPr/>
+              <a:lstStyle/>
+              <a:p>
+                <a:r>
+                  <a:rPr lang="en-US">
+                    <a:noFill/>
+                  </a:rPr>
+                  <a:t> </a:t>
+                </a:r>
+              </a:p>
+            </p:txBody>
+          </p:sp>
+        </mc:Fallback>
+      </mc:AlternateContent>
+      <p:cxnSp>
+        <p:nvCxnSpPr>
+          <p:cNvPr id="10" name="Straight Arrow Connector 9">
+            <a:extLst>
+              <a:ext uri="{FF2B5EF4-FFF2-40B4-BE49-F238E27FC236}">
+                <a16:creationId xmlns:a16="http://schemas.microsoft.com/office/drawing/2014/main" id="{EFA15A7A-ED4E-4289-97AE-B53E1D747B2C}"/>
+              </a:ext>
+            </a:extLst>
+          </p:cNvPr>
+          <p:cNvCxnSpPr>
+            <a:cxnSpLocks/>
+          </p:cNvCxnSpPr>
+          <p:nvPr/>
+        </p:nvCxnSpPr>
+        <p:spPr>
+          <a:xfrm>
+            <a:off x="5159374" y="3533196"/>
+            <a:ext cx="0" cy="274320"/>
+          </a:xfrm>
+          <a:prstGeom prst="straightConnector1">
+            <a:avLst/>
+          </a:prstGeom>
+          <a:ln>
+            <a:tailEnd type="triangle"/>
+          </a:ln>
+        </p:spPr>
+        <p:style>
+          <a:lnRef idx="2">
+            <a:schemeClr val="accent3"/>
+          </a:lnRef>
+          <a:fillRef idx="0">
+            <a:schemeClr val="accent3"/>
+          </a:fillRef>
+          <a:effectRef idx="1">
+            <a:schemeClr val="accent3"/>
+          </a:effectRef>
+          <a:fontRef idx="minor">
+            <a:schemeClr val="tx1"/>
+          </a:fontRef>
+        </p:style>
+      </p:cxnSp>
+      <mc:AlternateContent xmlns:mc="http://schemas.openxmlformats.org/markup-compatibility/2006" xmlns:a14="http://schemas.microsoft.com/office/drawing/2010/main">
+        <mc:Choice Requires="a14">
+          <p:sp>
+            <p:nvSpPr>
+              <p:cNvPr id="12" name="TextBox 11">
+                <a:extLst>
+                  <a:ext uri="{FF2B5EF4-FFF2-40B4-BE49-F238E27FC236}">
+                    <a16:creationId xmlns:a16="http://schemas.microsoft.com/office/drawing/2014/main" id="{594B323A-3E1D-4820-BF73-DC0EBF11D292}"/>
+                  </a:ext>
+                </a:extLst>
+              </p:cNvPr>
+              <p:cNvSpPr txBox="1"/>
+              <p:nvPr/>
+            </p:nvSpPr>
+            <p:spPr>
+              <a:xfrm>
+                <a:off x="5545104" y="2971800"/>
+                <a:ext cx="570990" cy="554960"/>
+              </a:xfrm>
+              <a:prstGeom prst="rect">
+                <a:avLst/>
+              </a:prstGeom>
+              <a:noFill/>
+            </p:spPr>
+            <p:txBody>
+              <a:bodyPr wrap="none" rtlCol="0">
+                <a:spAutoFit/>
+              </a:bodyPr>
+              <a:lstStyle/>
+              <a:p>
+                <a:pPr/>
+                <a14:m>
+                  <m:oMathPara xmlns:m="http://schemas.openxmlformats.org/officeDocument/2006/math">
+                    <m:oMathParaPr>
+                      <m:jc m:val="centerGroup"/>
+                    </m:oMathParaPr>
+                    <m:oMath xmlns:m="http://schemas.openxmlformats.org/officeDocument/2006/math">
+                      <m:f>
+                        <m:fPr>
+                          <m:ctrlPr>
+                            <a:rPr lang="en-US" sz="1600" b="0" i="1" smtClean="0">
+                              <a:latin typeface="Cambria Math" panose="02040503050406030204" pitchFamily="18" charset="0"/>
+                            </a:rPr>
+                          </m:ctrlPr>
+                        </m:fPr>
+                        <m:num>
+                          <m:r>
+                            <a:rPr lang="en-US" sz="1600" b="0" i="1" smtClean="0">
+                              <a:latin typeface="Cambria Math" panose="02040503050406030204" pitchFamily="18" charset="0"/>
+                            </a:rPr>
+                            <m:t>1</m:t>
+                          </m:r>
+                        </m:num>
+                        <m:den>
+                          <m:r>
+                            <a:rPr lang="en-US" sz="1600" b="0" i="1" smtClean="0">
+                              <a:latin typeface="Cambria Math" panose="02040503050406030204" pitchFamily="18" charset="0"/>
+                            </a:rPr>
+                            <m:t>256</m:t>
+                          </m:r>
+                        </m:den>
+                      </m:f>
+                    </m:oMath>
+                  </m:oMathPara>
+                </a14:m>
+                <a:endParaRPr lang="en-US" sz="1600" dirty="0"/>
+              </a:p>
+            </p:txBody>
+          </p:sp>
+        </mc:Choice>
+        <mc:Fallback xmlns="">
+          <p:sp>
+            <p:nvSpPr>
+              <p:cNvPr id="12" name="TextBox 11">
+                <a:extLst>
+                  <a:ext uri="{FF2B5EF4-FFF2-40B4-BE49-F238E27FC236}">
+                    <a16:creationId xmlns:a16="http://schemas.microsoft.com/office/drawing/2014/main" id="{594B323A-3E1D-4820-BF73-DC0EBF11D292}"/>
+                  </a:ext>
+                </a:extLst>
+              </p:cNvPr>
+              <p:cNvSpPr txBox="1">
+                <a:spLocks noRot="1" noChangeAspect="1" noMove="1" noResize="1" noEditPoints="1" noAdjustHandles="1" noChangeArrowheads="1" noChangeShapeType="1" noTextEdit="1"/>
+              </p:cNvSpPr>
+              <p:nvPr/>
+            </p:nvSpPr>
+            <p:spPr>
+              <a:xfrm>
+                <a:off x="5545104" y="2971800"/>
+                <a:ext cx="570990" cy="554960"/>
+              </a:xfrm>
+              <a:prstGeom prst="rect">
+                <a:avLst/>
+              </a:prstGeom>
+              <a:blipFill>
+                <a:blip r:embed="rId5"/>
+                <a:stretch>
+                  <a:fillRect/>
+                </a:stretch>
+              </a:blipFill>
+            </p:spPr>
+            <p:txBody>
+              <a:bodyPr/>
+              <a:lstStyle/>
+              <a:p>
+                <a:r>
+                  <a:rPr lang="en-US">
+                    <a:noFill/>
+                  </a:rPr>
+                  <a:t> </a:t>
+                </a:r>
+              </a:p>
+            </p:txBody>
+          </p:sp>
+        </mc:Fallback>
+      </mc:AlternateContent>
+      <mc:AlternateContent xmlns:mc="http://schemas.openxmlformats.org/markup-compatibility/2006" xmlns:a14="http://schemas.microsoft.com/office/drawing/2010/main">
+        <mc:Choice Requires="a14">
+          <p:sp>
+            <p:nvSpPr>
+              <p:cNvPr id="13" name="TextBox 12">
+                <a:extLst>
+                  <a:ext uri="{FF2B5EF4-FFF2-40B4-BE49-F238E27FC236}">
+                    <a16:creationId xmlns:a16="http://schemas.microsoft.com/office/drawing/2014/main" id="{EB4F8E08-155A-4145-8EA7-AF259647038D}"/>
+                  </a:ext>
+                </a:extLst>
+              </p:cNvPr>
+              <p:cNvSpPr txBox="1"/>
+              <p:nvPr/>
+            </p:nvSpPr>
+            <p:spPr>
+              <a:xfrm>
+                <a:off x="6123680" y="2971800"/>
+                <a:ext cx="570990" cy="554960"/>
+              </a:xfrm>
+              <a:prstGeom prst="rect">
+                <a:avLst/>
+              </a:prstGeom>
+              <a:noFill/>
+            </p:spPr>
+            <p:txBody>
+              <a:bodyPr wrap="none" rtlCol="0">
+                <a:spAutoFit/>
+              </a:bodyPr>
+              <a:lstStyle/>
+              <a:p>
+                <a:pPr/>
+                <a14:m>
+                  <m:oMathPara xmlns:m="http://schemas.openxmlformats.org/officeDocument/2006/math">
+                    <m:oMathParaPr>
+                      <m:jc m:val="centerGroup"/>
+                    </m:oMathParaPr>
+                    <m:oMath xmlns:m="http://schemas.openxmlformats.org/officeDocument/2006/math">
+                      <m:f>
+                        <m:fPr>
+                          <m:ctrlPr>
+                            <a:rPr lang="en-US" sz="1600" b="0" i="1" smtClean="0">
+                              <a:latin typeface="Cambria Math" panose="02040503050406030204" pitchFamily="18" charset="0"/>
+                            </a:rPr>
+                          </m:ctrlPr>
+                        </m:fPr>
+                        <m:num>
+                          <m:r>
+                            <a:rPr lang="en-US" sz="1600" b="0" i="1" smtClean="0">
+                              <a:latin typeface="Cambria Math" panose="02040503050406030204" pitchFamily="18" charset="0"/>
+                            </a:rPr>
+                            <m:t>1</m:t>
+                          </m:r>
+                        </m:num>
+                        <m:den>
+                          <m:r>
+                            <a:rPr lang="en-US" sz="1600" b="0" i="1" smtClean="0">
+                              <a:latin typeface="Cambria Math" panose="02040503050406030204" pitchFamily="18" charset="0"/>
+                            </a:rPr>
+                            <m:t>512</m:t>
+                          </m:r>
+                        </m:den>
+                      </m:f>
+                    </m:oMath>
+                  </m:oMathPara>
+                </a14:m>
+                <a:endParaRPr lang="en-US" sz="1600" dirty="0"/>
+              </a:p>
+            </p:txBody>
+          </p:sp>
+        </mc:Choice>
+        <mc:Fallback xmlns="">
+          <p:sp>
+            <p:nvSpPr>
+              <p:cNvPr id="13" name="TextBox 12">
+                <a:extLst>
+                  <a:ext uri="{FF2B5EF4-FFF2-40B4-BE49-F238E27FC236}">
+                    <a16:creationId xmlns:a16="http://schemas.microsoft.com/office/drawing/2014/main" id="{EB4F8E08-155A-4145-8EA7-AF259647038D}"/>
+                  </a:ext>
+                </a:extLst>
+              </p:cNvPr>
+              <p:cNvSpPr txBox="1">
+                <a:spLocks noRot="1" noChangeAspect="1" noMove="1" noResize="1" noEditPoints="1" noAdjustHandles="1" noChangeArrowheads="1" noChangeShapeType="1" noTextEdit="1"/>
+              </p:cNvSpPr>
+              <p:nvPr/>
+            </p:nvSpPr>
+            <p:spPr>
+              <a:xfrm>
+                <a:off x="6123680" y="2971800"/>
+                <a:ext cx="570990" cy="554960"/>
+              </a:xfrm>
+              <a:prstGeom prst="rect">
+                <a:avLst/>
+              </a:prstGeom>
+              <a:blipFill>
+                <a:blip r:embed="rId6"/>
+                <a:stretch>
+                  <a:fillRect/>
+                </a:stretch>
+              </a:blipFill>
+            </p:spPr>
+            <p:txBody>
+              <a:bodyPr/>
+              <a:lstStyle/>
+              <a:p>
+                <a:r>
+                  <a:rPr lang="en-US">
+                    <a:noFill/>
+                  </a:rPr>
+                  <a:t> </a:t>
+                </a:r>
+              </a:p>
+            </p:txBody>
+          </p:sp>
+        </mc:Fallback>
+      </mc:AlternateContent>
+      <p:cxnSp>
+        <p:nvCxnSpPr>
+          <p:cNvPr id="14" name="Straight Arrow Connector 13">
+            <a:extLst>
+              <a:ext uri="{FF2B5EF4-FFF2-40B4-BE49-F238E27FC236}">
+                <a16:creationId xmlns:a16="http://schemas.microsoft.com/office/drawing/2014/main" id="{1890B6AB-A321-446C-9AA4-E7E91D46541B}"/>
+              </a:ext>
+            </a:extLst>
+          </p:cNvPr>
+          <p:cNvCxnSpPr>
+            <a:cxnSpLocks/>
+            <a:stCxn id="12" idx="2"/>
+          </p:cNvCxnSpPr>
+          <p:nvPr/>
+        </p:nvCxnSpPr>
+        <p:spPr>
+          <a:xfrm>
+            <a:off x="5830599" y="3526760"/>
+            <a:ext cx="122140" cy="280756"/>
+          </a:xfrm>
+          <a:prstGeom prst="straightConnector1">
+            <a:avLst/>
+          </a:prstGeom>
+          <a:ln>
+            <a:tailEnd type="triangle"/>
+          </a:ln>
+        </p:spPr>
+        <p:style>
+          <a:lnRef idx="2">
+            <a:schemeClr val="accent3"/>
+          </a:lnRef>
+          <a:fillRef idx="0">
+            <a:schemeClr val="accent3"/>
+          </a:fillRef>
+          <a:effectRef idx="1">
+            <a:schemeClr val="accent3"/>
+          </a:effectRef>
+          <a:fontRef idx="minor">
+            <a:schemeClr val="tx1"/>
+          </a:fontRef>
+        </p:style>
+      </p:cxnSp>
+      <p:cxnSp>
+        <p:nvCxnSpPr>
+          <p:cNvPr id="17" name="Straight Arrow Connector 16">
+            <a:extLst>
+              <a:ext uri="{FF2B5EF4-FFF2-40B4-BE49-F238E27FC236}">
+                <a16:creationId xmlns:a16="http://schemas.microsoft.com/office/drawing/2014/main" id="{44CA2C5F-AD7B-40D0-B279-33AFA18889A3}"/>
+              </a:ext>
+            </a:extLst>
+          </p:cNvPr>
+          <p:cNvCxnSpPr>
+            <a:cxnSpLocks/>
+            <a:stCxn id="13" idx="2"/>
+          </p:cNvCxnSpPr>
+          <p:nvPr/>
+        </p:nvCxnSpPr>
+        <p:spPr>
+          <a:xfrm flipH="1">
+            <a:off x="6273237" y="3526760"/>
+            <a:ext cx="135938" cy="280756"/>
+          </a:xfrm>
+          <a:prstGeom prst="straightConnector1">
+            <a:avLst/>
+          </a:prstGeom>
+          <a:ln>
+            <a:tailEnd type="triangle"/>
+          </a:ln>
+        </p:spPr>
+        <p:style>
+          <a:lnRef idx="2">
+            <a:schemeClr val="accent3"/>
+          </a:lnRef>
+          <a:fillRef idx="0">
+            <a:schemeClr val="accent3"/>
+          </a:fillRef>
+          <a:effectRef idx="1">
+            <a:schemeClr val="accent3"/>
+          </a:effectRef>
+          <a:fontRef idx="minor">
+            <a:schemeClr val="tx1"/>
+          </a:fontRef>
+        </p:style>
+      </p:cxnSp>
+      <p:sp>
+        <p:nvSpPr>
+          <p:cNvPr id="21" name="TextBox 20">
+            <a:extLst>
+              <a:ext uri="{FF2B5EF4-FFF2-40B4-BE49-F238E27FC236}">
+                <a16:creationId xmlns:a16="http://schemas.microsoft.com/office/drawing/2014/main" id="{4ED23618-1EAD-4ECC-9F77-65EA14568957}"/>
+              </a:ext>
+            </a:extLst>
+          </p:cNvPr>
+          <p:cNvSpPr txBox="1"/>
+          <p:nvPr/>
+        </p:nvSpPr>
+        <p:spPr>
+          <a:xfrm>
+            <a:off x="6932612" y="3018447"/>
+            <a:ext cx="1874231" cy="461665"/>
+          </a:xfrm>
+          <a:prstGeom prst="rect">
+            <a:avLst/>
+          </a:prstGeom>
+          <a:noFill/>
+        </p:spPr>
+        <p:txBody>
+          <a:bodyPr wrap="none" rtlCol="0">
+            <a:spAutoFit/>
+          </a:bodyPr>
+          <a:lstStyle/>
+          <a:p>
+            <a:r>
+              <a:rPr lang="en-US" dirty="0"/>
+              <a:t>=.099609375</a:t>
+            </a:r>
+          </a:p>
+        </p:txBody>
+      </p:sp>
+      <p:sp>
+        <p:nvSpPr>
+          <p:cNvPr id="23" name="TextBox 22">
+            <a:extLst>
+              <a:ext uri="{FF2B5EF4-FFF2-40B4-BE49-F238E27FC236}">
+                <a16:creationId xmlns:a16="http://schemas.microsoft.com/office/drawing/2014/main" id="{CD910278-5DE1-46A1-A802-00CED905B309}"/>
+              </a:ext>
+            </a:extLst>
+          </p:cNvPr>
+          <p:cNvSpPr txBox="1"/>
+          <p:nvPr/>
+        </p:nvSpPr>
+        <p:spPr>
+          <a:xfrm>
+            <a:off x="6694670" y="3692469"/>
+            <a:ext cx="3590731" cy="707886"/>
+          </a:xfrm>
+          <a:prstGeom prst="rect">
+            <a:avLst/>
+          </a:prstGeom>
+          <a:noFill/>
+        </p:spPr>
+        <p:txBody>
+          <a:bodyPr wrap="square" rtlCol="0">
+            <a:spAutoFit/>
+          </a:bodyPr>
+          <a:lstStyle/>
+          <a:p>
+            <a:r>
+              <a:rPr lang="en-US" sz="4000" dirty="0">
+                <a:latin typeface="Consolas" panose="020B0609020204030204" pitchFamily="49" charset="0"/>
+              </a:rPr>
+              <a:t>(…00110011…)</a:t>
+            </a:r>
+          </a:p>
+        </p:txBody>
+      </p:sp>
+      <mc:AlternateContent xmlns:mc="http://schemas.openxmlformats.org/markup-compatibility/2006" xmlns:a14="http://schemas.microsoft.com/office/drawing/2010/main">
+        <mc:Choice Requires="a14">
+          <p:sp>
+            <p:nvSpPr>
+              <p:cNvPr id="24" name="TextBox 23">
+                <a:extLst>
+                  <a:ext uri="{FF2B5EF4-FFF2-40B4-BE49-F238E27FC236}">
+                    <a16:creationId xmlns:a16="http://schemas.microsoft.com/office/drawing/2014/main" id="{276C1C07-252A-437A-9C46-BC86A627A6F4}"/>
+                  </a:ext>
+                </a:extLst>
+              </p:cNvPr>
+              <p:cNvSpPr txBox="1"/>
+              <p:nvPr/>
+            </p:nvSpPr>
+            <p:spPr>
+              <a:xfrm>
+                <a:off x="3732212" y="5486400"/>
+                <a:ext cx="7550465" cy="523220"/>
+              </a:xfrm>
+              <a:prstGeom prst="rect">
+                <a:avLst/>
+              </a:prstGeom>
+              <a:noFill/>
+            </p:spPr>
+            <p:txBody>
+              <a:bodyPr wrap="none" rtlCol="0">
+                <a:spAutoFit/>
+              </a:bodyPr>
+              <a:lstStyle/>
+              <a:p>
+                <a:r>
+                  <a:rPr lang="en-US" sz="2800" dirty="0">
+                    <a:latin typeface="Consolas" panose="020B0609020204030204" pitchFamily="49" charset="0"/>
+                  </a:rPr>
+                  <a:t>.33333333 + .66666666 = .99999999 </a:t>
+                </a:r>
+                <a14:m>
+                  <m:oMath xmlns:m="http://schemas.openxmlformats.org/officeDocument/2006/math">
+                    <m:r>
+                      <a:rPr lang="en-US" sz="2800" b="0" i="1" smtClean="0">
+                        <a:latin typeface="Cambria Math" panose="02040503050406030204" pitchFamily="18" charset="0"/>
+                      </a:rPr>
+                      <m:t>≠</m:t>
+                    </m:r>
+                  </m:oMath>
+                </a14:m>
+                <a:r>
+                  <a:rPr lang="en-US" sz="2800" dirty="0">
+                    <a:latin typeface="Consolas" panose="020B0609020204030204" pitchFamily="49" charset="0"/>
+                  </a:rPr>
+                  <a:t> 1</a:t>
+                </a:r>
+              </a:p>
+            </p:txBody>
+          </p:sp>
+        </mc:Choice>
+        <mc:Fallback xmlns="">
+          <p:sp>
+            <p:nvSpPr>
+              <p:cNvPr id="24" name="TextBox 23">
+                <a:extLst>
+                  <a:ext uri="{FF2B5EF4-FFF2-40B4-BE49-F238E27FC236}">
+                    <a16:creationId xmlns:a16="http://schemas.microsoft.com/office/drawing/2014/main" id="{276C1C07-252A-437A-9C46-BC86A627A6F4}"/>
+                  </a:ext>
+                </a:extLst>
+              </p:cNvPr>
+              <p:cNvSpPr txBox="1">
+                <a:spLocks noRot="1" noChangeAspect="1" noMove="1" noResize="1" noEditPoints="1" noAdjustHandles="1" noChangeArrowheads="1" noChangeShapeType="1" noTextEdit="1"/>
+              </p:cNvSpPr>
+              <p:nvPr/>
+            </p:nvSpPr>
+            <p:spPr>
+              <a:xfrm>
+                <a:off x="3732212" y="5486400"/>
+                <a:ext cx="7550465" cy="523220"/>
+              </a:xfrm>
+              <a:prstGeom prst="rect">
+                <a:avLst/>
+              </a:prstGeom>
+              <a:blipFill>
+                <a:blip r:embed="rId7"/>
+                <a:stretch>
+                  <a:fillRect l="-1614" t="-11628" r="-646" b="-31395"/>
+                </a:stretch>
+              </a:blipFill>
+            </p:spPr>
+            <p:txBody>
+              <a:bodyPr/>
+              <a:lstStyle/>
+              <a:p>
+                <a:r>
+                  <a:rPr lang="en-US">
+                    <a:noFill/>
+                  </a:rPr>
+                  <a:t> </a:t>
+                </a:r>
+              </a:p>
+            </p:txBody>
+          </p:sp>
+        </mc:Fallback>
+      </mc:AlternateContent>
+      <mc:AlternateContent xmlns:mc="http://schemas.openxmlformats.org/markup-compatibility/2006" xmlns:a14="http://schemas.microsoft.com/office/drawing/2010/main">
+        <mc:Choice Requires="a14">
+          <p:sp>
+            <p:nvSpPr>
+              <p:cNvPr id="25" name="TextBox 24">
+                <a:extLst>
+                  <a:ext uri="{FF2B5EF4-FFF2-40B4-BE49-F238E27FC236}">
+                    <a16:creationId xmlns:a16="http://schemas.microsoft.com/office/drawing/2014/main" id="{40CCBE7C-FD20-4C13-9348-38F6BC4B1FEE}"/>
+                  </a:ext>
+                </a:extLst>
+              </p:cNvPr>
+              <p:cNvSpPr txBox="1"/>
+              <p:nvPr/>
+            </p:nvSpPr>
+            <p:spPr>
+              <a:xfrm>
+                <a:off x="989012" y="5396119"/>
+                <a:ext cx="2857705" cy="703782"/>
+              </a:xfrm>
+              <a:prstGeom prst="rect">
+                <a:avLst/>
+              </a:prstGeom>
+              <a:noFill/>
+            </p:spPr>
+            <p:txBody>
+              <a:bodyPr wrap="none" rtlCol="0">
+                <a:spAutoFit/>
+              </a:bodyPr>
+              <a:lstStyle/>
+              <a:p>
+                <a14:m>
+                  <m:oMath xmlns:m="http://schemas.openxmlformats.org/officeDocument/2006/math">
+                    <m:f>
+                      <m:fPr>
+                        <m:ctrlPr>
+                          <a:rPr lang="en-US" sz="2800" b="0" i="1" smtClean="0">
+                            <a:latin typeface="Cambria Math" panose="02040503050406030204" pitchFamily="18" charset="0"/>
+                          </a:rPr>
+                        </m:ctrlPr>
+                      </m:fPr>
+                      <m:num>
+                        <m:r>
+                          <a:rPr lang="en-US" sz="2800" b="0" i="1" smtClean="0">
+                            <a:latin typeface="Cambria Math" panose="02040503050406030204" pitchFamily="18" charset="0"/>
+                          </a:rPr>
+                          <m:t>1</m:t>
+                        </m:r>
+                      </m:num>
+                      <m:den>
+                        <m:r>
+                          <a:rPr lang="en-US" sz="2800" b="0" i="1" smtClean="0">
+                            <a:latin typeface="Cambria Math" panose="02040503050406030204" pitchFamily="18" charset="0"/>
+                          </a:rPr>
+                          <m:t>3</m:t>
+                        </m:r>
+                      </m:den>
+                    </m:f>
+                    <m:r>
+                      <a:rPr lang="en-US" sz="2800" b="0" i="1" smtClean="0">
+                        <a:latin typeface="Cambria Math" panose="02040503050406030204" pitchFamily="18" charset="0"/>
+                      </a:rPr>
+                      <m:t>+</m:t>
+                    </m:r>
+                    <m:f>
+                      <m:fPr>
+                        <m:ctrlPr>
+                          <a:rPr lang="en-US" sz="2800" b="0" i="1" smtClean="0">
+                            <a:latin typeface="Cambria Math" panose="02040503050406030204" pitchFamily="18" charset="0"/>
+                          </a:rPr>
+                        </m:ctrlPr>
+                      </m:fPr>
+                      <m:num>
+                        <m:r>
+                          <a:rPr lang="en-US" sz="2800" b="0" i="1" smtClean="0">
+                            <a:latin typeface="Cambria Math" panose="02040503050406030204" pitchFamily="18" charset="0"/>
+                          </a:rPr>
+                          <m:t>2</m:t>
+                        </m:r>
+                      </m:num>
+                      <m:den>
+                        <m:r>
+                          <a:rPr lang="en-US" sz="2800" b="0" i="1" smtClean="0">
+                            <a:latin typeface="Cambria Math" panose="02040503050406030204" pitchFamily="18" charset="0"/>
+                          </a:rPr>
+                          <m:t>3</m:t>
+                        </m:r>
+                      </m:den>
+                    </m:f>
+                  </m:oMath>
+                </a14:m>
+                <a:r>
+                  <a:rPr lang="en-US" sz="2800" dirty="0"/>
+                  <a:t> in decimal = </a:t>
+                </a:r>
+              </a:p>
+            </p:txBody>
+          </p:sp>
+        </mc:Choice>
+        <mc:Fallback xmlns="">
+          <p:sp>
+            <p:nvSpPr>
+              <p:cNvPr id="25" name="TextBox 24">
+                <a:extLst>
+                  <a:ext uri="{FF2B5EF4-FFF2-40B4-BE49-F238E27FC236}">
+                    <a16:creationId xmlns:a16="http://schemas.microsoft.com/office/drawing/2014/main" id="{40CCBE7C-FD20-4C13-9348-38F6BC4B1FEE}"/>
+                  </a:ext>
+                </a:extLst>
+              </p:cNvPr>
+              <p:cNvSpPr txBox="1">
+                <a:spLocks noRot="1" noChangeAspect="1" noMove="1" noResize="1" noEditPoints="1" noAdjustHandles="1" noChangeArrowheads="1" noChangeShapeType="1" noTextEdit="1"/>
+              </p:cNvSpPr>
+              <p:nvPr/>
+            </p:nvSpPr>
+            <p:spPr>
+              <a:xfrm>
+                <a:off x="989012" y="5396119"/>
+                <a:ext cx="2857705" cy="703782"/>
+              </a:xfrm>
+              <a:prstGeom prst="rect">
+                <a:avLst/>
+              </a:prstGeom>
+              <a:blipFill>
+                <a:blip r:embed="rId8"/>
+                <a:stretch>
+                  <a:fillRect r="-3412" b="-11207"/>
+                </a:stretch>
+              </a:blipFill>
+            </p:spPr>
+            <p:txBody>
+              <a:bodyPr/>
+              <a:lstStyle/>
+              <a:p>
+                <a:r>
+                  <a:rPr lang="en-US">
+                    <a:noFill/>
+                  </a:rPr>
+                  <a:t> </a:t>
+                </a:r>
+              </a:p>
+            </p:txBody>
+          </p:sp>
+        </mc:Fallback>
+      </mc:AlternateContent>
+    </p:spTree>
+    <p:extLst>
+      <p:ext uri="{BB962C8B-B14F-4D97-AF65-F5344CB8AC3E}">
+        <p14:creationId xmlns:p14="http://schemas.microsoft.com/office/powerpoint/2010/main" val="2002044289"/>
+      </p:ext>
+    </p:extLst>
+  </p:cSld>
+  <p:clrMapOvr>
+    <a:masterClrMapping/>
+  </p:clrMapOvr>
+  <p:timing>
+    <p:tnLst>
+      <p:par>
+        <p:cTn id="1" dur="indefinite" restart="never" nodeType="tmRoot">
+          <p:childTnLst>
+            <p:seq concurrent="1" nextAc="seek">
+              <p:cTn id="2" dur="indefinite" nodeType="mainSeq">
+                <p:childTnLst>
+                  <p:par>
+                    <p:cTn id="3" fill="hold">
+                      <p:stCondLst>
+                        <p:cond delay="indefinite"/>
+                      </p:stCondLst>
+                      <p:childTnLst>
+                        <p:par>
+                          <p:cTn id="4" fill="hold">
+                            <p:stCondLst>
+                              <p:cond delay="0"/>
+                            </p:stCondLst>
+                            <p:childTnLst>
+                              <p:par>
+                                <p:cTn id="5" presetID="1" presetClass="entr" presetSubtype="0" fill="hold" grpId="0" nodeType="clickEffect">
+                                  <p:stCondLst>
+                                    <p:cond delay="0"/>
+                                  </p:stCondLst>
+                                  <p:childTnLst>
+                                    <p:set>
+                                      <p:cBhvr>
+                                        <p:cTn id="6" dur="1" fill="hold">
+                                          <p:stCondLst>
+                                            <p:cond delay="0"/>
+                                          </p:stCondLst>
+                                        </p:cTn>
+                                        <p:tgtEl>
+                                          <p:spTgt spid="6"/>
+                                        </p:tgtEl>
+                                        <p:attrNameLst>
+                                          <p:attrName>style.visibility</p:attrName>
+                                        </p:attrNameLst>
+                                      </p:cBhvr>
+                                      <p:to>
+                                        <p:strVal val="visible"/>
+                                      </p:to>
+                                    </p:set>
+                                  </p:childTnLst>
+                                </p:cTn>
+                              </p:par>
+                              <p:par>
+                                <p:cTn id="7" presetID="1" presetClass="entr" presetSubtype="0" fill="hold" nodeType="withEffect">
+                                  <p:stCondLst>
+                                    <p:cond delay="0"/>
+                                  </p:stCondLst>
+                                  <p:childTnLst>
+                                    <p:set>
+                                      <p:cBhvr>
+                                        <p:cTn id="8" dur="1" fill="hold">
+                                          <p:stCondLst>
+                                            <p:cond delay="0"/>
+                                          </p:stCondLst>
+                                        </p:cTn>
+                                        <p:tgtEl>
+                                          <p:spTgt spid="7"/>
+                                        </p:tgtEl>
+                                        <p:attrNameLst>
+                                          <p:attrName>style.visibility</p:attrName>
+                                        </p:attrNameLst>
+                                      </p:cBhvr>
+                                      <p:to>
+                                        <p:strVal val="visible"/>
+                                      </p:to>
+                                    </p:set>
+                                  </p:childTnLst>
+                                </p:cTn>
+                              </p:par>
+                              <p:par>
+                                <p:cTn id="9" presetID="1" presetClass="entr" presetSubtype="0" fill="hold" grpId="0" nodeType="withEffect">
+                                  <p:stCondLst>
+                                    <p:cond delay="0"/>
+                                  </p:stCondLst>
+                                  <p:childTnLst>
+                                    <p:set>
+                                      <p:cBhvr>
+                                        <p:cTn id="10" dur="1" fill="hold">
+                                          <p:stCondLst>
+                                            <p:cond delay="0"/>
+                                          </p:stCondLst>
+                                        </p:cTn>
+                                        <p:tgtEl>
+                                          <p:spTgt spid="8"/>
+                                        </p:tgtEl>
+                                        <p:attrNameLst>
+                                          <p:attrName>style.visibility</p:attrName>
+                                        </p:attrNameLst>
+                                      </p:cBhvr>
+                                      <p:to>
+                                        <p:strVal val="visible"/>
+                                      </p:to>
+                                    </p:set>
+                                  </p:childTnLst>
+                                </p:cTn>
+                              </p:par>
+                              <p:par>
+                                <p:cTn id="11" presetID="1" presetClass="entr" presetSubtype="0" fill="hold" grpId="0" nodeType="withEffect">
+                                  <p:stCondLst>
+                                    <p:cond delay="0"/>
+                                  </p:stCondLst>
+                                  <p:childTnLst>
+                                    <p:set>
+                                      <p:cBhvr>
+                                        <p:cTn id="12" dur="1" fill="hold">
+                                          <p:stCondLst>
+                                            <p:cond delay="0"/>
+                                          </p:stCondLst>
+                                        </p:cTn>
+                                        <p:tgtEl>
+                                          <p:spTgt spid="9"/>
+                                        </p:tgtEl>
+                                        <p:attrNameLst>
+                                          <p:attrName>style.visibility</p:attrName>
+                                        </p:attrNameLst>
+                                      </p:cBhvr>
+                                      <p:to>
+                                        <p:strVal val="visible"/>
+                                      </p:to>
+                                    </p:set>
+                                  </p:childTnLst>
+                                </p:cTn>
+                              </p:par>
+                              <p:par>
+                                <p:cTn id="13" presetID="1" presetClass="entr" presetSubtype="0" fill="hold" nodeType="withEffect">
+                                  <p:stCondLst>
+                                    <p:cond delay="0"/>
+                                  </p:stCondLst>
+                                  <p:childTnLst>
+                                    <p:set>
+                                      <p:cBhvr>
+                                        <p:cTn id="14" dur="1" fill="hold">
+                                          <p:stCondLst>
+                                            <p:cond delay="0"/>
+                                          </p:stCondLst>
+                                        </p:cTn>
+                                        <p:tgtEl>
+                                          <p:spTgt spid="10"/>
+                                        </p:tgtEl>
+                                        <p:attrNameLst>
+                                          <p:attrName>style.visibility</p:attrName>
+                                        </p:attrNameLst>
+                                      </p:cBhvr>
+                                      <p:to>
+                                        <p:strVal val="visible"/>
+                                      </p:to>
+                                    </p:set>
+                                  </p:childTnLst>
+                                </p:cTn>
+                              </p:par>
+                              <p:par>
+                                <p:cTn id="15" presetID="1" presetClass="entr" presetSubtype="0" fill="hold" grpId="0" nodeType="withEffect">
+                                  <p:stCondLst>
+                                    <p:cond delay="0"/>
+                                  </p:stCondLst>
+                                  <p:childTnLst>
+                                    <p:set>
+                                      <p:cBhvr>
+                                        <p:cTn id="16" dur="1" fill="hold">
+                                          <p:stCondLst>
+                                            <p:cond delay="0"/>
+                                          </p:stCondLst>
+                                        </p:cTn>
+                                        <p:tgtEl>
+                                          <p:spTgt spid="12"/>
+                                        </p:tgtEl>
+                                        <p:attrNameLst>
+                                          <p:attrName>style.visibility</p:attrName>
+                                        </p:attrNameLst>
+                                      </p:cBhvr>
+                                      <p:to>
+                                        <p:strVal val="visible"/>
+                                      </p:to>
+                                    </p:set>
+                                  </p:childTnLst>
+                                </p:cTn>
+                              </p:par>
+                              <p:par>
+                                <p:cTn id="17" presetID="1" presetClass="entr" presetSubtype="0" fill="hold" nodeType="withEffect">
+                                  <p:stCondLst>
+                                    <p:cond delay="0"/>
+                                  </p:stCondLst>
+                                  <p:childTnLst>
+                                    <p:set>
+                                      <p:cBhvr>
+                                        <p:cTn id="18" dur="1" fill="hold">
+                                          <p:stCondLst>
+                                            <p:cond delay="0"/>
+                                          </p:stCondLst>
+                                        </p:cTn>
+                                        <p:tgtEl>
+                                          <p:spTgt spid="14"/>
+                                        </p:tgtEl>
+                                        <p:attrNameLst>
+                                          <p:attrName>style.visibility</p:attrName>
+                                        </p:attrNameLst>
+                                      </p:cBhvr>
+                                      <p:to>
+                                        <p:strVal val="visible"/>
+                                      </p:to>
+                                    </p:set>
+                                  </p:childTnLst>
+                                </p:cTn>
+                              </p:par>
+                              <p:par>
+                                <p:cTn id="19" presetID="1" presetClass="entr" presetSubtype="0" fill="hold" grpId="0" nodeType="withEffect">
+                                  <p:stCondLst>
+                                    <p:cond delay="0"/>
+                                  </p:stCondLst>
+                                  <p:childTnLst>
+                                    <p:set>
+                                      <p:cBhvr>
+                                        <p:cTn id="20" dur="1" fill="hold">
+                                          <p:stCondLst>
+                                            <p:cond delay="0"/>
+                                          </p:stCondLst>
+                                        </p:cTn>
+                                        <p:tgtEl>
+                                          <p:spTgt spid="13"/>
+                                        </p:tgtEl>
+                                        <p:attrNameLst>
+                                          <p:attrName>style.visibility</p:attrName>
+                                        </p:attrNameLst>
+                                      </p:cBhvr>
+                                      <p:to>
+                                        <p:strVal val="visible"/>
+                                      </p:to>
+                                    </p:set>
+                                  </p:childTnLst>
+                                </p:cTn>
+                              </p:par>
+                              <p:par>
+                                <p:cTn id="21" presetID="1" presetClass="entr" presetSubtype="0" fill="hold" nodeType="withEffect">
+                                  <p:stCondLst>
+                                    <p:cond delay="0"/>
+                                  </p:stCondLst>
+                                  <p:childTnLst>
+                                    <p:set>
+                                      <p:cBhvr>
+                                        <p:cTn id="22" dur="1" fill="hold">
+                                          <p:stCondLst>
+                                            <p:cond delay="0"/>
+                                          </p:stCondLst>
+                                        </p:cTn>
+                                        <p:tgtEl>
+                                          <p:spTgt spid="17"/>
+                                        </p:tgtEl>
+                                        <p:attrNameLst>
+                                          <p:attrName>style.visibility</p:attrName>
+                                        </p:attrNameLst>
+                                      </p:cBhvr>
+                                      <p:to>
+                                        <p:strVal val="visible"/>
+                                      </p:to>
+                                    </p:set>
+                                  </p:childTnLst>
+                                </p:cTn>
+                              </p:par>
+                            </p:childTnLst>
+                          </p:cTn>
+                        </p:par>
+                      </p:childTnLst>
+                    </p:cTn>
+                  </p:par>
+                  <p:par>
+                    <p:cTn id="23" fill="hold">
+                      <p:stCondLst>
+                        <p:cond delay="indefinite"/>
+                      </p:stCondLst>
+                      <p:childTnLst>
+                        <p:par>
+                          <p:cTn id="24" fill="hold">
+                            <p:stCondLst>
+                              <p:cond delay="0"/>
+                            </p:stCondLst>
+                            <p:childTnLst>
+                              <p:par>
+                                <p:cTn id="25" presetID="1" presetClass="entr" presetSubtype="0" fill="hold" grpId="0" nodeType="clickEffect">
+                                  <p:stCondLst>
+                                    <p:cond delay="0"/>
+                                  </p:stCondLst>
+                                  <p:childTnLst>
+                                    <p:set>
+                                      <p:cBhvr>
+                                        <p:cTn id="26" dur="1" fill="hold">
+                                          <p:stCondLst>
+                                            <p:cond delay="0"/>
+                                          </p:stCondLst>
+                                        </p:cTn>
+                                        <p:tgtEl>
+                                          <p:spTgt spid="21"/>
+                                        </p:tgtEl>
+                                        <p:attrNameLst>
+                                          <p:attrName>style.visibility</p:attrName>
+                                        </p:attrNameLst>
+                                      </p:cBhvr>
+                                      <p:to>
+                                        <p:strVal val="visible"/>
+                                      </p:to>
+                                    </p:set>
+                                  </p:childTnLst>
+                                </p:cTn>
+                              </p:par>
+                            </p:childTnLst>
+                          </p:cTn>
+                        </p:par>
+                      </p:childTnLst>
+                    </p:cTn>
+                  </p:par>
+                  <p:par>
+                    <p:cTn id="27" fill="hold">
+                      <p:stCondLst>
+                        <p:cond delay="indefinite"/>
+                      </p:stCondLst>
+                      <p:childTnLst>
+                        <p:par>
+                          <p:cTn id="28" fill="hold">
+                            <p:stCondLst>
+                              <p:cond delay="0"/>
+                            </p:stCondLst>
+                            <p:childTnLst>
+                              <p:par>
+                                <p:cTn id="29" presetID="1" presetClass="entr" presetSubtype="0" fill="hold" grpId="0" nodeType="clickEffect">
+                                  <p:stCondLst>
+                                    <p:cond delay="0"/>
+                                  </p:stCondLst>
+                                  <p:childTnLst>
+                                    <p:set>
+                                      <p:cBhvr>
+                                        <p:cTn id="30" dur="1" fill="hold">
+                                          <p:stCondLst>
+                                            <p:cond delay="0"/>
+                                          </p:stCondLst>
+                                        </p:cTn>
+                                        <p:tgtEl>
+                                          <p:spTgt spid="23"/>
+                                        </p:tgtEl>
+                                        <p:attrNameLst>
+                                          <p:attrName>style.visibility</p:attrName>
+                                        </p:attrNameLst>
+                                      </p:cBhvr>
+                                      <p:to>
+                                        <p:strVal val="visible"/>
+                                      </p:to>
+                                    </p:set>
+                                  </p:childTnLst>
+                                </p:cTn>
+                              </p:par>
+                            </p:childTnLst>
+                          </p:cTn>
+                        </p:par>
+                      </p:childTnLst>
+                    </p:cTn>
+                  </p:par>
+                  <p:par>
+                    <p:cTn id="31" fill="hold">
+                      <p:stCondLst>
+                        <p:cond delay="indefinite"/>
+                      </p:stCondLst>
+                      <p:childTnLst>
+                        <p:par>
+                          <p:cTn id="32" fill="hold">
+                            <p:stCondLst>
+                              <p:cond delay="0"/>
+                            </p:stCondLst>
+                            <p:childTnLst>
+                              <p:par>
+                                <p:cTn id="33" presetID="1" presetClass="entr" presetSubtype="0" fill="hold" nodeType="clickEffect">
+                                  <p:stCondLst>
+                                    <p:cond delay="0"/>
+                                  </p:stCondLst>
+                                  <p:childTnLst>
+                                    <p:set>
+                                      <p:cBhvr>
+                                        <p:cTn id="34" dur="1" fill="hold">
+                                          <p:stCondLst>
+                                            <p:cond delay="0"/>
+                                          </p:stCondLst>
+                                        </p:cTn>
+                                        <p:tgtEl>
+                                          <p:spTgt spid="3">
+                                            <p:txEl>
+                                              <p:pRg st="5" end="5"/>
+                                            </p:txEl>
+                                          </p:spTgt>
+                                        </p:tgtEl>
+                                        <p:attrNameLst>
+                                          <p:attrName>style.visibility</p:attrName>
+                                        </p:attrNameLst>
+                                      </p:cBhvr>
+                                      <p:to>
+                                        <p:strVal val="visible"/>
+                                      </p:to>
+                                    </p:set>
+                                  </p:childTnLst>
+                                </p:cTn>
+                              </p:par>
+                            </p:childTnLst>
+                          </p:cTn>
+                        </p:par>
+                      </p:childTnLst>
+                    </p:cTn>
+                  </p:par>
+                  <p:par>
+                    <p:cTn id="35" fill="hold">
+                      <p:stCondLst>
+                        <p:cond delay="indefinite"/>
+                      </p:stCondLst>
+                      <p:childTnLst>
+                        <p:par>
+                          <p:cTn id="36" fill="hold">
+                            <p:stCondLst>
+                              <p:cond delay="0"/>
+                            </p:stCondLst>
+                            <p:childTnLst>
+                              <p:par>
+                                <p:cTn id="37" presetID="1" presetClass="entr" presetSubtype="0" fill="hold" grpId="0" nodeType="clickEffect">
+                                  <p:stCondLst>
+                                    <p:cond delay="0"/>
+                                  </p:stCondLst>
+                                  <p:childTnLst>
+                                    <p:set>
+                                      <p:cBhvr>
+                                        <p:cTn id="38" dur="1" fill="hold">
+                                          <p:stCondLst>
+                                            <p:cond delay="0"/>
+                                          </p:stCondLst>
+                                        </p:cTn>
+                                        <p:tgtEl>
+                                          <p:spTgt spid="25"/>
+                                        </p:tgtEl>
+                                        <p:attrNameLst>
+                                          <p:attrName>style.visibility</p:attrName>
+                                        </p:attrNameLst>
+                                      </p:cBhvr>
+                                      <p:to>
+                                        <p:strVal val="visible"/>
+                                      </p:to>
+                                    </p:set>
+                                  </p:childTnLst>
+                                </p:cTn>
+                              </p:par>
+                              <p:par>
+                                <p:cTn id="39" presetID="1" presetClass="entr" presetSubtype="0" fill="hold" grpId="0" nodeType="withEffect">
+                                  <p:stCondLst>
+                                    <p:cond delay="0"/>
+                                  </p:stCondLst>
+                                  <p:childTnLst>
+                                    <p:set>
+                                      <p:cBhvr>
+                                        <p:cTn id="40" dur="1" fill="hold">
+                                          <p:stCondLst>
+                                            <p:cond delay="0"/>
+                                          </p:stCondLst>
+                                        </p:cTn>
+                                        <p:tgtEl>
+                                          <p:spTgt spid="24"/>
+                                        </p:tgtEl>
+                                        <p:attrNameLst>
+                                          <p:attrName>style.visibility</p:attrName>
+                                        </p:attrNameLst>
+                                      </p:cBhvr>
+                                      <p:to>
+                                        <p:strVal val="visible"/>
+                                      </p:to>
+                                    </p:set>
+                                  </p:childTnLst>
+                                </p:cTn>
+                              </p:par>
+                            </p:childTnLst>
+                          </p:cTn>
+                        </p:par>
+                      </p:childTnLst>
+                    </p:cTn>
+                  </p:par>
+                </p:childTnLst>
+              </p:cTn>
+              <p:prevCondLst>
+                <p:cond evt="onPrev" delay="0">
+                  <p:tgtEl>
+                    <p:sldTgt/>
+                  </p:tgtEl>
+                </p:cond>
+              </p:prevCondLst>
+              <p:nextCondLst>
+                <p:cond evt="onNext" delay="0">
+                  <p:tgtEl>
+                    <p:sldTgt/>
+                  </p:tgtEl>
+                </p:cond>
+              </p:nextCondLst>
+            </p:seq>
+          </p:childTnLst>
+        </p:cTn>
+      </p:par>
+    </p:tnLst>
+    <p:bldLst>
+      <p:bldP spid="6" grpId="0"/>
+      <p:bldP spid="8" grpId="0"/>
+      <p:bldP spid="9" grpId="0"/>
+      <p:bldP spid="12" grpId="0"/>
+      <p:bldP spid="13" grpId="0"/>
+      <p:bldP spid="21" grpId="0"/>
+      <p:bldP spid="23" grpId="0"/>
+      <p:bldP spid="24" grpId="0"/>
+      <p:bldP spid="25" grpId="0"/>
     </p:bldLst>
   </p:timing>
 </p:sld>

--- a/lectures/030_datatypes_and_variables/Datatypes-Variables-Details.pptx
+++ b/lectures/030_datatypes_and_variables/Datatypes-Variables-Details.pptx
@@ -2611,7 +2611,7 @@
           <a:p>
             <a:fld id="{2507D560-C4D4-4804-8CBF-2C56AB6C6DB9}" type="datetimeFigureOut">
               <a:rPr lang="en-US" smtClean="0"/>
-              <a:t>5/25/2021</a:t>
+              <a:t>8/16/2021</a:t>
             </a:fld>
             <a:endParaRPr lang="en-US"/>
           </a:p>
@@ -2776,7 +2776,7 @@
           <a:p>
             <a:fld id="{688E7586-9A7B-41FF-B169-85DADA744493}" type="datetimeFigureOut">
               <a:rPr lang="en-US" smtClean="0"/>
-              <a:t>5/25/2021</a:t>
+              <a:t>8/16/2021</a:t>
             </a:fld>
             <a:endParaRPr lang="en-US"/>
           </a:p>
@@ -6400,8 +6400,8 @@
           </a:p>
           <a:p>
             <a:r>
-              <a:rPr lang="en-US" dirty="0"/>
-              <a:t>Spring </a:t>
+              <a:rPr lang="en-US" smtClean="0"/>
+              <a:t>Spring/Fall </a:t>
             </a:r>
             <a:r>
               <a:rPr lang="en-US" dirty="0" smtClean="0"/>
